--- a/PCI Express.pptx
+++ b/PCI Express.pptx
@@ -8,14 +8,22 @@
     <p:notesMasterId r:id="rId4"/>
   </p:notesMasterIdLst>
   <p:handoutMasterIdLst>
-    <p:handoutMasterId r:id="rId9"/>
+    <p:handoutMasterId r:id="rId17"/>
   </p:handoutMasterIdLst>
   <p:sldIdLst>
     <p:sldId id="256" r:id="rId3"/>
     <p:sldId id="257" r:id="rId5"/>
     <p:sldId id="259" r:id="rId6"/>
     <p:sldId id="260" r:id="rId7"/>
-    <p:sldId id="258" r:id="rId8"/>
+    <p:sldId id="262" r:id="rId8"/>
+    <p:sldId id="263" r:id="rId9"/>
+    <p:sldId id="264" r:id="rId10"/>
+    <p:sldId id="265" r:id="rId11"/>
+    <p:sldId id="266" r:id="rId12"/>
+    <p:sldId id="267" r:id="rId13"/>
+    <p:sldId id="268" r:id="rId14"/>
+    <p:sldId id="269" r:id="rId15"/>
+    <p:sldId id="258" r:id="rId16"/>
   </p:sldIdLst>
   <p:sldSz cx="12192000" cy="6858000"/>
   <p:notesSz cx="7103745" cy="10234295"/>
@@ -666,6 +674,138 @@
 </p:notes>
 </file>
 
+<file path=ppt/notesSlides/notesSlide10.xml><?xml version="1.0" encoding="utf-8"?>
+<p:notes xmlns:a="http://schemas.openxmlformats.org/drawingml/2006/main" xmlns:r="http://schemas.openxmlformats.org/officeDocument/2006/relationships" xmlns:p="http://schemas.openxmlformats.org/presentationml/2006/main">
+  <p:cSld>
+    <p:spTree>
+      <p:nvGrpSpPr>
+        <p:cNvPr id="1" name=""/>
+        <p:cNvGrpSpPr/>
+        <p:nvPr/>
+      </p:nvGrpSpPr>
+      <p:grpSpPr/>
+      <p:sp>
+        <p:nvSpPr>
+          <p:cNvPr id="2" name="Slide Image Placeholder 1"/>
+          <p:cNvSpPr/>
+          <p:nvPr>
+            <p:ph type="sldImg" idx="2"/>
+          </p:nvPr>
+        </p:nvSpPr>
+        <p:spPr/>
+      </p:sp>
+      <p:sp>
+        <p:nvSpPr>
+          <p:cNvPr id="3" name="Text Placeholder 2"/>
+          <p:cNvSpPr/>
+          <p:nvPr>
+            <p:ph type="body" idx="3"/>
+          </p:nvPr>
+        </p:nvSpPr>
+        <p:spPr/>
+        <p:txBody>
+          <a:bodyPr/>
+          <a:p>
+            <a:endParaRPr lang="en-US"/>
+          </a:p>
+        </p:txBody>
+      </p:sp>
+    </p:spTree>
+  </p:cSld>
+  <p:clrMapOvr>
+    <a:masterClrMapping/>
+  </p:clrMapOvr>
+</p:notes>
+</file>
+
+<file path=ppt/notesSlides/notesSlide11.xml><?xml version="1.0" encoding="utf-8"?>
+<p:notes xmlns:a="http://schemas.openxmlformats.org/drawingml/2006/main" xmlns:r="http://schemas.openxmlformats.org/officeDocument/2006/relationships" xmlns:p="http://schemas.openxmlformats.org/presentationml/2006/main">
+  <p:cSld>
+    <p:spTree>
+      <p:nvGrpSpPr>
+        <p:cNvPr id="1" name=""/>
+        <p:cNvGrpSpPr/>
+        <p:nvPr/>
+      </p:nvGrpSpPr>
+      <p:grpSpPr/>
+      <p:sp>
+        <p:nvSpPr>
+          <p:cNvPr id="2" name="Slide Image Placeholder 1"/>
+          <p:cNvSpPr/>
+          <p:nvPr>
+            <p:ph type="sldImg" idx="2"/>
+          </p:nvPr>
+        </p:nvSpPr>
+        <p:spPr/>
+      </p:sp>
+      <p:sp>
+        <p:nvSpPr>
+          <p:cNvPr id="3" name="Text Placeholder 2"/>
+          <p:cNvSpPr/>
+          <p:nvPr>
+            <p:ph type="body" idx="3"/>
+          </p:nvPr>
+        </p:nvSpPr>
+        <p:spPr/>
+        <p:txBody>
+          <a:bodyPr/>
+          <a:p>
+            <a:endParaRPr lang="en-US"/>
+          </a:p>
+        </p:txBody>
+      </p:sp>
+    </p:spTree>
+  </p:cSld>
+  <p:clrMapOvr>
+    <a:masterClrMapping/>
+  </p:clrMapOvr>
+</p:notes>
+</file>
+
+<file path=ppt/notesSlides/notesSlide12.xml><?xml version="1.0" encoding="utf-8"?>
+<p:notes xmlns:a="http://schemas.openxmlformats.org/drawingml/2006/main" xmlns:r="http://schemas.openxmlformats.org/officeDocument/2006/relationships" xmlns:p="http://schemas.openxmlformats.org/presentationml/2006/main">
+  <p:cSld>
+    <p:spTree>
+      <p:nvGrpSpPr>
+        <p:cNvPr id="1" name=""/>
+        <p:cNvGrpSpPr/>
+        <p:nvPr/>
+      </p:nvGrpSpPr>
+      <p:grpSpPr/>
+      <p:sp>
+        <p:nvSpPr>
+          <p:cNvPr id="2" name="Slide Image Placeholder 1"/>
+          <p:cNvSpPr/>
+          <p:nvPr>
+            <p:ph type="sldImg" idx="2"/>
+          </p:nvPr>
+        </p:nvSpPr>
+        <p:spPr/>
+      </p:sp>
+      <p:sp>
+        <p:nvSpPr>
+          <p:cNvPr id="3" name="Text Placeholder 2"/>
+          <p:cNvSpPr/>
+          <p:nvPr>
+            <p:ph type="body" idx="3"/>
+          </p:nvPr>
+        </p:nvSpPr>
+        <p:spPr/>
+        <p:txBody>
+          <a:bodyPr/>
+          <a:p>
+            <a:endParaRPr lang="en-US"/>
+          </a:p>
+        </p:txBody>
+      </p:sp>
+    </p:spTree>
+  </p:cSld>
+  <p:clrMapOvr>
+    <a:masterClrMapping/>
+  </p:clrMapOvr>
+</p:notes>
+</file>
+
 <file path=ppt/notesSlides/notesSlide2.xml><?xml version="1.0" encoding="utf-8"?>
 <p:notes xmlns:a="http://schemas.openxmlformats.org/drawingml/2006/main" xmlns:r="http://schemas.openxmlformats.org/officeDocument/2006/relationships" xmlns:p="http://schemas.openxmlformats.org/presentationml/2006/main">
   <p:cSld>
@@ -755,6 +895,226 @@
 </file>
 
 <file path=ppt/notesSlides/notesSlide4.xml><?xml version="1.0" encoding="utf-8"?>
+<p:notes xmlns:a="http://schemas.openxmlformats.org/drawingml/2006/main" xmlns:r="http://schemas.openxmlformats.org/officeDocument/2006/relationships" xmlns:p="http://schemas.openxmlformats.org/presentationml/2006/main">
+  <p:cSld>
+    <p:spTree>
+      <p:nvGrpSpPr>
+        <p:cNvPr id="1" name=""/>
+        <p:cNvGrpSpPr/>
+        <p:nvPr/>
+      </p:nvGrpSpPr>
+      <p:grpSpPr/>
+      <p:sp>
+        <p:nvSpPr>
+          <p:cNvPr id="2" name="Slide Image Placeholder 1"/>
+          <p:cNvSpPr/>
+          <p:nvPr>
+            <p:ph type="sldImg" idx="2"/>
+          </p:nvPr>
+        </p:nvSpPr>
+        <p:spPr/>
+      </p:sp>
+      <p:sp>
+        <p:nvSpPr>
+          <p:cNvPr id="3" name="Text Placeholder 2"/>
+          <p:cNvSpPr/>
+          <p:nvPr>
+            <p:ph type="body" idx="3"/>
+          </p:nvPr>
+        </p:nvSpPr>
+        <p:spPr/>
+        <p:txBody>
+          <a:bodyPr/>
+          <a:p>
+            <a:endParaRPr lang="en-US"/>
+          </a:p>
+        </p:txBody>
+      </p:sp>
+    </p:spTree>
+  </p:cSld>
+  <p:clrMapOvr>
+    <a:masterClrMapping/>
+  </p:clrMapOvr>
+</p:notes>
+</file>
+
+<file path=ppt/notesSlides/notesSlide5.xml><?xml version="1.0" encoding="utf-8"?>
+<p:notes xmlns:a="http://schemas.openxmlformats.org/drawingml/2006/main" xmlns:r="http://schemas.openxmlformats.org/officeDocument/2006/relationships" xmlns:p="http://schemas.openxmlformats.org/presentationml/2006/main">
+  <p:cSld>
+    <p:spTree>
+      <p:nvGrpSpPr>
+        <p:cNvPr id="1" name=""/>
+        <p:cNvGrpSpPr/>
+        <p:nvPr/>
+      </p:nvGrpSpPr>
+      <p:grpSpPr/>
+      <p:sp>
+        <p:nvSpPr>
+          <p:cNvPr id="2" name="Slide Image Placeholder 1"/>
+          <p:cNvSpPr/>
+          <p:nvPr>
+            <p:ph type="sldImg" idx="2"/>
+          </p:nvPr>
+        </p:nvSpPr>
+        <p:spPr/>
+      </p:sp>
+      <p:sp>
+        <p:nvSpPr>
+          <p:cNvPr id="3" name="Text Placeholder 2"/>
+          <p:cNvSpPr/>
+          <p:nvPr>
+            <p:ph type="body" idx="3"/>
+          </p:nvPr>
+        </p:nvSpPr>
+        <p:spPr/>
+        <p:txBody>
+          <a:bodyPr/>
+          <a:p>
+            <a:endParaRPr lang="en-US"/>
+          </a:p>
+        </p:txBody>
+      </p:sp>
+    </p:spTree>
+  </p:cSld>
+  <p:clrMapOvr>
+    <a:masterClrMapping/>
+  </p:clrMapOvr>
+</p:notes>
+</file>
+
+<file path=ppt/notesSlides/notesSlide6.xml><?xml version="1.0" encoding="utf-8"?>
+<p:notes xmlns:a="http://schemas.openxmlformats.org/drawingml/2006/main" xmlns:r="http://schemas.openxmlformats.org/officeDocument/2006/relationships" xmlns:p="http://schemas.openxmlformats.org/presentationml/2006/main">
+  <p:cSld>
+    <p:spTree>
+      <p:nvGrpSpPr>
+        <p:cNvPr id="1" name=""/>
+        <p:cNvGrpSpPr/>
+        <p:nvPr/>
+      </p:nvGrpSpPr>
+      <p:grpSpPr/>
+      <p:sp>
+        <p:nvSpPr>
+          <p:cNvPr id="2" name="Slide Image Placeholder 1"/>
+          <p:cNvSpPr/>
+          <p:nvPr>
+            <p:ph type="sldImg" idx="2"/>
+          </p:nvPr>
+        </p:nvSpPr>
+        <p:spPr/>
+      </p:sp>
+      <p:sp>
+        <p:nvSpPr>
+          <p:cNvPr id="3" name="Text Placeholder 2"/>
+          <p:cNvSpPr/>
+          <p:nvPr>
+            <p:ph type="body" idx="3"/>
+          </p:nvPr>
+        </p:nvSpPr>
+        <p:spPr/>
+        <p:txBody>
+          <a:bodyPr/>
+          <a:p>
+            <a:endParaRPr lang="en-US"/>
+          </a:p>
+        </p:txBody>
+      </p:sp>
+    </p:spTree>
+  </p:cSld>
+  <p:clrMapOvr>
+    <a:masterClrMapping/>
+  </p:clrMapOvr>
+</p:notes>
+</file>
+
+<file path=ppt/notesSlides/notesSlide7.xml><?xml version="1.0" encoding="utf-8"?>
+<p:notes xmlns:a="http://schemas.openxmlformats.org/drawingml/2006/main" xmlns:r="http://schemas.openxmlformats.org/officeDocument/2006/relationships" xmlns:p="http://schemas.openxmlformats.org/presentationml/2006/main">
+  <p:cSld>
+    <p:spTree>
+      <p:nvGrpSpPr>
+        <p:cNvPr id="1" name=""/>
+        <p:cNvGrpSpPr/>
+        <p:nvPr/>
+      </p:nvGrpSpPr>
+      <p:grpSpPr/>
+      <p:sp>
+        <p:nvSpPr>
+          <p:cNvPr id="2" name="Slide Image Placeholder 1"/>
+          <p:cNvSpPr/>
+          <p:nvPr>
+            <p:ph type="sldImg" idx="2"/>
+          </p:nvPr>
+        </p:nvSpPr>
+        <p:spPr/>
+      </p:sp>
+      <p:sp>
+        <p:nvSpPr>
+          <p:cNvPr id="3" name="Text Placeholder 2"/>
+          <p:cNvSpPr/>
+          <p:nvPr>
+            <p:ph type="body" idx="3"/>
+          </p:nvPr>
+        </p:nvSpPr>
+        <p:spPr/>
+        <p:txBody>
+          <a:bodyPr/>
+          <a:p>
+            <a:endParaRPr lang="en-US"/>
+          </a:p>
+        </p:txBody>
+      </p:sp>
+    </p:spTree>
+  </p:cSld>
+  <p:clrMapOvr>
+    <a:masterClrMapping/>
+  </p:clrMapOvr>
+</p:notes>
+</file>
+
+<file path=ppt/notesSlides/notesSlide8.xml><?xml version="1.0" encoding="utf-8"?>
+<p:notes xmlns:a="http://schemas.openxmlformats.org/drawingml/2006/main" xmlns:r="http://schemas.openxmlformats.org/officeDocument/2006/relationships" xmlns:p="http://schemas.openxmlformats.org/presentationml/2006/main">
+  <p:cSld>
+    <p:spTree>
+      <p:nvGrpSpPr>
+        <p:cNvPr id="1" name=""/>
+        <p:cNvGrpSpPr/>
+        <p:nvPr/>
+      </p:nvGrpSpPr>
+      <p:grpSpPr/>
+      <p:sp>
+        <p:nvSpPr>
+          <p:cNvPr id="2" name="Slide Image Placeholder 1"/>
+          <p:cNvSpPr/>
+          <p:nvPr>
+            <p:ph type="sldImg" idx="2"/>
+          </p:nvPr>
+        </p:nvSpPr>
+        <p:spPr/>
+      </p:sp>
+      <p:sp>
+        <p:nvSpPr>
+          <p:cNvPr id="3" name="Text Placeholder 2"/>
+          <p:cNvSpPr/>
+          <p:nvPr>
+            <p:ph type="body" idx="3"/>
+          </p:nvPr>
+        </p:nvSpPr>
+        <p:spPr/>
+        <p:txBody>
+          <a:bodyPr/>
+          <a:p>
+            <a:endParaRPr lang="en-US"/>
+          </a:p>
+        </p:txBody>
+      </p:sp>
+    </p:spTree>
+  </p:cSld>
+  <p:clrMapOvr>
+    <a:masterClrMapping/>
+  </p:clrMapOvr>
+</p:notes>
+</file>
+
+<file path=ppt/notesSlides/notesSlide9.xml><?xml version="1.0" encoding="utf-8"?>
 <p:notes xmlns:a="http://schemas.openxmlformats.org/drawingml/2006/main" xmlns:r="http://schemas.openxmlformats.org/officeDocument/2006/relationships" xmlns:p="http://schemas.openxmlformats.org/presentationml/2006/main">
   <p:cSld>
     <p:spTree>
@@ -817,7 +1177,7 @@
       </p:grpSpPr>
       <p:sp>
         <p:nvSpPr>
-          <p:cNvPr id="2" name="标题 1"/>
+          <p:cNvPr id="2" name="Title 1"/>
           <p:cNvSpPr>
             <a:spLocks noGrp="true"/>
           </p:cNvSpPr>
@@ -827,109 +1187,29 @@
         </p:nvSpPr>
         <p:spPr>
           <a:xfrm>
-            <a:off x="1524000" y="1322962"/>
-            <a:ext cx="9144000" cy="2187001"/>
+            <a:off x="1524000" y="1122363"/>
+            <a:ext cx="9144000" cy="2387600"/>
           </a:xfrm>
         </p:spPr>
         <p:txBody>
-          <a:bodyPr anchor="b">
-            <a:normAutofit/>
-          </a:bodyPr>
+          <a:bodyPr anchor="b"/>
           <a:lstStyle>
             <a:lvl1pPr algn="ctr">
-              <a:lnSpc>
-                <a:spcPct val="130000"/>
-              </a:lnSpc>
-              <a:defRPr sz="6000">
-                <a:effectLst>
-                  <a:outerShdw blurRad="38100" dist="38100" dir="2700000" algn="tl">
-                    <a:srgbClr val="000000">
-                      <a:alpha val="43137"/>
-                    </a:srgbClr>
-                  </a:outerShdw>
-                </a:effectLst>
-              </a:defRPr>
+              <a:defRPr sz="4500"/>
             </a:lvl1pPr>
           </a:lstStyle>
           <a:p>
             <a:r>
-              <a:rPr lang="zh-CN" altLang="en-US" dirty="0">
-                <a:sym typeface="+mn-ea"/>
-              </a:rPr>
+              <a:rPr lang="en-US" smtClean="0"/>
               <a:t>Click to edit Master title style</a:t>
             </a:r>
-            <a:endParaRPr lang="zh-CN" altLang="en-US" dirty="0">
-              <a:sym typeface="+mn-ea"/>
-            </a:endParaRPr>
-          </a:p>
-        </p:txBody>
-      </p:sp>
-      <p:sp>
-        <p:nvSpPr>
-          <p:cNvPr id="4" name="日期占位符 3"/>
-          <p:cNvSpPr>
-            <a:spLocks noGrp="true"/>
-          </p:cNvSpPr>
-          <p:nvPr>
-            <p:ph type="dt" sz="half" idx="10"/>
-          </p:nvPr>
-        </p:nvSpPr>
-        <p:spPr/>
-        <p:txBody>
-          <a:bodyPr/>
-          <a:lstStyle/>
-          <a:p>
-            <a:fld id="{760FBDFE-C587-4B4C-A407-44438C67B59E}" type="datetimeFigureOut">
-              <a:rPr lang="zh-CN" altLang="en-US" smtClean="0"/>
-            </a:fld>
-            <a:endParaRPr lang="zh-CN" altLang="en-US"/>
-          </a:p>
-        </p:txBody>
-      </p:sp>
-      <p:sp>
-        <p:nvSpPr>
-          <p:cNvPr id="5" name="页脚占位符 4"/>
-          <p:cNvSpPr>
-            <a:spLocks noGrp="true"/>
-          </p:cNvSpPr>
-          <p:nvPr>
-            <p:ph type="ftr" sz="quarter" idx="11"/>
-          </p:nvPr>
-        </p:nvSpPr>
-        <p:spPr/>
-        <p:txBody>
-          <a:bodyPr/>
-          <a:lstStyle/>
-          <a:p>
-            <a:endParaRPr lang="zh-CN" altLang="en-US"/>
-          </a:p>
-        </p:txBody>
-      </p:sp>
-      <p:sp>
-        <p:nvSpPr>
-          <p:cNvPr id="6" name="灯片编号占位符 5"/>
-          <p:cNvSpPr>
-            <a:spLocks noGrp="true"/>
-          </p:cNvSpPr>
-          <p:nvPr>
-            <p:ph type="sldNum" sz="quarter" idx="12"/>
-          </p:nvPr>
-        </p:nvSpPr>
-        <p:spPr/>
-        <p:txBody>
-          <a:bodyPr/>
-          <a:lstStyle/>
-          <a:p>
-            <a:fld id="{49AE70B2-8BF9-45C0-BB95-33D1B9D3A854}" type="slidenum">
-              <a:rPr lang="zh-CN" altLang="en-US" smtClean="0"/>
-            </a:fld>
-            <a:endParaRPr lang="zh-CN" altLang="en-US"/>
-          </a:p>
-        </p:txBody>
-      </p:sp>
-      <p:sp>
-        <p:nvSpPr>
-          <p:cNvPr id="3" name="副标题 2"/>
+            <a:endParaRPr lang="en-US"/>
+          </a:p>
+        </p:txBody>
+      </p:sp>
+      <p:sp>
+        <p:nvSpPr>
+          <p:cNvPr id="3" name="Subtitle 2"/>
           <p:cNvSpPr>
             <a:spLocks noGrp="true"/>
           </p:cNvSpPr>
@@ -944,63 +1224,114 @@
           </a:xfrm>
         </p:spPr>
         <p:txBody>
-          <a:bodyPr>
-            <a:normAutofit/>
-          </a:bodyPr>
+          <a:bodyPr/>
           <a:lstStyle>
             <a:lvl1pPr marL="0" indent="0" algn="ctr">
               <a:buNone/>
-              <a:defRPr sz="1800">
-                <a:solidFill>
-                  <a:schemeClr val="tx1">
-                    <a:lumMod val="75000"/>
-                    <a:lumOff val="25000"/>
-                  </a:schemeClr>
-                </a:solidFill>
-                <a:effectLst/>
-                <a:latin typeface="+mj-lt"/>
-                <a:ea typeface="+mj-ea"/>
-              </a:defRPr>
+              <a:defRPr sz="1800"/>
             </a:lvl1pPr>
-            <a:lvl2pPr marL="457200" indent="0" algn="ctr">
+            <a:lvl2pPr marL="342900" indent="0" algn="ctr">
               <a:buNone/>
-              <a:defRPr sz="2000"/>
+              <a:defRPr sz="1500"/>
             </a:lvl2pPr>
-            <a:lvl3pPr marL="914400" indent="0" algn="ctr">
+            <a:lvl3pPr marL="685800" indent="0" algn="ctr">
               <a:buNone/>
-              <a:defRPr sz="1800"/>
+              <a:defRPr sz="1350"/>
             </a:lvl3pPr>
-            <a:lvl4pPr marL="1371600" indent="0" algn="ctr">
+            <a:lvl4pPr marL="1028700" indent="0" algn="ctr">
               <a:buNone/>
-              <a:defRPr sz="1600"/>
+              <a:defRPr sz="1200"/>
             </a:lvl4pPr>
-            <a:lvl5pPr marL="1828800" indent="0" algn="ctr">
+            <a:lvl5pPr marL="1371600" indent="0" algn="ctr">
               <a:buNone/>
-              <a:defRPr sz="1600"/>
+              <a:defRPr sz="1200"/>
             </a:lvl5pPr>
-            <a:lvl6pPr marL="2286000" indent="0" algn="ctr">
+            <a:lvl6pPr marL="1714500" indent="0" algn="ctr">
               <a:buNone/>
-              <a:defRPr sz="1600"/>
+              <a:defRPr sz="1200"/>
             </a:lvl6pPr>
-            <a:lvl7pPr marL="2743200" indent="0" algn="ctr">
+            <a:lvl7pPr marL="2057400" indent="0" algn="ctr">
               <a:buNone/>
-              <a:defRPr sz="1600"/>
+              <a:defRPr sz="1200"/>
             </a:lvl7pPr>
-            <a:lvl8pPr marL="3200400" indent="0" algn="ctr">
+            <a:lvl8pPr marL="2400300" indent="0" algn="ctr">
               <a:buNone/>
-              <a:defRPr sz="1600"/>
+              <a:defRPr sz="1200"/>
             </a:lvl8pPr>
-            <a:lvl9pPr marL="3657600" indent="0" algn="ctr">
+            <a:lvl9pPr marL="2743200" indent="0" algn="ctr">
               <a:buNone/>
-              <a:defRPr sz="1600"/>
+              <a:defRPr sz="1200"/>
             </a:lvl9pPr>
           </a:lstStyle>
           <a:p>
             <a:r>
-              <a:rPr lang="zh-CN" altLang="en-US" dirty="0"/>
+              <a:rPr lang="en-US" smtClean="0"/>
               <a:t>Click to edit Master subtitle style</a:t>
             </a:r>
-            <a:endParaRPr lang="zh-CN" altLang="en-US" dirty="0"/>
+            <a:endParaRPr lang="en-US"/>
+          </a:p>
+        </p:txBody>
+      </p:sp>
+      <p:sp>
+        <p:nvSpPr>
+          <p:cNvPr id="4" name="Date Placeholder 3"/>
+          <p:cNvSpPr>
+            <a:spLocks noGrp="true"/>
+          </p:cNvSpPr>
+          <p:nvPr>
+            <p:ph type="dt" sz="half" idx="10"/>
+          </p:nvPr>
+        </p:nvSpPr>
+        <p:spPr/>
+        <p:txBody>
+          <a:bodyPr/>
+          <a:lstStyle/>
+          <a:p>
+            <a:fld id="{760FBDFE-C587-4B4C-A407-44438C67B59E}" type="datetimeFigureOut">
+              <a:rPr lang="zh-CN" altLang="en-US" smtClean="0"/>
+            </a:fld>
+            <a:endParaRPr lang="zh-CN" altLang="en-US"/>
+          </a:p>
+        </p:txBody>
+      </p:sp>
+      <p:sp>
+        <p:nvSpPr>
+          <p:cNvPr id="5" name="Footer Placeholder 4"/>
+          <p:cNvSpPr>
+            <a:spLocks noGrp="true"/>
+          </p:cNvSpPr>
+          <p:nvPr>
+            <p:ph type="ftr" sz="quarter" idx="11"/>
+          </p:nvPr>
+        </p:nvSpPr>
+        <p:spPr/>
+        <p:txBody>
+          <a:bodyPr/>
+          <a:lstStyle/>
+          <a:p>
+            <a:endParaRPr lang="zh-CN" altLang="en-US"/>
+          </a:p>
+        </p:txBody>
+      </p:sp>
+      <p:sp>
+        <p:nvSpPr>
+          <p:cNvPr id="6" name="Slide Number Placeholder 5"/>
+          <p:cNvSpPr>
+            <a:spLocks noGrp="true"/>
+          </p:cNvSpPr>
+          <p:nvPr>
+            <p:ph type="sldNum" sz="quarter" idx="12"/>
+          </p:nvPr>
+        </p:nvSpPr>
+        <p:spPr/>
+        <p:txBody>
+          <a:bodyPr/>
+          <a:lstStyle/>
+          <a:p>
+            <a:fld id="{49AE70B2-8BF9-45C0-BB95-33D1B9D3A854}" type="slidenum">
+              <a:rPr lang="zh-CN" altLang="en-US" smtClean="0"/>
+            </a:fld>
+            <a:endParaRPr lang="zh-CN" altLang="en-US"/>
           </a:p>
         </p:txBody>
       </p:sp>
@@ -1009,12 +1340,13 @@
   <p:clrMapOvr>
     <a:masterClrMapping/>
   </p:clrMapOvr>
+  <p:hf sldNum="0" hdr="0" ftr="0" dt="0"/>
 </p:sldLayout>
 </file>
 
 <file path=ppt/slideLayouts/slideLayout10.xml><?xml version="1.0" encoding="utf-8"?>
-<p:sldLayout xmlns:a="http://schemas.openxmlformats.org/drawingml/2006/main" xmlns:r="http://schemas.openxmlformats.org/officeDocument/2006/relationships" xmlns:p="http://schemas.openxmlformats.org/presentationml/2006/main" preserve="1" userDrawn="1">
-  <p:cSld name="Content">
+<p:sldLayout xmlns:a="http://schemas.openxmlformats.org/drawingml/2006/main" xmlns:r="http://schemas.openxmlformats.org/officeDocument/2006/relationships" xmlns:p="http://schemas.openxmlformats.org/presentationml/2006/main" type="vertTx" preserve="1">
+  <p:cSld name="Title and Vertical Text">
     <p:spTree>
       <p:nvGrpSpPr>
         <p:cNvPr id="1" name=""/>
@@ -1031,7 +1363,86 @@
       </p:grpSpPr>
       <p:sp>
         <p:nvSpPr>
-          <p:cNvPr id="3" name="日期占位符 2"/>
+          <p:cNvPr id="2" name="Title 1"/>
+          <p:cNvSpPr>
+            <a:spLocks noGrp="true"/>
+          </p:cNvSpPr>
+          <p:nvPr>
+            <p:ph type="title"/>
+          </p:nvPr>
+        </p:nvSpPr>
+        <p:spPr/>
+        <p:txBody>
+          <a:bodyPr/>
+          <a:lstStyle/>
+          <a:p>
+            <a:r>
+              <a:rPr lang="en-US" smtClean="0"/>
+              <a:t>Click to edit Master title style</a:t>
+            </a:r>
+            <a:endParaRPr lang="en-US"/>
+          </a:p>
+        </p:txBody>
+      </p:sp>
+      <p:sp>
+        <p:nvSpPr>
+          <p:cNvPr id="3" name="Vertical Text Placeholder 2"/>
+          <p:cNvSpPr>
+            <a:spLocks noGrp="true"/>
+          </p:cNvSpPr>
+          <p:nvPr>
+            <p:ph type="body" orient="vert" idx="1"/>
+          </p:nvPr>
+        </p:nvSpPr>
+        <p:spPr/>
+        <p:txBody>
+          <a:bodyPr vert="eaVert"/>
+          <a:lstStyle/>
+          <a:p>
+            <a:pPr lvl="0"/>
+            <a:r>
+              <a:rPr lang="en-US" smtClean="0"/>
+              <a:t>Click to edit Master text styles</a:t>
+            </a:r>
+            <a:endParaRPr lang="en-US" smtClean="0"/>
+          </a:p>
+          <a:p>
+            <a:pPr lvl="1"/>
+            <a:r>
+              <a:rPr lang="en-US" smtClean="0"/>
+              <a:t>Second level</a:t>
+            </a:r>
+            <a:endParaRPr lang="en-US" smtClean="0"/>
+          </a:p>
+          <a:p>
+            <a:pPr lvl="2"/>
+            <a:r>
+              <a:rPr lang="en-US" smtClean="0"/>
+              <a:t>Third level</a:t>
+            </a:r>
+            <a:endParaRPr lang="en-US" smtClean="0"/>
+          </a:p>
+          <a:p>
+            <a:pPr lvl="3"/>
+            <a:r>
+              <a:rPr lang="en-US" smtClean="0"/>
+              <a:t>Fourth level</a:t>
+            </a:r>
+            <a:endParaRPr lang="en-US" smtClean="0"/>
+          </a:p>
+          <a:p>
+            <a:pPr lvl="4"/>
+            <a:r>
+              <a:rPr lang="en-US" smtClean="0"/>
+              <a:t>Fifth level</a:t>
+            </a:r>
+            <a:endParaRPr lang="en-US"/>
+          </a:p>
+        </p:txBody>
+      </p:sp>
+      <p:sp>
+        <p:nvSpPr>
+          <p:cNvPr id="4" name="Date Placeholder 3"/>
           <p:cNvSpPr>
             <a:spLocks noGrp="true"/>
           </p:cNvSpPr>
@@ -1044,116 +1455,148 @@
           <a:bodyPr/>
           <a:lstStyle/>
           <a:p>
-            <a:fld id="{760FBDFE-C587-4B4C-A407-44438C67B59E}" type="datetimeFigureOut">
-              <a:rPr lang="zh-CN" altLang="en-US" smtClean="0"/>
+            <a:pPr marL="0" marR="0" lvl="0" indent="0" algn="l" defTabSz="914400" rtl="0" eaLnBrk="1" fontAlgn="base" latinLnBrk="0" hangingPunct="1">
+              <a:lnSpc>
+                <a:spcPct val="100000"/>
+              </a:lnSpc>
+              <a:spcBef>
+                <a:spcPct val="0"/>
+              </a:spcBef>
+              <a:spcAft>
+                <a:spcPct val="0"/>
+              </a:spcAft>
+              <a:buClrTx/>
+              <a:buSzTx/>
+              <a:buFontTx/>
+              <a:buNone/>
+              <a:defRPr/>
+            </a:pPr>
+            <a:endParaRPr kumimoji="0" lang="en-US" altLang="zh-CN" sz="1400" b="0" i="0" u="none" strike="noStrike" kern="1200" cap="none" spc="0" normalizeH="0" baseline="0" noProof="0" smtClean="0">
+              <a:ln>
+                <a:noFill/>
+              </a:ln>
+              <a:solidFill>
+                <a:schemeClr val="tx1"/>
+              </a:solidFill>
+              <a:effectLst/>
+              <a:uLnTx/>
+              <a:uFillTx/>
+              <a:latin typeface="Arial" panose="02080604020202020204" pitchFamily="34" charset="0"/>
+              <a:ea typeface="SimSun" pitchFamily="2" charset="-122"/>
+              <a:cs typeface="+mn-cs"/>
+            </a:endParaRPr>
+          </a:p>
+        </p:txBody>
+      </p:sp>
+      <p:sp>
+        <p:nvSpPr>
+          <p:cNvPr id="5" name="Footer Placeholder 4"/>
+          <p:cNvSpPr>
+            <a:spLocks noGrp="true"/>
+          </p:cNvSpPr>
+          <p:nvPr>
+            <p:ph type="ftr" sz="quarter" idx="11"/>
+          </p:nvPr>
+        </p:nvSpPr>
+        <p:spPr/>
+        <p:txBody>
+          <a:bodyPr/>
+          <a:lstStyle/>
+          <a:p>
+            <a:pPr marL="0" marR="0" lvl="0" indent="0" algn="ctr" defTabSz="914400" rtl="0" eaLnBrk="1" fontAlgn="base" latinLnBrk="0" hangingPunct="1">
+              <a:lnSpc>
+                <a:spcPct val="100000"/>
+              </a:lnSpc>
+              <a:spcBef>
+                <a:spcPct val="0"/>
+              </a:spcBef>
+              <a:spcAft>
+                <a:spcPct val="0"/>
+              </a:spcAft>
+              <a:buClrTx/>
+              <a:buSzTx/>
+              <a:buFontTx/>
+              <a:buNone/>
+              <a:defRPr/>
+            </a:pPr>
+            <a:endParaRPr kumimoji="0" lang="en-US" altLang="zh-CN" sz="1400" b="0" i="0" u="none" strike="noStrike" kern="1200" cap="none" spc="0" normalizeH="0" baseline="0" noProof="0" smtClean="0">
+              <a:ln>
+                <a:noFill/>
+              </a:ln>
+              <a:solidFill>
+                <a:schemeClr val="tx1"/>
+              </a:solidFill>
+              <a:effectLst/>
+              <a:uLnTx/>
+              <a:uFillTx/>
+              <a:latin typeface="Arial" panose="02080604020202020204" pitchFamily="34" charset="0"/>
+              <a:ea typeface="SimSun" pitchFamily="2" charset="-122"/>
+              <a:cs typeface="+mn-cs"/>
+            </a:endParaRPr>
+          </a:p>
+        </p:txBody>
+      </p:sp>
+      <p:sp>
+        <p:nvSpPr>
+          <p:cNvPr id="6" name="Slide Number Placeholder 5"/>
+          <p:cNvSpPr>
+            <a:spLocks noGrp="true"/>
+          </p:cNvSpPr>
+          <p:nvPr>
+            <p:ph type="sldNum" sz="quarter" idx="12"/>
+          </p:nvPr>
+        </p:nvSpPr>
+        <p:spPr/>
+        <p:txBody>
+          <a:bodyPr/>
+          <a:lstStyle/>
+          <a:p>
+            <a:pPr marL="0" marR="0" lvl="0" indent="0" algn="r" defTabSz="914400" rtl="0" eaLnBrk="1" fontAlgn="base" latinLnBrk="0" hangingPunct="1">
+              <a:lnSpc>
+                <a:spcPct val="100000"/>
+              </a:lnSpc>
+              <a:spcBef>
+                <a:spcPct val="0"/>
+              </a:spcBef>
+              <a:spcAft>
+                <a:spcPct val="0"/>
+              </a:spcAft>
+              <a:buClrTx/>
+              <a:buSzTx/>
+              <a:buFontTx/>
+              <a:buNone/>
+              <a:defRPr/>
+            </a:pPr>
+            <a:fld id="{9C4527FD-C22F-4528-B2BB-24ACAEFD76BE}" type="slidenum">
+              <a:rPr kumimoji="0" lang="en-US" altLang="zh-CN" sz="1400" b="0" i="0" u="none" strike="noStrike" kern="1200" cap="none" spc="0" normalizeH="0" baseline="0" noProof="0" smtClean="0">
+                <a:ln>
+                  <a:noFill/>
+                </a:ln>
+                <a:solidFill>
+                  <a:schemeClr val="tx1"/>
+                </a:solidFill>
+                <a:effectLst/>
+                <a:uLnTx/>
+                <a:uFillTx/>
+                <a:latin typeface="Arial" panose="02080604020202020204" pitchFamily="34" charset="0"/>
+                <a:ea typeface="SimSun" pitchFamily="2" charset="-122"/>
+                <a:cs typeface="+mn-cs"/>
+              </a:rPr>
             </a:fld>
-            <a:endParaRPr lang="zh-CN" altLang="en-US"/>
-          </a:p>
-        </p:txBody>
-      </p:sp>
-      <p:sp>
-        <p:nvSpPr>
-          <p:cNvPr id="4" name="页脚占位符 3"/>
-          <p:cNvSpPr>
-            <a:spLocks noGrp="true"/>
-          </p:cNvSpPr>
-          <p:nvPr>
-            <p:ph type="ftr" sz="quarter" idx="11"/>
-          </p:nvPr>
-        </p:nvSpPr>
-        <p:spPr/>
-        <p:txBody>
-          <a:bodyPr/>
-          <a:lstStyle/>
-          <a:p>
-            <a:endParaRPr lang="zh-CN" altLang="en-US"/>
-          </a:p>
-        </p:txBody>
-      </p:sp>
-      <p:sp>
-        <p:nvSpPr>
-          <p:cNvPr id="5" name="灯片编号占位符 4"/>
-          <p:cNvSpPr>
-            <a:spLocks noGrp="true"/>
-          </p:cNvSpPr>
-          <p:nvPr>
-            <p:ph type="sldNum" sz="quarter" idx="12"/>
-          </p:nvPr>
-        </p:nvSpPr>
-        <p:spPr/>
-        <p:txBody>
-          <a:bodyPr/>
-          <a:lstStyle/>
-          <a:p>
-            <a:fld id="{49AE70B2-8BF9-45C0-BB95-33D1B9D3A854}" type="slidenum">
-              <a:rPr lang="zh-CN" altLang="en-US" smtClean="0"/>
-            </a:fld>
-            <a:endParaRPr lang="zh-CN" altLang="en-US"/>
-          </a:p>
-        </p:txBody>
-      </p:sp>
-      <p:sp>
-        <p:nvSpPr>
-          <p:cNvPr id="7" name="内容占位符 6"/>
-          <p:cNvSpPr>
-            <a:spLocks noGrp="true"/>
-          </p:cNvSpPr>
-          <p:nvPr>
-            <p:ph sz="quarter" idx="13"/>
-          </p:nvPr>
-        </p:nvSpPr>
-        <p:spPr>
-          <a:xfrm>
-            <a:off x="838200" y="551543"/>
-            <a:ext cx="10515600" cy="5558971"/>
-          </a:xfrm>
-        </p:spPr>
-        <p:txBody>
-          <a:bodyPr/>
-          <a:lstStyle/>
-          <a:p>
-            <a:pPr lvl="0"/>
-            <a:r>
-              <a:rPr lang="zh-CN" altLang="en-US" dirty="0">
-                <a:sym typeface="+mn-ea"/>
-              </a:rPr>
-              <a:t>Click to edit Master text styles</a:t>
-            </a:r>
-            <a:endParaRPr lang="zh-CN" altLang="en-US" dirty="0">
-              <a:sym typeface="+mn-ea"/>
+            <a:endParaRPr kumimoji="0" lang="en-US" altLang="zh-CN" sz="1400" b="0" i="0" u="none" strike="noStrike" kern="1200" cap="none" spc="0" normalizeH="0" baseline="0" noProof="0" smtClean="0">
+              <a:ln>
+                <a:noFill/>
+              </a:ln>
+              <a:solidFill>
+                <a:schemeClr val="tx1"/>
+              </a:solidFill>
+              <a:effectLst/>
+              <a:uLnTx/>
+              <a:uFillTx/>
+              <a:latin typeface="Arial" panose="02080604020202020204" pitchFamily="34" charset="0"/>
+              <a:ea typeface="SimSun" pitchFamily="2" charset="-122"/>
+              <a:cs typeface="+mn-cs"/>
             </a:endParaRPr>
-          </a:p>
-          <a:p>
-            <a:pPr lvl="1"/>
-            <a:r>
-              <a:rPr lang="zh-CN" altLang="en-US" dirty="0"/>
-              <a:t>Second level</a:t>
-            </a:r>
-            <a:endParaRPr lang="zh-CN" altLang="en-US" dirty="0"/>
-          </a:p>
-          <a:p>
-            <a:pPr lvl="2"/>
-            <a:r>
-              <a:rPr lang="zh-CN" altLang="en-US" dirty="0"/>
-              <a:t>Third level</a:t>
-            </a:r>
-            <a:endParaRPr lang="zh-CN" altLang="en-US" dirty="0"/>
-          </a:p>
-          <a:p>
-            <a:pPr lvl="3"/>
-            <a:r>
-              <a:rPr lang="zh-CN" altLang="en-US" dirty="0"/>
-              <a:t>Fourth level</a:t>
-            </a:r>
-            <a:endParaRPr lang="zh-CN" altLang="en-US" dirty="0"/>
-          </a:p>
-          <a:p>
-            <a:pPr lvl="4"/>
-            <a:r>
-              <a:rPr lang="zh-CN" altLang="en-US" dirty="0"/>
-              <a:t>Fifth level</a:t>
-            </a:r>
-            <a:endParaRPr lang="zh-CN" altLang="en-US" dirty="0"/>
           </a:p>
         </p:txBody>
       </p:sp>
@@ -1162,6 +1605,185 @@
   <p:clrMapOvr>
     <a:masterClrMapping/>
   </p:clrMapOvr>
+  <p:hf sldNum="0" hdr="0" ftr="0" dt="0"/>
+</p:sldLayout>
+</file>
+
+<file path=ppt/slideLayouts/slideLayout11.xml><?xml version="1.0" encoding="utf-8"?>
+<p:sldLayout xmlns:a="http://schemas.openxmlformats.org/drawingml/2006/main" xmlns:r="http://schemas.openxmlformats.org/officeDocument/2006/relationships" xmlns:p="http://schemas.openxmlformats.org/presentationml/2006/main" type="vertTitleAndTx" preserve="1">
+  <p:cSld name="Vertical Title and Text">
+    <p:spTree>
+      <p:nvGrpSpPr>
+        <p:cNvPr id="1" name=""/>
+        <p:cNvGrpSpPr/>
+        <p:nvPr/>
+      </p:nvGrpSpPr>
+      <p:grpSpPr>
+        <a:xfrm>
+          <a:off x="0" y="0"/>
+          <a:ext cx="0" cy="0"/>
+          <a:chOff x="0" y="0"/>
+          <a:chExt cx="0" cy="0"/>
+        </a:xfrm>
+      </p:grpSpPr>
+      <p:sp>
+        <p:nvSpPr>
+          <p:cNvPr id="2" name="Vertical Title 1"/>
+          <p:cNvSpPr>
+            <a:spLocks noGrp="true"/>
+          </p:cNvSpPr>
+          <p:nvPr>
+            <p:ph type="title" orient="vert"/>
+          </p:nvPr>
+        </p:nvSpPr>
+        <p:spPr>
+          <a:xfrm>
+            <a:off x="8839200" y="274638"/>
+            <a:ext cx="2743200" cy="5851525"/>
+          </a:xfrm>
+        </p:spPr>
+        <p:txBody>
+          <a:bodyPr vert="eaVert"/>
+          <a:lstStyle/>
+          <a:p>
+            <a:r>
+              <a:rPr lang="en-US" smtClean="0"/>
+              <a:t>Click to edit Master title style</a:t>
+            </a:r>
+            <a:endParaRPr lang="en-US"/>
+          </a:p>
+        </p:txBody>
+      </p:sp>
+      <p:sp>
+        <p:nvSpPr>
+          <p:cNvPr id="3" name="Vertical Text Placeholder 2"/>
+          <p:cNvSpPr>
+            <a:spLocks noGrp="true"/>
+          </p:cNvSpPr>
+          <p:nvPr>
+            <p:ph type="body" orient="vert" idx="1"/>
+          </p:nvPr>
+        </p:nvSpPr>
+        <p:spPr>
+          <a:xfrm>
+            <a:off x="609600" y="274638"/>
+            <a:ext cx="8070573" cy="5851525"/>
+          </a:xfrm>
+        </p:spPr>
+        <p:txBody>
+          <a:bodyPr vert="eaVert"/>
+          <a:lstStyle/>
+          <a:p>
+            <a:pPr lvl="0"/>
+            <a:r>
+              <a:rPr lang="en-US" smtClean="0"/>
+              <a:t>Click to edit Master text styles</a:t>
+            </a:r>
+            <a:endParaRPr lang="en-US" smtClean="0"/>
+          </a:p>
+          <a:p>
+            <a:pPr lvl="1"/>
+            <a:r>
+              <a:rPr lang="en-US" smtClean="0"/>
+              <a:t>Second level</a:t>
+            </a:r>
+            <a:endParaRPr lang="en-US" smtClean="0"/>
+          </a:p>
+          <a:p>
+            <a:pPr lvl="2"/>
+            <a:r>
+              <a:rPr lang="en-US" smtClean="0"/>
+              <a:t>Third level</a:t>
+            </a:r>
+            <a:endParaRPr lang="en-US" smtClean="0"/>
+          </a:p>
+          <a:p>
+            <a:pPr lvl="3"/>
+            <a:r>
+              <a:rPr lang="en-US" smtClean="0"/>
+              <a:t>Fourth level</a:t>
+            </a:r>
+            <a:endParaRPr lang="en-US" smtClean="0"/>
+          </a:p>
+          <a:p>
+            <a:pPr lvl="4"/>
+            <a:r>
+              <a:rPr lang="en-US" smtClean="0"/>
+              <a:t>Fifth level</a:t>
+            </a:r>
+            <a:endParaRPr lang="en-US"/>
+          </a:p>
+        </p:txBody>
+      </p:sp>
+      <p:sp>
+        <p:nvSpPr>
+          <p:cNvPr id="4" name="Date Placeholder 3"/>
+          <p:cNvSpPr>
+            <a:spLocks noGrp="true"/>
+          </p:cNvSpPr>
+          <p:nvPr>
+            <p:ph type="dt" sz="half" idx="10"/>
+          </p:nvPr>
+        </p:nvSpPr>
+        <p:spPr/>
+        <p:txBody>
+          <a:bodyPr/>
+          <a:lstStyle/>
+          <a:p>
+            <a:fld id="{760FBDFE-C587-4B4C-A407-44438C67B59E}" type="datetimeFigureOut">
+              <a:rPr lang="zh-CN" altLang="en-US" smtClean="0"/>
+            </a:fld>
+            <a:endParaRPr lang="zh-CN" altLang="en-US"/>
+          </a:p>
+        </p:txBody>
+      </p:sp>
+      <p:sp>
+        <p:nvSpPr>
+          <p:cNvPr id="5" name="Footer Placeholder 4"/>
+          <p:cNvSpPr>
+            <a:spLocks noGrp="true"/>
+          </p:cNvSpPr>
+          <p:nvPr>
+            <p:ph type="ftr" sz="quarter" idx="11"/>
+          </p:nvPr>
+        </p:nvSpPr>
+        <p:spPr/>
+        <p:txBody>
+          <a:bodyPr/>
+          <a:lstStyle/>
+          <a:p>
+            <a:endParaRPr lang="zh-CN" altLang="en-US"/>
+          </a:p>
+        </p:txBody>
+      </p:sp>
+      <p:sp>
+        <p:nvSpPr>
+          <p:cNvPr id="6" name="Slide Number Placeholder 5"/>
+          <p:cNvSpPr>
+            <a:spLocks noGrp="true"/>
+          </p:cNvSpPr>
+          <p:nvPr>
+            <p:ph type="sldNum" sz="quarter" idx="12"/>
+          </p:nvPr>
+        </p:nvSpPr>
+        <p:spPr/>
+        <p:txBody>
+          <a:bodyPr/>
+          <a:lstStyle/>
+          <a:p>
+            <a:fld id="{49AE70B2-8BF9-45C0-BB95-33D1B9D3A854}" type="slidenum">
+              <a:rPr lang="zh-CN" altLang="en-US" smtClean="0"/>
+            </a:fld>
+            <a:endParaRPr lang="zh-CN" altLang="en-US"/>
+          </a:p>
+        </p:txBody>
+      </p:sp>
+    </p:spTree>
+  </p:cSld>
+  <p:clrMapOvr>
+    <a:masterClrMapping/>
+  </p:clrMapOvr>
+  <p:hf sldNum="0" hdr="0" ftr="0" dt="0"/>
 </p:sldLayout>
 </file>
 
@@ -1184,7 +1806,7 @@
       </p:grpSpPr>
       <p:sp>
         <p:nvSpPr>
-          <p:cNvPr id="2" name="标题 1"/>
+          <p:cNvPr id="2" name="Title 1"/>
           <p:cNvSpPr>
             <a:spLocks noGrp="true"/>
           </p:cNvSpPr>
@@ -1192,41 +1814,22 @@
             <p:ph type="title"/>
           </p:nvPr>
         </p:nvSpPr>
-        <p:spPr>
-          <a:xfrm>
-            <a:off x="647700" y="258445"/>
-            <a:ext cx="10515600" cy="1325563"/>
-          </a:xfrm>
-        </p:spPr>
-        <p:txBody>
-          <a:bodyPr anchor="ctr" anchorCtr="false">
-            <a:normAutofit/>
-          </a:bodyPr>
-          <a:lstStyle>
-            <a:lvl1pPr>
-              <a:defRPr sz="2400" b="1">
-                <a:effectLst>
-                  <a:outerShdw blurRad="38100" dist="38100" dir="2700000" algn="tl">
-                    <a:srgbClr val="000000">
-                      <a:alpha val="43137"/>
-                    </a:srgbClr>
-                  </a:outerShdw>
-                </a:effectLst>
-              </a:defRPr>
-            </a:lvl1pPr>
-          </a:lstStyle>
-          <a:p>
-            <a:r>
-              <a:rPr lang="zh-CN" altLang="en-US" dirty="0"/>
+        <p:spPr/>
+        <p:txBody>
+          <a:bodyPr/>
+          <a:lstStyle/>
+          <a:p>
+            <a:r>
+              <a:rPr lang="en-US" smtClean="0"/>
               <a:t>Click to edit Master title style</a:t>
             </a:r>
-            <a:endParaRPr lang="zh-CN" altLang="en-US" dirty="0"/>
-          </a:p>
-        </p:txBody>
-      </p:sp>
-      <p:sp>
-        <p:nvSpPr>
-          <p:cNvPr id="3" name="内容占位符 2"/>
+            <a:endParaRPr lang="en-US"/>
+          </a:p>
+        </p:txBody>
+      </p:sp>
+      <p:sp>
+        <p:nvSpPr>
+          <p:cNvPr id="3" name="Content Placeholder 2"/>
           <p:cNvSpPr>
             <a:spLocks noGrp="true"/>
           </p:cNvSpPr>
@@ -1234,117 +1837,55 @@
             <p:ph idx="1"/>
           </p:nvPr>
         </p:nvSpPr>
-        <p:spPr>
-          <a:xfrm>
-            <a:off x="647700" y="1825625"/>
-            <a:ext cx="10515600" cy="4351338"/>
-          </a:xfrm>
-        </p:spPr>
-        <p:txBody>
-          <a:bodyPr>
-            <a:normAutofit/>
-          </a:bodyPr>
-          <a:lstStyle>
-            <a:lvl1pPr>
-              <a:defRPr sz="2000">
-                <a:solidFill>
-                  <a:schemeClr val="tx1">
-                    <a:lumMod val="75000"/>
-                    <a:lumOff val="25000"/>
-                  </a:schemeClr>
-                </a:solidFill>
-              </a:defRPr>
-            </a:lvl1pPr>
-            <a:lvl2pPr>
-              <a:defRPr sz="1800">
-                <a:solidFill>
-                  <a:schemeClr val="tx1">
-                    <a:lumMod val="75000"/>
-                    <a:lumOff val="25000"/>
-                  </a:schemeClr>
-                </a:solidFill>
-              </a:defRPr>
-            </a:lvl2pPr>
-            <a:lvl3pPr>
-              <a:defRPr sz="1600">
-                <a:solidFill>
-                  <a:schemeClr val="tx1">
-                    <a:lumMod val="75000"/>
-                    <a:lumOff val="25000"/>
-                  </a:schemeClr>
-                </a:solidFill>
-              </a:defRPr>
-            </a:lvl3pPr>
-            <a:lvl4pPr>
-              <a:defRPr sz="1600">
-                <a:solidFill>
-                  <a:schemeClr val="tx1">
-                    <a:lumMod val="75000"/>
-                    <a:lumOff val="25000"/>
-                  </a:schemeClr>
-                </a:solidFill>
-              </a:defRPr>
-            </a:lvl4pPr>
-            <a:lvl5pPr>
-              <a:defRPr sz="1600">
-                <a:solidFill>
-                  <a:schemeClr val="tx1">
-                    <a:lumMod val="75000"/>
-                    <a:lumOff val="25000"/>
-                  </a:schemeClr>
-                </a:solidFill>
-              </a:defRPr>
-            </a:lvl5pPr>
-          </a:lstStyle>
+        <p:spPr/>
+        <p:txBody>
+          <a:bodyPr/>
+          <a:lstStyle/>
           <a:p>
             <a:pPr lvl="0"/>
             <a:r>
-              <a:rPr lang="zh-CN" altLang="en-US" dirty="0">
-                <a:sym typeface="+mn-ea"/>
-              </a:rPr>
+              <a:rPr lang="en-US" smtClean="0"/>
               <a:t>Click to edit Master text styles</a:t>
             </a:r>
-            <a:endParaRPr lang="zh-CN" altLang="en-US" dirty="0">
-              <a:sym typeface="+mn-ea"/>
-            </a:endParaRPr>
+            <a:endParaRPr lang="en-US" smtClean="0"/>
           </a:p>
           <a:p>
             <a:pPr lvl="1"/>
             <a:r>
-              <a:rPr lang="zh-CN" altLang="en-US" dirty="0"/>
+              <a:rPr lang="en-US" smtClean="0"/>
               <a:t>Second level</a:t>
             </a:r>
-            <a:endParaRPr lang="zh-CN" altLang="en-US" dirty="0"/>
+            <a:endParaRPr lang="en-US" smtClean="0"/>
           </a:p>
           <a:p>
             <a:pPr lvl="2"/>
             <a:r>
-              <a:rPr lang="zh-CN" altLang="en-US" dirty="0"/>
+              <a:rPr lang="en-US" smtClean="0"/>
               <a:t>Third level</a:t>
             </a:r>
-            <a:endParaRPr lang="zh-CN" altLang="en-US" dirty="0"/>
+            <a:endParaRPr lang="en-US" smtClean="0"/>
           </a:p>
           <a:p>
             <a:pPr lvl="3"/>
             <a:r>
-              <a:rPr lang="zh-CN" altLang="en-US" dirty="0"/>
+              <a:rPr lang="en-US" smtClean="0"/>
               <a:t>Fourth level</a:t>
             </a:r>
-            <a:endParaRPr lang="zh-CN" altLang="en-US" dirty="0"/>
+            <a:endParaRPr lang="en-US" smtClean="0"/>
           </a:p>
           <a:p>
             <a:pPr lvl="4"/>
             <a:r>
-              <a:rPr lang="zh-CN" altLang="en-US" dirty="0"/>
+              <a:rPr lang="en-US" smtClean="0"/>
               <a:t>Fifth level</a:t>
             </a:r>
-            <a:endParaRPr lang="zh-CN" altLang="en-US" dirty="0"/>
-          </a:p>
-        </p:txBody>
-      </p:sp>
-      <p:sp>
-        <p:nvSpPr>
-          <p:cNvPr id="4" name="日期占位符 3"/>
+            <a:endParaRPr lang="en-US"/>
+          </a:p>
+        </p:txBody>
+      </p:sp>
+      <p:sp>
+        <p:nvSpPr>
+          <p:cNvPr id="4" name="Date Placeholder 3"/>
           <p:cNvSpPr>
             <a:spLocks noGrp="true"/>
           </p:cNvSpPr>
@@ -1366,7 +1907,7 @@
       </p:sp>
       <p:sp>
         <p:nvSpPr>
-          <p:cNvPr id="5" name="页脚占位符 4"/>
+          <p:cNvPr id="5" name="Footer Placeholder 4"/>
           <p:cNvSpPr>
             <a:spLocks noGrp="true"/>
           </p:cNvSpPr>
@@ -1385,7 +1926,7 @@
       </p:sp>
       <p:sp>
         <p:nvSpPr>
-          <p:cNvPr id="6" name="灯片编号占位符 5"/>
+          <p:cNvPr id="6" name="Slide Number Placeholder 5"/>
           <p:cNvSpPr>
             <a:spLocks noGrp="true"/>
           </p:cNvSpPr>
@@ -1410,6 +1951,7 @@
   <p:clrMapOvr>
     <a:masterClrMapping/>
   </p:clrMapOvr>
+  <p:hf sldNum="0" hdr="0" ftr="0" dt="0"/>
 </p:sldLayout>
 </file>
 
@@ -1432,7 +1974,7 @@
       </p:grpSpPr>
       <p:sp>
         <p:nvSpPr>
-          <p:cNvPr id="2" name="标题 1"/>
+          <p:cNvPr id="2" name="Title 1"/>
           <p:cNvSpPr>
             <a:spLocks noGrp="true"/>
           </p:cNvSpPr>
@@ -1442,39 +1984,29 @@
         </p:nvSpPr>
         <p:spPr>
           <a:xfrm>
-            <a:off x="831850" y="3750945"/>
-            <a:ext cx="9848088" cy="811530"/>
+            <a:off x="831851" y="1709738"/>
+            <a:ext cx="10515600" cy="2852737"/>
           </a:xfrm>
         </p:spPr>
         <p:txBody>
-          <a:bodyPr anchor="b">
-            <a:normAutofit/>
-          </a:bodyPr>
+          <a:bodyPr anchor="b"/>
           <a:lstStyle>
             <a:lvl1pPr>
-              <a:defRPr sz="4000">
-                <a:effectLst>
-                  <a:outerShdw blurRad="38100" dist="38100" dir="2700000" algn="tl">
-                    <a:srgbClr val="000000">
-                      <a:alpha val="43137"/>
-                    </a:srgbClr>
-                  </a:outerShdw>
-                </a:effectLst>
-              </a:defRPr>
+              <a:defRPr sz="4500"/>
             </a:lvl1pPr>
           </a:lstStyle>
           <a:p>
             <a:r>
-              <a:rPr lang="zh-CN" altLang="en-US" dirty="0"/>
+              <a:rPr lang="en-US" smtClean="0"/>
               <a:t>Click to edit Master title style</a:t>
             </a:r>
-            <a:endParaRPr lang="zh-CN" altLang="en-US" dirty="0"/>
-          </a:p>
-        </p:txBody>
-      </p:sp>
-      <p:sp>
-        <p:nvSpPr>
-          <p:cNvPr id="3" name="文本占位符 2"/>
+            <a:endParaRPr lang="en-US"/>
+          </a:p>
+        </p:txBody>
+      </p:sp>
+      <p:sp>
+        <p:nvSpPr>
+          <p:cNvPr id="3" name="Text Placeholder 2"/>
           <p:cNvSpPr>
             <a:spLocks noGrp="true"/>
           </p:cNvSpPr>
@@ -1484,34 +2016,14 @@
         </p:nvSpPr>
         <p:spPr>
           <a:xfrm>
-            <a:off x="831850" y="4610028"/>
-            <a:ext cx="7321550" cy="647555"/>
+            <a:off x="831851" y="4589463"/>
+            <a:ext cx="10515600" cy="1500187"/>
           </a:xfrm>
         </p:spPr>
         <p:txBody>
-          <a:bodyPr>
-            <a:normAutofit/>
-          </a:bodyPr>
+          <a:bodyPr/>
           <a:lstStyle>
             <a:lvl1pPr marL="0" indent="0">
-              <a:buNone/>
-              <a:defRPr sz="1800">
-                <a:solidFill>
-                  <a:schemeClr val="tx1"/>
-                </a:solidFill>
-              </a:defRPr>
-            </a:lvl1pPr>
-            <a:lvl2pPr marL="457200" indent="0">
-              <a:buNone/>
-              <a:defRPr sz="2000">
-                <a:solidFill>
-                  <a:schemeClr val="tx1">
-                    <a:tint val="75000"/>
-                  </a:schemeClr>
-                </a:solidFill>
-              </a:defRPr>
-            </a:lvl2pPr>
-            <a:lvl3pPr marL="914400" indent="0">
               <a:buNone/>
               <a:defRPr sz="1800">
                 <a:solidFill>
@@ -1520,10 +2032,30 @@
                   </a:schemeClr>
                 </a:solidFill>
               </a:defRPr>
+            </a:lvl1pPr>
+            <a:lvl2pPr marL="342900" indent="0">
+              <a:buNone/>
+              <a:defRPr sz="1500">
+                <a:solidFill>
+                  <a:schemeClr val="tx1">
+                    <a:tint val="75000"/>
+                  </a:schemeClr>
+                </a:solidFill>
+              </a:defRPr>
+            </a:lvl2pPr>
+            <a:lvl3pPr marL="685800" indent="0">
+              <a:buNone/>
+              <a:defRPr sz="1350">
+                <a:solidFill>
+                  <a:schemeClr val="tx1">
+                    <a:tint val="75000"/>
+                  </a:schemeClr>
+                </a:solidFill>
+              </a:defRPr>
             </a:lvl3pPr>
-            <a:lvl4pPr marL="1371600" indent="0">
+            <a:lvl4pPr marL="1028700" indent="0">
               <a:buNone/>
-              <a:defRPr sz="1600">
+              <a:defRPr sz="1200">
                 <a:solidFill>
                   <a:schemeClr val="tx1">
                     <a:tint val="75000"/>
@@ -1531,9 +2063,9 @@
                 </a:solidFill>
               </a:defRPr>
             </a:lvl4pPr>
-            <a:lvl5pPr marL="1828800" indent="0">
+            <a:lvl5pPr marL="1371600" indent="0">
               <a:buNone/>
-              <a:defRPr sz="1600">
+              <a:defRPr sz="1200">
                 <a:solidFill>
                   <a:schemeClr val="tx1">
                     <a:tint val="75000"/>
@@ -1541,9 +2073,9 @@
                 </a:solidFill>
               </a:defRPr>
             </a:lvl5pPr>
-            <a:lvl6pPr marL="2286000" indent="0">
+            <a:lvl6pPr marL="1714500" indent="0">
               <a:buNone/>
-              <a:defRPr sz="1600">
+              <a:defRPr sz="1200">
                 <a:solidFill>
                   <a:schemeClr val="tx1">
                     <a:tint val="75000"/>
@@ -1551,9 +2083,9 @@
                 </a:solidFill>
               </a:defRPr>
             </a:lvl6pPr>
-            <a:lvl7pPr marL="2743200" indent="0">
+            <a:lvl7pPr marL="2057400" indent="0">
               <a:buNone/>
-              <a:defRPr sz="1600">
+              <a:defRPr sz="1200">
                 <a:solidFill>
                   <a:schemeClr val="tx1">
                     <a:tint val="75000"/>
@@ -1561,9 +2093,9 @@
                 </a:solidFill>
               </a:defRPr>
             </a:lvl7pPr>
-            <a:lvl8pPr marL="3200400" indent="0">
+            <a:lvl8pPr marL="2400300" indent="0">
               <a:buNone/>
-              <a:defRPr sz="1600">
+              <a:defRPr sz="1200">
                 <a:solidFill>
                   <a:schemeClr val="tx1">
                     <a:tint val="75000"/>
@@ -1571,9 +2103,9 @@
                 </a:solidFill>
               </a:defRPr>
             </a:lvl8pPr>
-            <a:lvl9pPr marL="3657600" indent="0">
+            <a:lvl9pPr marL="2743200" indent="0">
               <a:buNone/>
-              <a:defRPr sz="1600">
+              <a:defRPr sz="1200">
                 <a:solidFill>
                   <a:schemeClr val="tx1">
                     <a:tint val="75000"/>
@@ -1585,20 +2117,16 @@
           <a:p>
             <a:pPr lvl="0"/>
             <a:r>
-              <a:rPr lang="zh-CN" altLang="en-US" dirty="0">
-                <a:sym typeface="+mn-ea"/>
-              </a:rPr>
+              <a:rPr lang="en-US" smtClean="0"/>
               <a:t>Click to edit Master text styles</a:t>
             </a:r>
-            <a:endParaRPr lang="zh-CN" altLang="en-US" dirty="0">
-              <a:sym typeface="+mn-ea"/>
-            </a:endParaRPr>
-          </a:p>
-        </p:txBody>
-      </p:sp>
-      <p:sp>
-        <p:nvSpPr>
-          <p:cNvPr id="4" name="日期占位符 3"/>
+            <a:endParaRPr lang="en-US" smtClean="0"/>
+          </a:p>
+        </p:txBody>
+      </p:sp>
+      <p:sp>
+        <p:nvSpPr>
+          <p:cNvPr id="4" name="Date Placeholder 3"/>
           <p:cNvSpPr>
             <a:spLocks noGrp="true"/>
           </p:cNvSpPr>
@@ -1620,7 +2148,7 @@
       </p:sp>
       <p:sp>
         <p:nvSpPr>
-          <p:cNvPr id="5" name="页脚占位符 4"/>
+          <p:cNvPr id="5" name="Footer Placeholder 4"/>
           <p:cNvSpPr>
             <a:spLocks noGrp="true"/>
           </p:cNvSpPr>
@@ -1639,7 +2167,7 @@
       </p:sp>
       <p:sp>
         <p:nvSpPr>
-          <p:cNvPr id="6" name="灯片编号占位符 5"/>
+          <p:cNvPr id="6" name="Slide Number Placeholder 5"/>
           <p:cNvSpPr>
             <a:spLocks noGrp="true"/>
           </p:cNvSpPr>
@@ -1664,6 +2192,7 @@
   <p:clrMapOvr>
     <a:masterClrMapping/>
   </p:clrMapOvr>
+  <p:hf sldNum="0" hdr="0" ftr="0" dt="0"/>
 </p:sldLayout>
 </file>
 
@@ -1686,315 +2215,152 @@
       </p:grpSpPr>
       <p:sp>
         <p:nvSpPr>
-          <p:cNvPr id="2" name="标题 1"/>
+          <p:cNvPr id="2" name="Title 1"/>
           <p:cNvSpPr>
             <a:spLocks noGrp="true"/>
           </p:cNvSpPr>
           <p:nvPr>
             <p:ph type="title"/>
+          </p:nvPr>
+        </p:nvSpPr>
+        <p:spPr/>
+        <p:txBody>
+          <a:bodyPr/>
+          <a:lstStyle/>
+          <a:p>
+            <a:r>
+              <a:rPr lang="en-US" smtClean="0"/>
+              <a:t>Click to edit Master title style</a:t>
+            </a:r>
+            <a:endParaRPr lang="en-US"/>
+          </a:p>
+        </p:txBody>
+      </p:sp>
+      <p:sp>
+        <p:nvSpPr>
+          <p:cNvPr id="3" name="Content Placeholder 2"/>
+          <p:cNvSpPr>
+            <a:spLocks noGrp="true"/>
+          </p:cNvSpPr>
+          <p:nvPr>
+            <p:ph sz="half" idx="1"/>
           </p:nvPr>
         </p:nvSpPr>
         <p:spPr>
           <a:xfrm>
-            <a:off x="647700" y="258445"/>
-            <a:ext cx="10515600" cy="1325563"/>
+            <a:off x="609600" y="1600200"/>
+            <a:ext cx="5376672" cy="4525963"/>
           </a:xfrm>
         </p:spPr>
         <p:txBody>
-          <a:bodyPr>
-            <a:normAutofit/>
-          </a:bodyPr>
-          <a:lstStyle>
-            <a:lvl1pPr>
-              <a:defRPr sz="2400" b="1" i="0">
-                <a:effectLst>
-                  <a:outerShdw blurRad="38100" dist="38100" dir="2700000" algn="tl">
-                    <a:srgbClr val="000000">
-                      <a:alpha val="43137"/>
-                    </a:srgbClr>
-                  </a:outerShdw>
-                </a:effectLst>
-              </a:defRPr>
-            </a:lvl1pPr>
-          </a:lstStyle>
-          <a:p>
-            <a:r>
-              <a:rPr lang="zh-CN" altLang="en-US" dirty="0"/>
-              <a:t>Click to edit Master title style</a:t>
-            </a:r>
-            <a:endParaRPr lang="zh-CN" altLang="en-US" dirty="0"/>
-          </a:p>
-        </p:txBody>
-      </p:sp>
-      <p:sp>
-        <p:nvSpPr>
-          <p:cNvPr id="3" name="内容占位符 2"/>
-          <p:cNvSpPr>
-            <a:spLocks noGrp="true"/>
-          </p:cNvSpPr>
-          <p:nvPr>
-            <p:ph sz="half" idx="1"/>
+          <a:bodyPr/>
+          <a:lstStyle/>
+          <a:p>
+            <a:pPr lvl="0"/>
+            <a:r>
+              <a:rPr lang="en-US" smtClean="0"/>
+              <a:t>Click to edit Master text styles</a:t>
+            </a:r>
+            <a:endParaRPr lang="en-US" smtClean="0"/>
+          </a:p>
+          <a:p>
+            <a:pPr lvl="1"/>
+            <a:r>
+              <a:rPr lang="en-US" smtClean="0"/>
+              <a:t>Second level</a:t>
+            </a:r>
+            <a:endParaRPr lang="en-US" smtClean="0"/>
+          </a:p>
+          <a:p>
+            <a:pPr lvl="2"/>
+            <a:r>
+              <a:rPr lang="en-US" smtClean="0"/>
+              <a:t>Third level</a:t>
+            </a:r>
+            <a:endParaRPr lang="en-US" smtClean="0"/>
+          </a:p>
+          <a:p>
+            <a:pPr lvl="3"/>
+            <a:r>
+              <a:rPr lang="en-US" smtClean="0"/>
+              <a:t>Fourth level</a:t>
+            </a:r>
+            <a:endParaRPr lang="en-US" smtClean="0"/>
+          </a:p>
+          <a:p>
+            <a:pPr lvl="4"/>
+            <a:r>
+              <a:rPr lang="en-US" smtClean="0"/>
+              <a:t>Fifth level</a:t>
+            </a:r>
+            <a:endParaRPr lang="en-US"/>
+          </a:p>
+        </p:txBody>
+      </p:sp>
+      <p:sp>
+        <p:nvSpPr>
+          <p:cNvPr id="4" name="Content Placeholder 3"/>
+          <p:cNvSpPr>
+            <a:spLocks noGrp="true"/>
+          </p:cNvSpPr>
+          <p:nvPr>
+            <p:ph sz="half" idx="2"/>
           </p:nvPr>
         </p:nvSpPr>
         <p:spPr>
           <a:xfrm>
-            <a:off x="647700" y="1825625"/>
-            <a:ext cx="5181600" cy="4351338"/>
+            <a:off x="6205728" y="1600200"/>
+            <a:ext cx="5376672" cy="4525963"/>
           </a:xfrm>
         </p:spPr>
         <p:txBody>
-          <a:bodyPr>
-            <a:normAutofit/>
-          </a:bodyPr>
-          <a:lstStyle>
-            <a:lvl1pPr>
-              <a:lnSpc>
-                <a:spcPct val="150000"/>
-              </a:lnSpc>
-              <a:defRPr sz="2000">
-                <a:solidFill>
-                  <a:schemeClr val="tx1">
-                    <a:lumMod val="75000"/>
-                    <a:lumOff val="25000"/>
-                  </a:schemeClr>
-                </a:solidFill>
-              </a:defRPr>
-            </a:lvl1pPr>
-            <a:lvl2pPr>
-              <a:lnSpc>
-                <a:spcPct val="150000"/>
-              </a:lnSpc>
-              <a:defRPr sz="1800">
-                <a:solidFill>
-                  <a:schemeClr val="tx1">
-                    <a:lumMod val="75000"/>
-                    <a:lumOff val="25000"/>
-                  </a:schemeClr>
-                </a:solidFill>
-              </a:defRPr>
-            </a:lvl2pPr>
-            <a:lvl3pPr>
-              <a:lnSpc>
-                <a:spcPct val="150000"/>
-              </a:lnSpc>
-              <a:defRPr sz="1600">
-                <a:solidFill>
-                  <a:schemeClr val="tx1">
-                    <a:lumMod val="75000"/>
-                    <a:lumOff val="25000"/>
-                  </a:schemeClr>
-                </a:solidFill>
-              </a:defRPr>
-            </a:lvl3pPr>
-            <a:lvl4pPr>
-              <a:lnSpc>
-                <a:spcPct val="150000"/>
-              </a:lnSpc>
-              <a:defRPr sz="1600">
-                <a:solidFill>
-                  <a:schemeClr val="tx1">
-                    <a:lumMod val="75000"/>
-                    <a:lumOff val="25000"/>
-                  </a:schemeClr>
-                </a:solidFill>
-              </a:defRPr>
-            </a:lvl4pPr>
-            <a:lvl5pPr>
-              <a:lnSpc>
-                <a:spcPct val="150000"/>
-              </a:lnSpc>
-              <a:defRPr sz="1600">
-                <a:solidFill>
-                  <a:schemeClr val="tx1">
-                    <a:lumMod val="75000"/>
-                    <a:lumOff val="25000"/>
-                  </a:schemeClr>
-                </a:solidFill>
-              </a:defRPr>
-            </a:lvl5pPr>
-          </a:lstStyle>
+          <a:bodyPr/>
+          <a:lstStyle/>
           <a:p>
             <a:pPr lvl="0"/>
             <a:r>
-              <a:rPr lang="zh-CN" altLang="en-US" dirty="0">
-                <a:sym typeface="+mn-ea"/>
-              </a:rPr>
+              <a:rPr lang="en-US" smtClean="0"/>
               <a:t>Click to edit Master text styles</a:t>
             </a:r>
-            <a:endParaRPr lang="zh-CN" altLang="en-US" dirty="0">
-              <a:sym typeface="+mn-ea"/>
-            </a:endParaRPr>
+            <a:endParaRPr lang="en-US" smtClean="0"/>
           </a:p>
           <a:p>
             <a:pPr lvl="1"/>
             <a:r>
-              <a:rPr lang="zh-CN" altLang="en-US" dirty="0"/>
+              <a:rPr lang="en-US" smtClean="0"/>
               <a:t>Second level</a:t>
             </a:r>
-            <a:endParaRPr lang="zh-CN" altLang="en-US" dirty="0"/>
+            <a:endParaRPr lang="en-US" smtClean="0"/>
           </a:p>
           <a:p>
             <a:pPr lvl="2"/>
             <a:r>
-              <a:rPr lang="zh-CN" altLang="en-US" dirty="0"/>
+              <a:rPr lang="en-US" smtClean="0"/>
               <a:t>Third level</a:t>
             </a:r>
-            <a:endParaRPr lang="zh-CN" altLang="en-US" dirty="0"/>
+            <a:endParaRPr lang="en-US" smtClean="0"/>
           </a:p>
           <a:p>
             <a:pPr lvl="3"/>
             <a:r>
-              <a:rPr lang="zh-CN" altLang="en-US" dirty="0"/>
+              <a:rPr lang="en-US" smtClean="0"/>
               <a:t>Fourth level</a:t>
             </a:r>
-            <a:endParaRPr lang="zh-CN" altLang="en-US" dirty="0"/>
+            <a:endParaRPr lang="en-US" smtClean="0"/>
           </a:p>
           <a:p>
             <a:pPr lvl="4"/>
             <a:r>
-              <a:rPr lang="zh-CN" altLang="en-US" dirty="0"/>
+              <a:rPr lang="en-US" smtClean="0"/>
               <a:t>Fifth level</a:t>
             </a:r>
-            <a:endParaRPr lang="zh-CN" altLang="en-US" dirty="0"/>
-          </a:p>
-        </p:txBody>
-      </p:sp>
-      <p:sp>
-        <p:nvSpPr>
-          <p:cNvPr id="4" name="内容占位符 3"/>
-          <p:cNvSpPr>
-            <a:spLocks noGrp="true"/>
-          </p:cNvSpPr>
-          <p:nvPr>
-            <p:ph sz="half" idx="2"/>
-          </p:nvPr>
-        </p:nvSpPr>
-        <p:spPr>
-          <a:xfrm>
-            <a:off x="5981700" y="1825625"/>
-            <a:ext cx="5181600" cy="4351338"/>
-          </a:xfrm>
-        </p:spPr>
-        <p:txBody>
-          <a:bodyPr>
-            <a:normAutofit/>
-          </a:bodyPr>
-          <a:lstStyle>
-            <a:lvl1pPr>
-              <a:lnSpc>
-                <a:spcPct val="150000"/>
-              </a:lnSpc>
-              <a:defRPr sz="2000">
-                <a:solidFill>
-                  <a:schemeClr val="tx1">
-                    <a:lumMod val="75000"/>
-                    <a:lumOff val="25000"/>
-                  </a:schemeClr>
-                </a:solidFill>
-              </a:defRPr>
-            </a:lvl1pPr>
-            <a:lvl2pPr>
-              <a:lnSpc>
-                <a:spcPct val="150000"/>
-              </a:lnSpc>
-              <a:defRPr sz="1800">
-                <a:solidFill>
-                  <a:schemeClr val="tx1">
-                    <a:lumMod val="75000"/>
-                    <a:lumOff val="25000"/>
-                  </a:schemeClr>
-                </a:solidFill>
-              </a:defRPr>
-            </a:lvl2pPr>
-            <a:lvl3pPr>
-              <a:lnSpc>
-                <a:spcPct val="150000"/>
-              </a:lnSpc>
-              <a:defRPr sz="1600">
-                <a:solidFill>
-                  <a:schemeClr val="tx1">
-                    <a:lumMod val="75000"/>
-                    <a:lumOff val="25000"/>
-                  </a:schemeClr>
-                </a:solidFill>
-              </a:defRPr>
-            </a:lvl3pPr>
-            <a:lvl4pPr>
-              <a:lnSpc>
-                <a:spcPct val="150000"/>
-              </a:lnSpc>
-              <a:defRPr sz="1600">
-                <a:solidFill>
-                  <a:schemeClr val="tx1">
-                    <a:lumMod val="75000"/>
-                    <a:lumOff val="25000"/>
-                  </a:schemeClr>
-                </a:solidFill>
-              </a:defRPr>
-            </a:lvl4pPr>
-            <a:lvl5pPr>
-              <a:lnSpc>
-                <a:spcPct val="150000"/>
-              </a:lnSpc>
-              <a:defRPr sz="1600">
-                <a:solidFill>
-                  <a:schemeClr val="tx1">
-                    <a:lumMod val="75000"/>
-                    <a:lumOff val="25000"/>
-                  </a:schemeClr>
-                </a:solidFill>
-              </a:defRPr>
-            </a:lvl5pPr>
-          </a:lstStyle>
-          <a:p>
-            <a:pPr lvl="0"/>
-            <a:r>
-              <a:rPr lang="zh-CN" altLang="en-US" dirty="0">
-                <a:sym typeface="+mn-ea"/>
-              </a:rPr>
-              <a:t>Click to edit Master text styles</a:t>
-            </a:r>
-            <a:endParaRPr lang="zh-CN" altLang="en-US" dirty="0">
-              <a:sym typeface="+mn-ea"/>
-            </a:endParaRPr>
-          </a:p>
-          <a:p>
-            <a:pPr lvl="1"/>
-            <a:r>
-              <a:rPr lang="zh-CN" altLang="en-US" dirty="0"/>
-              <a:t>Second level</a:t>
-            </a:r>
-            <a:endParaRPr lang="zh-CN" altLang="en-US" dirty="0"/>
-          </a:p>
-          <a:p>
-            <a:pPr lvl="2"/>
-            <a:r>
-              <a:rPr lang="zh-CN" altLang="en-US" dirty="0"/>
-              <a:t>Third level</a:t>
-            </a:r>
-            <a:endParaRPr lang="zh-CN" altLang="en-US" dirty="0"/>
-          </a:p>
-          <a:p>
-            <a:pPr lvl="3"/>
-            <a:r>
-              <a:rPr lang="zh-CN" altLang="en-US" dirty="0"/>
-              <a:t>Fourth level</a:t>
-            </a:r>
-            <a:endParaRPr lang="zh-CN" altLang="en-US" dirty="0"/>
-          </a:p>
-          <a:p>
-            <a:pPr lvl="4"/>
-            <a:r>
-              <a:rPr lang="zh-CN" altLang="en-US" dirty="0"/>
-              <a:t>Fifth level</a:t>
-            </a:r>
-            <a:endParaRPr lang="zh-CN" altLang="en-US" dirty="0"/>
-          </a:p>
-        </p:txBody>
-      </p:sp>
-      <p:sp>
-        <p:nvSpPr>
-          <p:cNvPr id="5" name="日期占位符 4"/>
+            <a:endParaRPr lang="en-US"/>
+          </a:p>
+        </p:txBody>
+      </p:sp>
+      <p:sp>
+        <p:nvSpPr>
+          <p:cNvPr id="5" name="Date Placeholder 4"/>
           <p:cNvSpPr>
             <a:spLocks noGrp="true"/>
           </p:cNvSpPr>
@@ -2016,7 +2382,7 @@
       </p:sp>
       <p:sp>
         <p:nvSpPr>
-          <p:cNvPr id="6" name="页脚占位符 5"/>
+          <p:cNvPr id="6" name="Footer Placeholder 5"/>
           <p:cNvSpPr>
             <a:spLocks noGrp="true"/>
           </p:cNvSpPr>
@@ -2035,7 +2401,7 @@
       </p:sp>
       <p:sp>
         <p:nvSpPr>
-          <p:cNvPr id="7" name="灯片编号占位符 6"/>
+          <p:cNvPr id="7" name="Slide Number Placeholder 6"/>
           <p:cNvSpPr>
             <a:spLocks noGrp="true"/>
           </p:cNvSpPr>
@@ -2060,6 +2426,7 @@
   <p:clrMapOvr>
     <a:masterClrMapping/>
   </p:clrMapOvr>
+  <p:hf sldNum="0" hdr="0" ftr="0" dt="0"/>
 </p:sldLayout>
 </file>
 
@@ -2082,7 +2449,7 @@
       </p:grpSpPr>
       <p:sp>
         <p:nvSpPr>
-          <p:cNvPr id="2" name="标题 1"/>
+          <p:cNvPr id="2" name="Title 1"/>
           <p:cNvSpPr>
             <a:spLocks noGrp="true"/>
           </p:cNvSpPr>
@@ -2101,16 +2468,16 @@
           <a:lstStyle/>
           <a:p>
             <a:r>
-              <a:rPr lang="zh-CN" altLang="en-US"/>
+              <a:rPr lang="en-US" smtClean="0"/>
               <a:t>Click to edit Master title style</a:t>
             </a:r>
-            <a:endParaRPr lang="zh-CN" altLang="en-US"/>
-          </a:p>
-        </p:txBody>
-      </p:sp>
-      <p:sp>
-        <p:nvSpPr>
-          <p:cNvPr id="3" name="文本占位符 2"/>
+            <a:endParaRPr lang="en-US"/>
+          </a:p>
+        </p:txBody>
+      </p:sp>
+      <p:sp>
+        <p:nvSpPr>
+          <p:cNvPr id="3" name="Text Placeholder 2"/>
           <p:cNvSpPr>
             <a:spLocks noGrp="true"/>
           </p:cNvSpPr>
@@ -2120,7 +2487,7 @@
         </p:nvSpPr>
         <p:spPr>
           <a:xfrm>
-            <a:off x="839788" y="1744961"/>
+            <a:off x="839788" y="1681163"/>
             <a:ext cx="5157787" cy="823912"/>
           </a:xfrm>
         </p:spPr>
@@ -2129,58 +2496,54 @@
           <a:lstStyle>
             <a:lvl1pPr marL="0" indent="0">
               <a:buNone/>
-              <a:defRPr sz="2400" b="1"/>
+              <a:defRPr sz="1800" b="1"/>
             </a:lvl1pPr>
-            <a:lvl2pPr marL="457200" indent="0">
+            <a:lvl2pPr marL="342900" indent="0">
               <a:buNone/>
-              <a:defRPr sz="2000" b="1"/>
+              <a:defRPr sz="1500" b="1"/>
             </a:lvl2pPr>
-            <a:lvl3pPr marL="914400" indent="0">
+            <a:lvl3pPr marL="685800" indent="0">
               <a:buNone/>
-              <a:defRPr sz="1800" b="1"/>
+              <a:defRPr sz="1350" b="1"/>
             </a:lvl3pPr>
-            <a:lvl4pPr marL="1371600" indent="0">
+            <a:lvl4pPr marL="1028700" indent="0">
               <a:buNone/>
-              <a:defRPr sz="1600" b="1"/>
+              <a:defRPr sz="1200" b="1"/>
             </a:lvl4pPr>
-            <a:lvl5pPr marL="1828800" indent="0">
+            <a:lvl5pPr marL="1371600" indent="0">
               <a:buNone/>
-              <a:defRPr sz="1600" b="1"/>
+              <a:defRPr sz="1200" b="1"/>
             </a:lvl5pPr>
-            <a:lvl6pPr marL="2286000" indent="0">
+            <a:lvl6pPr marL="1714500" indent="0">
               <a:buNone/>
-              <a:defRPr sz="1600" b="1"/>
+              <a:defRPr sz="1200" b="1"/>
             </a:lvl6pPr>
-            <a:lvl7pPr marL="2743200" indent="0">
+            <a:lvl7pPr marL="2057400" indent="0">
               <a:buNone/>
-              <a:defRPr sz="1600" b="1"/>
+              <a:defRPr sz="1200" b="1"/>
             </a:lvl7pPr>
-            <a:lvl8pPr marL="3200400" indent="0">
+            <a:lvl8pPr marL="2400300" indent="0">
               <a:buNone/>
-              <a:defRPr sz="1600" b="1"/>
+              <a:defRPr sz="1200" b="1"/>
             </a:lvl8pPr>
-            <a:lvl9pPr marL="3657600" indent="0">
+            <a:lvl9pPr marL="2743200" indent="0">
               <a:buNone/>
-              <a:defRPr sz="1600" b="1"/>
+              <a:defRPr sz="1200" b="1"/>
             </a:lvl9pPr>
           </a:lstStyle>
           <a:p>
             <a:pPr lvl="0"/>
             <a:r>
-              <a:rPr lang="zh-CN" altLang="en-US" dirty="0">
-                <a:sym typeface="+mn-ea"/>
-              </a:rPr>
+              <a:rPr lang="en-US" smtClean="0"/>
               <a:t>Click to edit Master text styles</a:t>
             </a:r>
-            <a:endParaRPr lang="zh-CN" altLang="en-US" dirty="0">
-              <a:sym typeface="+mn-ea"/>
-            </a:endParaRPr>
-          </a:p>
-        </p:txBody>
-      </p:sp>
-      <p:sp>
-        <p:nvSpPr>
-          <p:cNvPr id="4" name="内容占位符 3"/>
+            <a:endParaRPr lang="en-US" smtClean="0"/>
+          </a:p>
+        </p:txBody>
+      </p:sp>
+      <p:sp>
+        <p:nvSpPr>
+          <p:cNvPr id="4" name="Content Placeholder 3"/>
           <p:cNvSpPr>
             <a:spLocks noGrp="true"/>
           </p:cNvSpPr>
@@ -2190,8 +2553,8 @@
         </p:nvSpPr>
         <p:spPr>
           <a:xfrm>
-            <a:off x="839788" y="2615609"/>
-            <a:ext cx="5157787" cy="3574054"/>
+            <a:off x="839788" y="2505075"/>
+            <a:ext cx="5157787" cy="3684588"/>
           </a:xfrm>
         </p:spPr>
         <p:txBody>
@@ -2200,52 +2563,48 @@
           <a:p>
             <a:pPr lvl="0"/>
             <a:r>
-              <a:rPr lang="zh-CN" altLang="en-US" dirty="0">
-                <a:sym typeface="+mn-ea"/>
-              </a:rPr>
+              <a:rPr lang="en-US" smtClean="0"/>
               <a:t>Click to edit Master text styles</a:t>
             </a:r>
-            <a:endParaRPr lang="zh-CN" altLang="en-US" dirty="0">
-              <a:sym typeface="+mn-ea"/>
-            </a:endParaRPr>
+            <a:endParaRPr lang="en-US" smtClean="0"/>
           </a:p>
           <a:p>
             <a:pPr lvl="1"/>
             <a:r>
-              <a:rPr lang="zh-CN" altLang="en-US" dirty="0"/>
+              <a:rPr lang="en-US" smtClean="0"/>
               <a:t>Second level</a:t>
             </a:r>
-            <a:endParaRPr lang="zh-CN" altLang="en-US" dirty="0"/>
+            <a:endParaRPr lang="en-US" smtClean="0"/>
           </a:p>
           <a:p>
             <a:pPr lvl="2"/>
             <a:r>
-              <a:rPr lang="zh-CN" altLang="en-US" dirty="0"/>
+              <a:rPr lang="en-US" smtClean="0"/>
               <a:t>Third level</a:t>
             </a:r>
-            <a:endParaRPr lang="zh-CN" altLang="en-US" dirty="0"/>
+            <a:endParaRPr lang="en-US" smtClean="0"/>
           </a:p>
           <a:p>
             <a:pPr lvl="3"/>
             <a:r>
-              <a:rPr lang="zh-CN" altLang="en-US" dirty="0"/>
+              <a:rPr lang="en-US" smtClean="0"/>
               <a:t>Fourth level</a:t>
             </a:r>
-            <a:endParaRPr lang="zh-CN" altLang="en-US" dirty="0"/>
+            <a:endParaRPr lang="en-US" smtClean="0"/>
           </a:p>
           <a:p>
             <a:pPr lvl="4"/>
             <a:r>
-              <a:rPr lang="zh-CN" altLang="en-US" dirty="0"/>
+              <a:rPr lang="en-US" smtClean="0"/>
               <a:t>Fifth level</a:t>
             </a:r>
-            <a:endParaRPr lang="zh-CN" altLang="en-US" dirty="0"/>
-          </a:p>
-        </p:txBody>
-      </p:sp>
-      <p:sp>
-        <p:nvSpPr>
-          <p:cNvPr id="5" name="文本占位符 4"/>
+            <a:endParaRPr lang="en-US"/>
+          </a:p>
+        </p:txBody>
+      </p:sp>
+      <p:sp>
+        <p:nvSpPr>
+          <p:cNvPr id="5" name="Text Placeholder 4"/>
           <p:cNvSpPr>
             <a:spLocks noGrp="true"/>
           </p:cNvSpPr>
@@ -2255,7 +2614,7 @@
         </p:nvSpPr>
         <p:spPr>
           <a:xfrm>
-            <a:off x="6172200" y="1744961"/>
+            <a:off x="6172200" y="1681163"/>
             <a:ext cx="5183188" cy="823912"/>
           </a:xfrm>
         </p:spPr>
@@ -2264,58 +2623,54 @@
           <a:lstStyle>
             <a:lvl1pPr marL="0" indent="0">
               <a:buNone/>
-              <a:defRPr sz="2400" b="1"/>
+              <a:defRPr sz="1800" b="1"/>
             </a:lvl1pPr>
-            <a:lvl2pPr marL="457200" indent="0">
+            <a:lvl2pPr marL="342900" indent="0">
               <a:buNone/>
-              <a:defRPr sz="2000" b="1"/>
+              <a:defRPr sz="1500" b="1"/>
             </a:lvl2pPr>
-            <a:lvl3pPr marL="914400" indent="0">
+            <a:lvl3pPr marL="685800" indent="0">
               <a:buNone/>
-              <a:defRPr sz="1800" b="1"/>
+              <a:defRPr sz="1350" b="1"/>
             </a:lvl3pPr>
-            <a:lvl4pPr marL="1371600" indent="0">
+            <a:lvl4pPr marL="1028700" indent="0">
               <a:buNone/>
-              <a:defRPr sz="1600" b="1"/>
+              <a:defRPr sz="1200" b="1"/>
             </a:lvl4pPr>
-            <a:lvl5pPr marL="1828800" indent="0">
+            <a:lvl5pPr marL="1371600" indent="0">
               <a:buNone/>
-              <a:defRPr sz="1600" b="1"/>
+              <a:defRPr sz="1200" b="1"/>
             </a:lvl5pPr>
-            <a:lvl6pPr marL="2286000" indent="0">
+            <a:lvl6pPr marL="1714500" indent="0">
               <a:buNone/>
-              <a:defRPr sz="1600" b="1"/>
+              <a:defRPr sz="1200" b="1"/>
             </a:lvl6pPr>
-            <a:lvl7pPr marL="2743200" indent="0">
+            <a:lvl7pPr marL="2057400" indent="0">
               <a:buNone/>
-              <a:defRPr sz="1600" b="1"/>
+              <a:defRPr sz="1200" b="1"/>
             </a:lvl7pPr>
-            <a:lvl8pPr marL="3200400" indent="0">
+            <a:lvl8pPr marL="2400300" indent="0">
               <a:buNone/>
-              <a:defRPr sz="1600" b="1"/>
+              <a:defRPr sz="1200" b="1"/>
             </a:lvl8pPr>
-            <a:lvl9pPr marL="3657600" indent="0">
+            <a:lvl9pPr marL="2743200" indent="0">
               <a:buNone/>
-              <a:defRPr sz="1600" b="1"/>
+              <a:defRPr sz="1200" b="1"/>
             </a:lvl9pPr>
           </a:lstStyle>
           <a:p>
             <a:pPr lvl="0"/>
             <a:r>
-              <a:rPr lang="zh-CN" altLang="en-US" dirty="0">
-                <a:sym typeface="+mn-ea"/>
-              </a:rPr>
+              <a:rPr lang="en-US" smtClean="0"/>
               <a:t>Click to edit Master text styles</a:t>
             </a:r>
-            <a:endParaRPr lang="zh-CN" altLang="en-US" dirty="0">
-              <a:sym typeface="+mn-ea"/>
-            </a:endParaRPr>
-          </a:p>
-        </p:txBody>
-      </p:sp>
-      <p:sp>
-        <p:nvSpPr>
-          <p:cNvPr id="6" name="内容占位符 5"/>
+            <a:endParaRPr lang="en-US" smtClean="0"/>
+          </a:p>
+        </p:txBody>
+      </p:sp>
+      <p:sp>
+        <p:nvSpPr>
+          <p:cNvPr id="6" name="Content Placeholder 5"/>
           <p:cNvSpPr>
             <a:spLocks noGrp="true"/>
           </p:cNvSpPr>
@@ -2325,8 +2680,8 @@
         </p:nvSpPr>
         <p:spPr>
           <a:xfrm>
-            <a:off x="6172200" y="2615609"/>
-            <a:ext cx="5183188" cy="3574054"/>
+            <a:off x="6172200" y="2505075"/>
+            <a:ext cx="5183188" cy="3684588"/>
           </a:xfrm>
         </p:spPr>
         <p:txBody>
@@ -2335,52 +2690,48 @@
           <a:p>
             <a:pPr lvl="0"/>
             <a:r>
-              <a:rPr lang="zh-CN" altLang="en-US" dirty="0">
-                <a:sym typeface="+mn-ea"/>
-              </a:rPr>
+              <a:rPr lang="en-US" smtClean="0"/>
               <a:t>Click to edit Master text styles</a:t>
             </a:r>
-            <a:endParaRPr lang="zh-CN" altLang="en-US" dirty="0">
-              <a:sym typeface="+mn-ea"/>
-            </a:endParaRPr>
+            <a:endParaRPr lang="en-US" smtClean="0"/>
           </a:p>
           <a:p>
             <a:pPr lvl="1"/>
             <a:r>
-              <a:rPr lang="zh-CN" altLang="en-US" dirty="0"/>
+              <a:rPr lang="en-US" smtClean="0"/>
               <a:t>Second level</a:t>
             </a:r>
-            <a:endParaRPr lang="zh-CN" altLang="en-US" dirty="0"/>
+            <a:endParaRPr lang="en-US" smtClean="0"/>
           </a:p>
           <a:p>
             <a:pPr lvl="2"/>
             <a:r>
-              <a:rPr lang="zh-CN" altLang="en-US" dirty="0"/>
+              <a:rPr lang="en-US" smtClean="0"/>
               <a:t>Third level</a:t>
             </a:r>
-            <a:endParaRPr lang="zh-CN" altLang="en-US" dirty="0"/>
+            <a:endParaRPr lang="en-US" smtClean="0"/>
           </a:p>
           <a:p>
             <a:pPr lvl="3"/>
             <a:r>
-              <a:rPr lang="zh-CN" altLang="en-US" dirty="0"/>
+              <a:rPr lang="en-US" smtClean="0"/>
               <a:t>Fourth level</a:t>
             </a:r>
-            <a:endParaRPr lang="zh-CN" altLang="en-US" dirty="0"/>
+            <a:endParaRPr lang="en-US" smtClean="0"/>
           </a:p>
           <a:p>
             <a:pPr lvl="4"/>
             <a:r>
-              <a:rPr lang="zh-CN" altLang="en-US" dirty="0"/>
+              <a:rPr lang="en-US" smtClean="0"/>
               <a:t>Fifth level</a:t>
             </a:r>
-            <a:endParaRPr lang="zh-CN" altLang="en-US" dirty="0"/>
-          </a:p>
-        </p:txBody>
-      </p:sp>
-      <p:sp>
-        <p:nvSpPr>
-          <p:cNvPr id="7" name="日期占位符 6"/>
+            <a:endParaRPr lang="en-US"/>
+          </a:p>
+        </p:txBody>
+      </p:sp>
+      <p:sp>
+        <p:nvSpPr>
+          <p:cNvPr id="7" name="Date Placeholder 6"/>
           <p:cNvSpPr>
             <a:spLocks noGrp="true"/>
           </p:cNvSpPr>
@@ -2402,7 +2753,7 @@
       </p:sp>
       <p:sp>
         <p:nvSpPr>
-          <p:cNvPr id="8" name="页脚占位符 7"/>
+          <p:cNvPr id="8" name="Footer Placeholder 7"/>
           <p:cNvSpPr>
             <a:spLocks noGrp="true"/>
           </p:cNvSpPr>
@@ -2421,7 +2772,7 @@
       </p:sp>
       <p:sp>
         <p:nvSpPr>
-          <p:cNvPr id="9" name="灯片编号占位符 8"/>
+          <p:cNvPr id="9" name="Slide Number Placeholder 8"/>
           <p:cNvSpPr>
             <a:spLocks noGrp="true"/>
           </p:cNvSpPr>
@@ -2446,6 +2797,7 @@
   <p:clrMapOvr>
     <a:masterClrMapping/>
   </p:clrMapOvr>
+  <p:hf sldNum="0" hdr="0" ftr="0" dt="0"/>
 </p:sldLayout>
 </file>
 
@@ -2468,7 +2820,7 @@
       </p:grpSpPr>
       <p:sp>
         <p:nvSpPr>
-          <p:cNvPr id="2" name="标题 1"/>
+          <p:cNvPr id="2" name="Title 1"/>
           <p:cNvSpPr>
             <a:spLocks noGrp="true"/>
           </p:cNvSpPr>
@@ -2476,41 +2828,22 @@
             <p:ph type="title"/>
           </p:nvPr>
         </p:nvSpPr>
-        <p:spPr>
-          <a:xfrm>
-            <a:off x="838200" y="2766219"/>
-            <a:ext cx="10515600" cy="1325563"/>
-          </a:xfrm>
-        </p:spPr>
-        <p:txBody>
-          <a:bodyPr>
-            <a:normAutofit/>
-          </a:bodyPr>
-          <a:lstStyle>
-            <a:lvl1pPr algn="ctr">
-              <a:defRPr sz="4800" b="0">
-                <a:effectLst>
-                  <a:outerShdw blurRad="38100" dist="38100" dir="2700000" algn="tl">
-                    <a:srgbClr val="000000">
-                      <a:alpha val="43137"/>
-                    </a:srgbClr>
-                  </a:outerShdw>
-                </a:effectLst>
-              </a:defRPr>
-            </a:lvl1pPr>
-          </a:lstStyle>
-          <a:p>
-            <a:r>
-              <a:rPr lang="zh-CN" altLang="en-US" dirty="0"/>
+        <p:spPr/>
+        <p:txBody>
+          <a:bodyPr/>
+          <a:lstStyle/>
+          <a:p>
+            <a:r>
+              <a:rPr lang="en-US" smtClean="0"/>
               <a:t>Click to edit Master title style</a:t>
             </a:r>
-            <a:endParaRPr lang="zh-CN" altLang="en-US" dirty="0"/>
-          </a:p>
-        </p:txBody>
-      </p:sp>
-      <p:sp>
-        <p:nvSpPr>
-          <p:cNvPr id="3" name="日期占位符 2"/>
+            <a:endParaRPr lang="en-US"/>
+          </a:p>
+        </p:txBody>
+      </p:sp>
+      <p:sp>
+        <p:nvSpPr>
+          <p:cNvPr id="3" name="Date Placeholder 2"/>
           <p:cNvSpPr>
             <a:spLocks noGrp="true"/>
           </p:cNvSpPr>
@@ -2532,7 +2865,7 @@
       </p:sp>
       <p:sp>
         <p:nvSpPr>
-          <p:cNvPr id="4" name="页脚占位符 3"/>
+          <p:cNvPr id="4" name="Footer Placeholder 3"/>
           <p:cNvSpPr>
             <a:spLocks noGrp="true"/>
           </p:cNvSpPr>
@@ -2551,7 +2884,7 @@
       </p:sp>
       <p:sp>
         <p:nvSpPr>
-          <p:cNvPr id="5" name="灯片编号占位符 4"/>
+          <p:cNvPr id="5" name="Slide Number Placeholder 4"/>
           <p:cNvSpPr>
             <a:spLocks noGrp="true"/>
           </p:cNvSpPr>
@@ -2576,6 +2909,7 @@
   <p:clrMapOvr>
     <a:masterClrMapping/>
   </p:clrMapOvr>
+  <p:hf sldNum="0" hdr="0" ftr="0" dt="0"/>
 </p:sldLayout>
 </file>
 
@@ -2598,7 +2932,7 @@
       </p:grpSpPr>
       <p:sp>
         <p:nvSpPr>
-          <p:cNvPr id="2" name="日期占位符 1"/>
+          <p:cNvPr id="2" name="Date Placeholder 1"/>
           <p:cNvSpPr>
             <a:spLocks noGrp="true"/>
           </p:cNvSpPr>
@@ -2620,7 +2954,7 @@
       </p:sp>
       <p:sp>
         <p:nvSpPr>
-          <p:cNvPr id="3" name="页脚占位符 2"/>
+          <p:cNvPr id="3" name="Footer Placeholder 2"/>
           <p:cNvSpPr>
             <a:spLocks noGrp="true"/>
           </p:cNvSpPr>
@@ -2639,7 +2973,7 @@
       </p:sp>
       <p:sp>
         <p:nvSpPr>
-          <p:cNvPr id="4" name="灯片编号占位符 3"/>
+          <p:cNvPr id="4" name="Slide Number Placeholder 3"/>
           <p:cNvSpPr>
             <a:spLocks noGrp="true"/>
           </p:cNvSpPr>
@@ -2664,10 +2998,384 @@
   <p:clrMapOvr>
     <a:masterClrMapping/>
   </p:clrMapOvr>
+  <p:hf sldNum="0" hdr="0" ftr="0" dt="0"/>
 </p:sldLayout>
 </file>
 
 <file path=ppt/slideLayouts/slideLayout8.xml><?xml version="1.0" encoding="utf-8"?>
+<p:sldLayout xmlns:a="http://schemas.openxmlformats.org/drawingml/2006/main" xmlns:r="http://schemas.openxmlformats.org/officeDocument/2006/relationships" xmlns:p="http://schemas.openxmlformats.org/presentationml/2006/main" type="objTx" preserve="1">
+  <p:cSld name="Content with Caption">
+    <p:spTree>
+      <p:nvGrpSpPr>
+        <p:cNvPr id="1" name=""/>
+        <p:cNvGrpSpPr/>
+        <p:nvPr/>
+      </p:nvGrpSpPr>
+      <p:grpSpPr>
+        <a:xfrm>
+          <a:off x="0" y="0"/>
+          <a:ext cx="0" cy="0"/>
+          <a:chOff x="0" y="0"/>
+          <a:chExt cx="0" cy="0"/>
+        </a:xfrm>
+      </p:grpSpPr>
+      <p:sp>
+        <p:nvSpPr>
+          <p:cNvPr id="2" name="Title 1"/>
+          <p:cNvSpPr>
+            <a:spLocks noGrp="true"/>
+          </p:cNvSpPr>
+          <p:nvPr>
+            <p:ph type="title"/>
+          </p:nvPr>
+        </p:nvSpPr>
+        <p:spPr>
+          <a:xfrm>
+            <a:off x="839788" y="457200"/>
+            <a:ext cx="3932237" cy="1600200"/>
+          </a:xfrm>
+        </p:spPr>
+        <p:txBody>
+          <a:bodyPr anchor="b"/>
+          <a:lstStyle>
+            <a:lvl1pPr>
+              <a:defRPr sz="2400"/>
+            </a:lvl1pPr>
+          </a:lstStyle>
+          <a:p>
+            <a:r>
+              <a:rPr lang="en-US" smtClean="0"/>
+              <a:t>Click to edit Master title style</a:t>
+            </a:r>
+            <a:endParaRPr lang="en-US"/>
+          </a:p>
+        </p:txBody>
+      </p:sp>
+      <p:sp>
+        <p:nvSpPr>
+          <p:cNvPr id="3" name="Content Placeholder 2"/>
+          <p:cNvSpPr>
+            <a:spLocks noGrp="true"/>
+          </p:cNvSpPr>
+          <p:nvPr>
+            <p:ph idx="1"/>
+          </p:nvPr>
+        </p:nvSpPr>
+        <p:spPr>
+          <a:xfrm>
+            <a:off x="5183188" y="987425"/>
+            <a:ext cx="6172200" cy="4873625"/>
+          </a:xfrm>
+        </p:spPr>
+        <p:txBody>
+          <a:bodyPr/>
+          <a:lstStyle>
+            <a:lvl1pPr>
+              <a:defRPr sz="2400"/>
+            </a:lvl1pPr>
+            <a:lvl2pPr>
+              <a:defRPr sz="2100"/>
+            </a:lvl2pPr>
+            <a:lvl3pPr>
+              <a:defRPr sz="1800"/>
+            </a:lvl3pPr>
+            <a:lvl4pPr>
+              <a:defRPr sz="1500"/>
+            </a:lvl4pPr>
+            <a:lvl5pPr>
+              <a:defRPr sz="1500"/>
+            </a:lvl5pPr>
+            <a:lvl6pPr>
+              <a:defRPr sz="1500"/>
+            </a:lvl6pPr>
+            <a:lvl7pPr>
+              <a:defRPr sz="1500"/>
+            </a:lvl7pPr>
+            <a:lvl8pPr>
+              <a:defRPr sz="1500"/>
+            </a:lvl8pPr>
+            <a:lvl9pPr>
+              <a:defRPr sz="1500"/>
+            </a:lvl9pPr>
+          </a:lstStyle>
+          <a:p>
+            <a:pPr lvl="0"/>
+            <a:r>
+              <a:rPr lang="en-US" smtClean="0"/>
+              <a:t>Click to edit Master text styles</a:t>
+            </a:r>
+            <a:endParaRPr lang="en-US" smtClean="0"/>
+          </a:p>
+          <a:p>
+            <a:pPr lvl="1"/>
+            <a:r>
+              <a:rPr lang="en-US" smtClean="0"/>
+              <a:t>Second level</a:t>
+            </a:r>
+            <a:endParaRPr lang="en-US" smtClean="0"/>
+          </a:p>
+          <a:p>
+            <a:pPr lvl="2"/>
+            <a:r>
+              <a:rPr lang="en-US" smtClean="0"/>
+              <a:t>Third level</a:t>
+            </a:r>
+            <a:endParaRPr lang="en-US" smtClean="0"/>
+          </a:p>
+          <a:p>
+            <a:pPr lvl="3"/>
+            <a:r>
+              <a:rPr lang="en-US" smtClean="0"/>
+              <a:t>Fourth level</a:t>
+            </a:r>
+            <a:endParaRPr lang="en-US" smtClean="0"/>
+          </a:p>
+          <a:p>
+            <a:pPr lvl="4"/>
+            <a:r>
+              <a:rPr lang="en-US" smtClean="0"/>
+              <a:t>Fifth level</a:t>
+            </a:r>
+            <a:endParaRPr lang="en-US"/>
+          </a:p>
+        </p:txBody>
+      </p:sp>
+      <p:sp>
+        <p:nvSpPr>
+          <p:cNvPr id="4" name="Text Placeholder 3"/>
+          <p:cNvSpPr>
+            <a:spLocks noGrp="true"/>
+          </p:cNvSpPr>
+          <p:nvPr>
+            <p:ph type="body" sz="half" idx="2"/>
+          </p:nvPr>
+        </p:nvSpPr>
+        <p:spPr>
+          <a:xfrm>
+            <a:off x="839788" y="2057400"/>
+            <a:ext cx="3932237" cy="3811588"/>
+          </a:xfrm>
+        </p:spPr>
+        <p:txBody>
+          <a:bodyPr/>
+          <a:lstStyle>
+            <a:lvl1pPr marL="0" indent="0">
+              <a:buNone/>
+              <a:defRPr sz="1200"/>
+            </a:lvl1pPr>
+            <a:lvl2pPr marL="342900" indent="0">
+              <a:buNone/>
+              <a:defRPr sz="1050"/>
+            </a:lvl2pPr>
+            <a:lvl3pPr marL="685800" indent="0">
+              <a:buNone/>
+              <a:defRPr sz="900"/>
+            </a:lvl3pPr>
+            <a:lvl4pPr marL="1028700" indent="0">
+              <a:buNone/>
+              <a:defRPr sz="750"/>
+            </a:lvl4pPr>
+            <a:lvl5pPr marL="1371600" indent="0">
+              <a:buNone/>
+              <a:defRPr sz="750"/>
+            </a:lvl5pPr>
+            <a:lvl6pPr marL="1714500" indent="0">
+              <a:buNone/>
+              <a:defRPr sz="750"/>
+            </a:lvl6pPr>
+            <a:lvl7pPr marL="2057400" indent="0">
+              <a:buNone/>
+              <a:defRPr sz="750"/>
+            </a:lvl7pPr>
+            <a:lvl8pPr marL="2400300" indent="0">
+              <a:buNone/>
+              <a:defRPr sz="750"/>
+            </a:lvl8pPr>
+            <a:lvl9pPr marL="2743200" indent="0">
+              <a:buNone/>
+              <a:defRPr sz="750"/>
+            </a:lvl9pPr>
+          </a:lstStyle>
+          <a:p>
+            <a:pPr lvl="0"/>
+            <a:r>
+              <a:rPr lang="en-US" smtClean="0"/>
+              <a:t>Click to edit Master text styles</a:t>
+            </a:r>
+            <a:endParaRPr lang="en-US" smtClean="0"/>
+          </a:p>
+        </p:txBody>
+      </p:sp>
+      <p:sp>
+        <p:nvSpPr>
+          <p:cNvPr id="5" name="Date Placeholder 4"/>
+          <p:cNvSpPr>
+            <a:spLocks noGrp="true"/>
+          </p:cNvSpPr>
+          <p:nvPr>
+            <p:ph type="dt" sz="half" idx="10"/>
+          </p:nvPr>
+        </p:nvSpPr>
+        <p:spPr/>
+        <p:txBody>
+          <a:bodyPr/>
+          <a:lstStyle/>
+          <a:p>
+            <a:pPr marL="0" marR="0" lvl="0" indent="0" algn="l" defTabSz="914400" rtl="0" eaLnBrk="1" fontAlgn="base" latinLnBrk="0" hangingPunct="1">
+              <a:lnSpc>
+                <a:spcPct val="100000"/>
+              </a:lnSpc>
+              <a:spcBef>
+                <a:spcPct val="0"/>
+              </a:spcBef>
+              <a:spcAft>
+                <a:spcPct val="0"/>
+              </a:spcAft>
+              <a:buClrTx/>
+              <a:buSzTx/>
+              <a:buFontTx/>
+              <a:buNone/>
+              <a:defRPr/>
+            </a:pPr>
+            <a:endParaRPr kumimoji="0" lang="en-US" altLang="zh-CN" sz="1400" b="0" i="0" u="none" strike="noStrike" kern="1200" cap="none" spc="0" normalizeH="0" baseline="0" noProof="0" smtClean="0">
+              <a:ln>
+                <a:noFill/>
+              </a:ln>
+              <a:solidFill>
+                <a:schemeClr val="tx1"/>
+              </a:solidFill>
+              <a:effectLst/>
+              <a:uLnTx/>
+              <a:uFillTx/>
+              <a:latin typeface="Arial" panose="02080604020202020204" pitchFamily="34" charset="0"/>
+              <a:ea typeface="SimSun" pitchFamily="2" charset="-122"/>
+              <a:cs typeface="+mn-cs"/>
+            </a:endParaRPr>
+          </a:p>
+        </p:txBody>
+      </p:sp>
+      <p:sp>
+        <p:nvSpPr>
+          <p:cNvPr id="6" name="Footer Placeholder 5"/>
+          <p:cNvSpPr>
+            <a:spLocks noGrp="true"/>
+          </p:cNvSpPr>
+          <p:nvPr>
+            <p:ph type="ftr" sz="quarter" idx="11"/>
+          </p:nvPr>
+        </p:nvSpPr>
+        <p:spPr/>
+        <p:txBody>
+          <a:bodyPr/>
+          <a:lstStyle/>
+          <a:p>
+            <a:pPr marL="0" marR="0" lvl="0" indent="0" algn="ctr" defTabSz="914400" rtl="0" eaLnBrk="1" fontAlgn="base" latinLnBrk="0" hangingPunct="1">
+              <a:lnSpc>
+                <a:spcPct val="100000"/>
+              </a:lnSpc>
+              <a:spcBef>
+                <a:spcPct val="0"/>
+              </a:spcBef>
+              <a:spcAft>
+                <a:spcPct val="0"/>
+              </a:spcAft>
+              <a:buClrTx/>
+              <a:buSzTx/>
+              <a:buFontTx/>
+              <a:buNone/>
+              <a:defRPr/>
+            </a:pPr>
+            <a:endParaRPr kumimoji="0" lang="en-US" altLang="zh-CN" sz="1400" b="0" i="0" u="none" strike="noStrike" kern="1200" cap="none" spc="0" normalizeH="0" baseline="0" noProof="0" smtClean="0">
+              <a:ln>
+                <a:noFill/>
+              </a:ln>
+              <a:solidFill>
+                <a:schemeClr val="tx1"/>
+              </a:solidFill>
+              <a:effectLst/>
+              <a:uLnTx/>
+              <a:uFillTx/>
+              <a:latin typeface="Arial" panose="02080604020202020204" pitchFamily="34" charset="0"/>
+              <a:ea typeface="SimSun" pitchFamily="2" charset="-122"/>
+              <a:cs typeface="+mn-cs"/>
+            </a:endParaRPr>
+          </a:p>
+        </p:txBody>
+      </p:sp>
+      <p:sp>
+        <p:nvSpPr>
+          <p:cNvPr id="7" name="Slide Number Placeholder 6"/>
+          <p:cNvSpPr>
+            <a:spLocks noGrp="true"/>
+          </p:cNvSpPr>
+          <p:nvPr>
+            <p:ph type="sldNum" sz="quarter" idx="12"/>
+          </p:nvPr>
+        </p:nvSpPr>
+        <p:spPr/>
+        <p:txBody>
+          <a:bodyPr/>
+          <a:lstStyle/>
+          <a:p>
+            <a:pPr marL="0" marR="0" lvl="0" indent="0" algn="r" defTabSz="914400" rtl="0" eaLnBrk="1" fontAlgn="base" latinLnBrk="0" hangingPunct="1">
+              <a:lnSpc>
+                <a:spcPct val="100000"/>
+              </a:lnSpc>
+              <a:spcBef>
+                <a:spcPct val="0"/>
+              </a:spcBef>
+              <a:spcAft>
+                <a:spcPct val="0"/>
+              </a:spcAft>
+              <a:buClrTx/>
+              <a:buSzTx/>
+              <a:buFontTx/>
+              <a:buNone/>
+              <a:defRPr/>
+            </a:pPr>
+            <a:fld id="{9C4527FD-C22F-4528-B2BB-24ACAEFD76BE}" type="slidenum">
+              <a:rPr kumimoji="0" lang="en-US" altLang="zh-CN" sz="1400" b="0" i="0" u="none" strike="noStrike" kern="1200" cap="none" spc="0" normalizeH="0" baseline="0" noProof="0" smtClean="0">
+                <a:ln>
+                  <a:noFill/>
+                </a:ln>
+                <a:solidFill>
+                  <a:schemeClr val="tx1"/>
+                </a:solidFill>
+                <a:effectLst/>
+                <a:uLnTx/>
+                <a:uFillTx/>
+                <a:latin typeface="Arial" panose="02080604020202020204" pitchFamily="34" charset="0"/>
+                <a:ea typeface="SimSun" pitchFamily="2" charset="-122"/>
+                <a:cs typeface="+mn-cs"/>
+              </a:rPr>
+            </a:fld>
+            <a:endParaRPr kumimoji="0" lang="en-US" altLang="zh-CN" sz="1400" b="0" i="0" u="none" strike="noStrike" kern="1200" cap="none" spc="0" normalizeH="0" baseline="0" noProof="0" smtClean="0">
+              <a:ln>
+                <a:noFill/>
+              </a:ln>
+              <a:solidFill>
+                <a:schemeClr val="tx1"/>
+              </a:solidFill>
+              <a:effectLst/>
+              <a:uLnTx/>
+              <a:uFillTx/>
+              <a:latin typeface="Arial" panose="02080604020202020204" pitchFamily="34" charset="0"/>
+              <a:ea typeface="SimSun" pitchFamily="2" charset="-122"/>
+              <a:cs typeface="+mn-cs"/>
+            </a:endParaRPr>
+          </a:p>
+        </p:txBody>
+      </p:sp>
+    </p:spTree>
+  </p:cSld>
+  <p:clrMapOvr>
+    <a:masterClrMapping/>
+  </p:clrMapOvr>
+  <p:hf sldNum="0" hdr="0" ftr="0" dt="0"/>
+</p:sldLayout>
+</file>
+
+<file path=ppt/slideLayouts/slideLayout9.xml><?xml version="1.0" encoding="utf-8"?>
 <p:sldLayout xmlns:a="http://schemas.openxmlformats.org/drawingml/2006/main" xmlns:r="http://schemas.openxmlformats.org/officeDocument/2006/relationships" xmlns:p="http://schemas.openxmlformats.org/presentationml/2006/main" type="picTx" preserve="1">
   <p:cSld name="Picture with Caption">
     <p:spTree>
@@ -2686,7 +3394,7 @@
       </p:grpSpPr>
       <p:sp>
         <p:nvSpPr>
-          <p:cNvPr id="2" name="标题 1"/>
+          <p:cNvPr id="2" name="Title 1"/>
           <p:cNvSpPr>
             <a:spLocks noGrp="true"/>
           </p:cNvSpPr>
@@ -2696,45 +3404,31 @@
         </p:nvSpPr>
         <p:spPr>
           <a:xfrm>
-            <a:off x="646747" y="127000"/>
-            <a:ext cx="4165200" cy="1600200"/>
+            <a:off x="839788" y="457200"/>
+            <a:ext cx="3932237" cy="1600200"/>
           </a:xfrm>
         </p:spPr>
         <p:txBody>
-          <a:bodyPr anchor="ctr" anchorCtr="false">
-            <a:normAutofit/>
-          </a:bodyPr>
+          <a:bodyPr anchor="b"/>
           <a:lstStyle>
             <a:lvl1pPr>
-              <a:defRPr sz="2400" b="1">
-                <a:effectLst>
-                  <a:outerShdw blurRad="38100" dist="38100" dir="2700000" algn="tl">
-                    <a:srgbClr val="000000">
-                      <a:alpha val="43137"/>
-                    </a:srgbClr>
-                  </a:outerShdw>
-                </a:effectLst>
-              </a:defRPr>
+              <a:defRPr sz="2400"/>
             </a:lvl1pPr>
           </a:lstStyle>
           <a:p>
             <a:r>
-              <a:rPr lang="zh-CN" altLang="en-US" dirty="0">
-                <a:sym typeface="+mn-ea"/>
-              </a:rPr>
+              <a:rPr lang="en-US" smtClean="0"/>
               <a:t>Click to edit Master title style</a:t>
             </a:r>
-            <a:endParaRPr lang="zh-CN" altLang="en-US" dirty="0">
-              <a:sym typeface="+mn-ea"/>
-            </a:endParaRPr>
-          </a:p>
-        </p:txBody>
-      </p:sp>
-      <p:sp>
-        <p:nvSpPr>
-          <p:cNvPr id="3" name="图片占位符 2"/>
-          <p:cNvSpPr>
-            <a:spLocks noGrp="true" noChangeAspect="true"/>
+            <a:endParaRPr lang="en-US"/>
+          </a:p>
+        </p:txBody>
+      </p:sp>
+      <p:sp>
+        <p:nvSpPr>
+          <p:cNvPr id="3" name="Picture Placeholder 2"/>
+          <p:cNvSpPr>
+            <a:spLocks noGrp="true"/>
           </p:cNvSpPr>
           <p:nvPr>
             <p:ph type="pic" idx="1"/>
@@ -2742,8 +3436,8 @@
         </p:nvSpPr>
         <p:spPr>
           <a:xfrm>
-            <a:off x="5184000" y="766354"/>
-            <a:ext cx="5817375" cy="5094446"/>
+            <a:off x="5183188" y="987425"/>
+            <a:ext cx="6172200" cy="4873625"/>
           </a:xfrm>
         </p:spPr>
         <p:txBody>
@@ -2751,49 +3445,49 @@
           <a:lstStyle>
             <a:lvl1pPr marL="0" indent="0">
               <a:buNone/>
-              <a:defRPr sz="3200"/>
+              <a:defRPr sz="2400"/>
             </a:lvl1pPr>
-            <a:lvl2pPr marL="457200" indent="0">
+            <a:lvl2pPr marL="342900" indent="0">
               <a:buNone/>
-              <a:defRPr sz="2800"/>
+              <a:defRPr sz="2100"/>
             </a:lvl2pPr>
-            <a:lvl3pPr marL="914400" indent="0">
+            <a:lvl3pPr marL="685800" indent="0">
               <a:buNone/>
-              <a:defRPr sz="2400"/>
+              <a:defRPr sz="1800"/>
             </a:lvl3pPr>
-            <a:lvl4pPr marL="1371600" indent="0">
+            <a:lvl4pPr marL="1028700" indent="0">
               <a:buNone/>
-              <a:defRPr sz="2000"/>
+              <a:defRPr sz="1500"/>
             </a:lvl4pPr>
-            <a:lvl5pPr marL="1828800" indent="0">
+            <a:lvl5pPr marL="1371600" indent="0">
               <a:buNone/>
-              <a:defRPr sz="2000"/>
+              <a:defRPr sz="1500"/>
             </a:lvl5pPr>
-            <a:lvl6pPr marL="2286000" indent="0">
+            <a:lvl6pPr marL="1714500" indent="0">
               <a:buNone/>
-              <a:defRPr sz="2000"/>
+              <a:defRPr sz="1500"/>
             </a:lvl6pPr>
-            <a:lvl7pPr marL="2743200" indent="0">
+            <a:lvl7pPr marL="2057400" indent="0">
               <a:buNone/>
-              <a:defRPr sz="2000"/>
+              <a:defRPr sz="1500"/>
             </a:lvl7pPr>
-            <a:lvl8pPr marL="3200400" indent="0">
+            <a:lvl8pPr marL="2400300" indent="0">
               <a:buNone/>
-              <a:defRPr sz="2000"/>
+              <a:defRPr sz="1500"/>
             </a:lvl8pPr>
-            <a:lvl9pPr marL="3657600" indent="0">
+            <a:lvl9pPr marL="2743200" indent="0">
               <a:buNone/>
-              <a:defRPr sz="2000"/>
+              <a:defRPr sz="1500"/>
             </a:lvl9pPr>
           </a:lstStyle>
           <a:p>
-            <a:endParaRPr lang="zh-CN" altLang="en-US" dirty="0"/>
-          </a:p>
-        </p:txBody>
-      </p:sp>
-      <p:sp>
-        <p:nvSpPr>
-          <p:cNvPr id="4" name="文本占位符 3"/>
+            <a:endParaRPr lang="en-US"/>
+          </a:p>
+        </p:txBody>
+      </p:sp>
+      <p:sp>
+        <p:nvSpPr>
+          <p:cNvPr id="4" name="Text Placeholder 3"/>
           <p:cNvSpPr>
             <a:spLocks noGrp="true"/>
           </p:cNvSpPr>
@@ -2803,68 +3497,63 @@
         </p:nvSpPr>
         <p:spPr>
           <a:xfrm>
-            <a:off x="651827" y="2057400"/>
-            <a:ext cx="4165200" cy="3811588"/>
+            <a:off x="839788" y="2057400"/>
+            <a:ext cx="3932237" cy="3811588"/>
           </a:xfrm>
         </p:spPr>
         <p:txBody>
-          <a:bodyPr>
-            <a:normAutofit/>
-          </a:bodyPr>
+          <a:bodyPr/>
           <a:lstStyle>
             <a:lvl1pPr marL="0" indent="0">
-              <a:lnSpc>
-                <a:spcPct val="150000"/>
-              </a:lnSpc>
-              <a:buNone/>
-              <a:defRPr sz="1600"/>
-            </a:lvl1pPr>
-            <a:lvl2pPr marL="457200" indent="0">
-              <a:buNone/>
-              <a:defRPr sz="1400"/>
-            </a:lvl2pPr>
-            <a:lvl3pPr marL="914400" indent="0">
               <a:buNone/>
               <a:defRPr sz="1200"/>
+            </a:lvl1pPr>
+            <a:lvl2pPr marL="342900" indent="0">
+              <a:buNone/>
+              <a:defRPr sz="1050"/>
+            </a:lvl2pPr>
+            <a:lvl3pPr marL="685800" indent="0">
+              <a:buNone/>
+              <a:defRPr sz="900"/>
             </a:lvl3pPr>
-            <a:lvl4pPr marL="1371600" indent="0">
+            <a:lvl4pPr marL="1028700" indent="0">
               <a:buNone/>
-              <a:defRPr sz="1000"/>
+              <a:defRPr sz="750"/>
             </a:lvl4pPr>
-            <a:lvl5pPr marL="1828800" indent="0">
+            <a:lvl5pPr marL="1371600" indent="0">
               <a:buNone/>
-              <a:defRPr sz="1000"/>
+              <a:defRPr sz="750"/>
             </a:lvl5pPr>
-            <a:lvl6pPr marL="2286000" indent="0">
+            <a:lvl6pPr marL="1714500" indent="0">
               <a:buNone/>
-              <a:defRPr sz="1000"/>
+              <a:defRPr sz="750"/>
             </a:lvl6pPr>
-            <a:lvl7pPr marL="2743200" indent="0">
+            <a:lvl7pPr marL="2057400" indent="0">
               <a:buNone/>
-              <a:defRPr sz="1000"/>
+              <a:defRPr sz="750"/>
             </a:lvl7pPr>
-            <a:lvl8pPr marL="3200400" indent="0">
+            <a:lvl8pPr marL="2400300" indent="0">
               <a:buNone/>
-              <a:defRPr sz="1000"/>
+              <a:defRPr sz="750"/>
             </a:lvl8pPr>
-            <a:lvl9pPr marL="3657600" indent="0">
+            <a:lvl9pPr marL="2743200" indent="0">
               <a:buNone/>
-              <a:defRPr sz="1000"/>
+              <a:defRPr sz="750"/>
             </a:lvl9pPr>
           </a:lstStyle>
           <a:p>
             <a:pPr lvl="0"/>
             <a:r>
-              <a:rPr lang="zh-CN" altLang="en-US" dirty="0"/>
+              <a:rPr lang="en-US" smtClean="0"/>
               <a:t>Click to edit Master text styles</a:t>
             </a:r>
-            <a:endParaRPr lang="zh-CN" altLang="en-US" dirty="0"/>
-          </a:p>
-        </p:txBody>
-      </p:sp>
-      <p:sp>
-        <p:nvSpPr>
-          <p:cNvPr id="5" name="日期占位符 4"/>
+            <a:endParaRPr lang="en-US" smtClean="0"/>
+          </a:p>
+        </p:txBody>
+      </p:sp>
+      <p:sp>
+        <p:nvSpPr>
+          <p:cNvPr id="5" name="Date Placeholder 4"/>
           <p:cNvSpPr>
             <a:spLocks noGrp="true"/>
           </p:cNvSpPr>
@@ -2886,7 +3575,7 @@
       </p:sp>
       <p:sp>
         <p:nvSpPr>
-          <p:cNvPr id="6" name="页脚占位符 5"/>
+          <p:cNvPr id="6" name="Footer Placeholder 5"/>
           <p:cNvSpPr>
             <a:spLocks noGrp="true"/>
           </p:cNvSpPr>
@@ -2905,7 +3594,7 @@
       </p:sp>
       <p:sp>
         <p:nvSpPr>
-          <p:cNvPr id="7" name="灯片编号占位符 6"/>
+          <p:cNvPr id="7" name="Slide Number Placeholder 6"/>
           <p:cNvSpPr>
             <a:spLocks noGrp="true"/>
           </p:cNvSpPr>
@@ -2960,193 +3649,14 @@
   <p:clrMapOvr>
     <a:masterClrMapping/>
   </p:clrMapOvr>
-</p:sldLayout>
-</file>
-
-<file path=ppt/slideLayouts/slideLayout9.xml><?xml version="1.0" encoding="utf-8"?>
-<p:sldLayout xmlns:a="http://schemas.openxmlformats.org/drawingml/2006/main" xmlns:r="http://schemas.openxmlformats.org/officeDocument/2006/relationships" xmlns:p="http://schemas.openxmlformats.org/presentationml/2006/main" type="vertTitleAndTx" preserve="1">
-  <p:cSld name="Vertical Title and Text">
-    <p:spTree>
-      <p:nvGrpSpPr>
-        <p:cNvPr id="1" name=""/>
-        <p:cNvGrpSpPr/>
-        <p:nvPr/>
-      </p:nvGrpSpPr>
-      <p:grpSpPr>
-        <a:xfrm>
-          <a:off x="0" y="0"/>
-          <a:ext cx="0" cy="0"/>
-          <a:chOff x="0" y="0"/>
-          <a:chExt cx="0" cy="0"/>
-        </a:xfrm>
-      </p:grpSpPr>
-      <p:sp>
-        <p:nvSpPr>
-          <p:cNvPr id="2" name="竖排标题 1"/>
-          <p:cNvSpPr>
-            <a:spLocks noGrp="true"/>
-          </p:cNvSpPr>
-          <p:nvPr>
-            <p:ph type="title" orient="vert"/>
-          </p:nvPr>
-        </p:nvSpPr>
-        <p:spPr>
-          <a:xfrm>
-            <a:off x="9824484" y="365125"/>
-            <a:ext cx="1529316" cy="5811838"/>
-          </a:xfrm>
-        </p:spPr>
-        <p:txBody>
-          <a:bodyPr vert="eaVert">
-            <a:normAutofit/>
-          </a:bodyPr>
-          <a:lstStyle>
-            <a:lvl1pPr>
-              <a:defRPr sz="3600"/>
-            </a:lvl1pPr>
-          </a:lstStyle>
-          <a:p>
-            <a:r>
-              <a:rPr lang="zh-CN" altLang="en-US"/>
-              <a:t>Click to edit Master title style</a:t>
-            </a:r>
-            <a:endParaRPr lang="zh-CN" altLang="en-US"/>
-          </a:p>
-        </p:txBody>
-      </p:sp>
-      <p:sp>
-        <p:nvSpPr>
-          <p:cNvPr id="3" name="竖排文字占位符 2"/>
-          <p:cNvSpPr>
-            <a:spLocks noGrp="true"/>
-          </p:cNvSpPr>
-          <p:nvPr>
-            <p:ph type="body" orient="vert" idx="1"/>
-          </p:nvPr>
-        </p:nvSpPr>
-        <p:spPr>
-          <a:xfrm>
-            <a:off x="838200" y="365125"/>
-            <a:ext cx="8879958" cy="5811838"/>
-          </a:xfrm>
-        </p:spPr>
-        <p:txBody>
-          <a:bodyPr vert="eaVert"/>
-          <a:lstStyle/>
-          <a:p>
-            <a:pPr lvl="0"/>
-            <a:r>
-              <a:rPr lang="zh-CN" altLang="en-US" dirty="0">
-                <a:sym typeface="+mn-ea"/>
-              </a:rPr>
-              <a:t>Click to edit Master text styles</a:t>
-            </a:r>
-            <a:endParaRPr lang="zh-CN" altLang="en-US" dirty="0">
-              <a:sym typeface="+mn-ea"/>
-            </a:endParaRPr>
-          </a:p>
-          <a:p>
-            <a:pPr lvl="1"/>
-            <a:r>
-              <a:rPr lang="zh-CN" altLang="en-US" dirty="0"/>
-              <a:t>Second level</a:t>
-            </a:r>
-            <a:endParaRPr lang="zh-CN" altLang="en-US" dirty="0"/>
-          </a:p>
-          <a:p>
-            <a:pPr lvl="2"/>
-            <a:r>
-              <a:rPr lang="zh-CN" altLang="en-US" dirty="0"/>
-              <a:t>Third level</a:t>
-            </a:r>
-            <a:endParaRPr lang="zh-CN" altLang="en-US" dirty="0"/>
-          </a:p>
-          <a:p>
-            <a:pPr lvl="3"/>
-            <a:r>
-              <a:rPr lang="zh-CN" altLang="en-US" dirty="0"/>
-              <a:t>Fourth level</a:t>
-            </a:r>
-            <a:endParaRPr lang="zh-CN" altLang="en-US" dirty="0"/>
-          </a:p>
-          <a:p>
-            <a:pPr lvl="4"/>
-            <a:r>
-              <a:rPr lang="zh-CN" altLang="en-US" dirty="0"/>
-              <a:t>Fifth level</a:t>
-            </a:r>
-            <a:endParaRPr lang="zh-CN" altLang="en-US" dirty="0"/>
-          </a:p>
-        </p:txBody>
-      </p:sp>
-      <p:sp>
-        <p:nvSpPr>
-          <p:cNvPr id="4" name="日期占位符 3"/>
-          <p:cNvSpPr>
-            <a:spLocks noGrp="true"/>
-          </p:cNvSpPr>
-          <p:nvPr>
-            <p:ph type="dt" sz="half" idx="10"/>
-          </p:nvPr>
-        </p:nvSpPr>
-        <p:spPr/>
-        <p:txBody>
-          <a:bodyPr/>
-          <a:lstStyle/>
-          <a:p>
-            <a:fld id="{760FBDFE-C587-4B4C-A407-44438C67B59E}" type="datetimeFigureOut">
-              <a:rPr lang="zh-CN" altLang="en-US" smtClean="0"/>
-            </a:fld>
-            <a:endParaRPr lang="zh-CN" altLang="en-US"/>
-          </a:p>
-        </p:txBody>
-      </p:sp>
-      <p:sp>
-        <p:nvSpPr>
-          <p:cNvPr id="5" name="页脚占位符 4"/>
-          <p:cNvSpPr>
-            <a:spLocks noGrp="true"/>
-          </p:cNvSpPr>
-          <p:nvPr>
-            <p:ph type="ftr" sz="quarter" idx="11"/>
-          </p:nvPr>
-        </p:nvSpPr>
-        <p:spPr/>
-        <p:txBody>
-          <a:bodyPr/>
-          <a:lstStyle/>
-          <a:p>
-            <a:endParaRPr lang="zh-CN" altLang="en-US"/>
-          </a:p>
-        </p:txBody>
-      </p:sp>
-      <p:sp>
-        <p:nvSpPr>
-          <p:cNvPr id="6" name="灯片编号占位符 5"/>
-          <p:cNvSpPr>
-            <a:spLocks noGrp="true"/>
-          </p:cNvSpPr>
-          <p:nvPr>
-            <p:ph type="sldNum" sz="quarter" idx="12"/>
-          </p:nvPr>
-        </p:nvSpPr>
-        <p:spPr/>
-        <p:txBody>
-          <a:bodyPr/>
-          <a:lstStyle/>
-          <a:p>
-            <a:fld id="{49AE70B2-8BF9-45C0-BB95-33D1B9D3A854}" type="slidenum">
-              <a:rPr lang="zh-CN" altLang="en-US" smtClean="0"/>
-            </a:fld>
-            <a:endParaRPr lang="zh-CN" altLang="en-US"/>
-          </a:p>
-        </p:txBody>
-      </p:sp>
-    </p:spTree>
-  </p:cSld>
-  <p:clrMapOvr>
-    <a:masterClrMapping/>
-  </p:clrMapOvr>
+  <p:timing>
+    <p:tnLst>
+      <p:par>
+        <p:cTn id="1" dur="indefinite" restart="never" nodeType="tmRoot"/>
+      </p:par>
+    </p:tnLst>
+  </p:timing>
+  <p:hf sldNum="0" hdr="0" ftr="0" dt="0"/>
 </p:sldLayout>
 </file>
 
@@ -3156,7 +3666,9 @@
     <p:bg>
       <p:bgPr>
         <a:solidFill>
-          <a:schemeClr val="bg1"/>
+          <a:schemeClr val="bg1">
+            <a:alpha val="100000"/>
+          </a:schemeClr>
         </a:solidFill>
         <a:effectLst/>
       </p:bgPr>
@@ -3167,149 +3679,119 @@
         <p:cNvGrpSpPr/>
         <p:nvPr/>
       </p:nvGrpSpPr>
-      <p:grpSpPr>
-        <a:xfrm>
-          <a:off x="0" y="0"/>
-          <a:ext cx="0" cy="0"/>
-          <a:chOff x="0" y="0"/>
-          <a:chExt cx="0" cy="0"/>
-        </a:xfrm>
-      </p:grpSpPr>
-      <p:sp>
-        <p:nvSpPr>
-          <p:cNvPr id="2" name="标题占位符 1"/>
-          <p:cNvSpPr>
-            <a:spLocks noGrp="true"/>
-          </p:cNvSpPr>
+      <p:grpSpPr/>
+      <p:sp>
+        <p:nvSpPr>
+          <p:cNvPr id="1026" name="Title 1025"/>
+          <p:cNvSpPr/>
           <p:nvPr>
             <p:ph type="title"/>
           </p:nvPr>
         </p:nvSpPr>
         <p:spPr>
           <a:xfrm>
-            <a:off x="838200" y="365125"/>
-            <a:ext cx="10515600" cy="1325563"/>
+            <a:off x="609600" y="274638"/>
+            <a:ext cx="10972800" cy="1143000"/>
           </a:xfrm>
           <a:prstGeom prst="rect">
             <a:avLst/>
           </a:prstGeom>
+          <a:noFill/>
+          <a:ln w="9525">
+            <a:noFill/>
+          </a:ln>
         </p:spPr>
         <p:txBody>
-          <a:bodyPr vert="horz" lIns="91440" tIns="45720" rIns="91440" bIns="45720" rtlCol="0" anchor="ctr">
-            <a:normAutofit/>
-          </a:bodyPr>
-          <a:lstStyle/>
-          <a:p>
-            <a:r>
-              <a:rPr lang="zh-CN" altLang="en-US" dirty="0"/>
+          <a:bodyPr anchor="ctr" anchorCtr="false"/>
+          <a:p>
+            <a:pPr lvl="0"/>
+            <a:r>
               <a:t>Click to edit Master title style</a:t>
             </a:r>
-            <a:endParaRPr lang="zh-CN" altLang="en-US" dirty="0"/>
-          </a:p>
-        </p:txBody>
-      </p:sp>
-      <p:sp>
-        <p:nvSpPr>
-          <p:cNvPr id="3" name="文本占位符 2"/>
-          <p:cNvSpPr>
-            <a:spLocks noGrp="true"/>
-          </p:cNvSpPr>
+          </a:p>
+        </p:txBody>
+      </p:sp>
+      <p:sp>
+        <p:nvSpPr>
+          <p:cNvPr id="1027" name="Text Placeholder 1026"/>
+          <p:cNvSpPr/>
           <p:nvPr>
             <p:ph type="body" idx="1"/>
           </p:nvPr>
         </p:nvSpPr>
         <p:spPr>
           <a:xfrm>
-            <a:off x="838200" y="1825625"/>
-            <a:ext cx="10515600" cy="4351338"/>
+            <a:off x="609600" y="1600200"/>
+            <a:ext cx="10972800" cy="4525963"/>
           </a:xfrm>
           <a:prstGeom prst="rect">
             <a:avLst/>
           </a:prstGeom>
+          <a:noFill/>
+          <a:ln w="9525">
+            <a:noFill/>
+          </a:ln>
         </p:spPr>
         <p:txBody>
-          <a:bodyPr vert="horz" lIns="91440" tIns="45720" rIns="91440" bIns="45720" rtlCol="0">
-            <a:normAutofit/>
-          </a:bodyPr>
-          <a:lstStyle/>
+          <a:bodyPr/>
           <a:p>
             <a:pPr lvl="0"/>
             <a:r>
-              <a:rPr lang="zh-CN" altLang="en-US" dirty="0">
-                <a:sym typeface="+mn-ea"/>
-              </a:rPr>
               <a:t>Click to edit Master text styles</a:t>
             </a:r>
-            <a:endParaRPr lang="zh-CN" altLang="en-US" dirty="0">
-              <a:sym typeface="+mn-ea"/>
-            </a:endParaRPr>
           </a:p>
           <a:p>
             <a:pPr lvl="1"/>
             <a:r>
-              <a:rPr lang="zh-CN" altLang="en-US" dirty="0"/>
               <a:t>Second level</a:t>
             </a:r>
-            <a:endParaRPr lang="zh-CN" altLang="en-US" dirty="0"/>
           </a:p>
           <a:p>
             <a:pPr lvl="2"/>
             <a:r>
-              <a:rPr lang="zh-CN" altLang="en-US" dirty="0"/>
               <a:t>Third level</a:t>
             </a:r>
-            <a:endParaRPr lang="zh-CN" altLang="en-US" dirty="0"/>
           </a:p>
           <a:p>
             <a:pPr lvl="3"/>
             <a:r>
-              <a:rPr lang="zh-CN" altLang="en-US" dirty="0"/>
               <a:t>Fourth level</a:t>
             </a:r>
-            <a:endParaRPr lang="zh-CN" altLang="en-US" dirty="0"/>
           </a:p>
           <a:p>
             <a:pPr lvl="4"/>
             <a:r>
-              <a:rPr lang="zh-CN" altLang="en-US" dirty="0"/>
               <a:t>Fifth level</a:t>
             </a:r>
-            <a:endParaRPr lang="zh-CN" altLang="en-US" dirty="0"/>
-          </a:p>
-        </p:txBody>
-      </p:sp>
-      <p:sp>
-        <p:nvSpPr>
-          <p:cNvPr id="4" name="日期占位符 3"/>
-          <p:cNvSpPr>
-            <a:spLocks noGrp="true"/>
-          </p:cNvSpPr>
+          </a:p>
+        </p:txBody>
+      </p:sp>
+      <p:sp>
+        <p:nvSpPr>
+          <p:cNvPr id="1028" name="Date Placeholder 1027"/>
+          <p:cNvSpPr/>
           <p:nvPr>
             <p:ph type="dt" sz="half" idx="2"/>
           </p:nvPr>
         </p:nvSpPr>
         <p:spPr>
           <a:xfrm>
-            <a:off x="838200" y="6356350"/>
-            <a:ext cx="2743200" cy="365125"/>
+            <a:off x="609600" y="6245225"/>
+            <a:ext cx="2844800" cy="476250"/>
           </a:xfrm>
           <a:prstGeom prst="rect">
             <a:avLst/>
           </a:prstGeom>
+          <a:noFill/>
+          <a:ln w="9525">
+            <a:noFill/>
+          </a:ln>
         </p:spPr>
         <p:txBody>
-          <a:bodyPr vert="horz" lIns="91440" tIns="45720" rIns="91440" bIns="45720" rtlCol="0" anchor="ctr">
-            <a:normAutofit/>
-          </a:bodyPr>
+          <a:bodyPr/>
           <a:lstStyle>
-            <a:lvl1pPr algn="l">
-              <a:defRPr sz="1200">
-                <a:solidFill>
-                  <a:schemeClr val="tx1">
-                    <a:tint val="75000"/>
-                  </a:schemeClr>
-                </a:solidFill>
-              </a:defRPr>
+            <a:lvl1pPr>
+              <a:defRPr sz="1400"/>
             </a:lvl1pPr>
           </a:lstStyle>
           <a:p>
@@ -3322,36 +3804,30 @@
       </p:sp>
       <p:sp>
         <p:nvSpPr>
-          <p:cNvPr id="5" name="页脚占位符 4"/>
-          <p:cNvSpPr>
-            <a:spLocks noGrp="true"/>
-          </p:cNvSpPr>
+          <p:cNvPr id="1029" name="Footer Placeholder 1028"/>
+          <p:cNvSpPr/>
           <p:nvPr>
             <p:ph type="ftr" sz="quarter" idx="3"/>
           </p:nvPr>
         </p:nvSpPr>
         <p:spPr>
           <a:xfrm>
-            <a:off x="4038600" y="6356350"/>
-            <a:ext cx="4114800" cy="365125"/>
+            <a:off x="4165600" y="6245225"/>
+            <a:ext cx="3860800" cy="476250"/>
           </a:xfrm>
           <a:prstGeom prst="rect">
             <a:avLst/>
           </a:prstGeom>
+          <a:noFill/>
+          <a:ln w="9525">
+            <a:noFill/>
+          </a:ln>
         </p:spPr>
         <p:txBody>
-          <a:bodyPr vert="horz" lIns="91440" tIns="45720" rIns="91440" bIns="45720" rtlCol="0" anchor="ctr">
-            <a:normAutofit/>
-          </a:bodyPr>
+          <a:bodyPr/>
           <a:lstStyle>
             <a:lvl1pPr algn="ctr">
-              <a:defRPr sz="1200">
-                <a:solidFill>
-                  <a:schemeClr val="tx1">
-                    <a:tint val="75000"/>
-                  </a:schemeClr>
-                </a:solidFill>
-              </a:defRPr>
+              <a:defRPr sz="1400"/>
             </a:lvl1pPr>
           </a:lstStyle>
           <a:p>
@@ -3361,36 +3837,30 @@
       </p:sp>
       <p:sp>
         <p:nvSpPr>
-          <p:cNvPr id="6" name="灯片编号占位符 5"/>
-          <p:cNvSpPr>
-            <a:spLocks noGrp="true"/>
-          </p:cNvSpPr>
+          <p:cNvPr id="1030" name="Slide Number Placeholder 1029"/>
+          <p:cNvSpPr/>
           <p:nvPr>
             <p:ph type="sldNum" sz="quarter" idx="4"/>
           </p:nvPr>
         </p:nvSpPr>
         <p:spPr>
           <a:xfrm>
-            <a:off x="8610600" y="6356350"/>
-            <a:ext cx="2743200" cy="365125"/>
+            <a:off x="8737600" y="6245225"/>
+            <a:ext cx="2844800" cy="476250"/>
           </a:xfrm>
           <a:prstGeom prst="rect">
             <a:avLst/>
           </a:prstGeom>
+          <a:noFill/>
+          <a:ln w="9525">
+            <a:noFill/>
+          </a:ln>
         </p:spPr>
         <p:txBody>
-          <a:bodyPr vert="horz" lIns="91440" tIns="45720" rIns="91440" bIns="45720" rtlCol="0" anchor="ctr">
-            <a:normAutofit/>
-          </a:bodyPr>
+          <a:bodyPr/>
           <a:lstStyle>
             <a:lvl1pPr algn="r">
-              <a:defRPr sz="1200">
-                <a:solidFill>
-                  <a:schemeClr val="tx1">
-                    <a:tint val="75000"/>
-                  </a:schemeClr>
-                </a:solidFill>
-              </a:defRPr>
+              <a:defRPr sz="1400"/>
             </a:lvl1pPr>
           </a:lstStyle>
           <a:p>
@@ -3415,20 +3885,25 @@
     <p:sldLayoutId id="2147483656" r:id="rId8"/>
     <p:sldLayoutId id="2147483657" r:id="rId9"/>
     <p:sldLayoutId id="2147483658" r:id="rId10"/>
+    <p:sldLayoutId id="2147483659" r:id="rId11"/>
   </p:sldLayoutIdLst>
+  <p:hf sldNum="0" hdr="0" ftr="0" dt="0"/>
   <p:txStyles>
     <p:titleStyle>
-      <a:lvl1pPr algn="l" defTabSz="914400" rtl="0" eaLnBrk="1" latinLnBrk="0" hangingPunct="1">
+      <a:lvl1pPr marL="0" lvl="0" indent="0" algn="ctr" defTabSz="914400" eaLnBrk="1" fontAlgn="base" latinLnBrk="0" hangingPunct="1">
         <a:lnSpc>
-          <a:spcPct val="90000"/>
+          <a:spcPct val="100000"/>
         </a:lnSpc>
         <a:spcBef>
           <a:spcPct val="0"/>
         </a:spcBef>
+        <a:spcAft>
+          <a:spcPct val="0"/>
+        </a:spcAft>
         <a:buNone/>
-        <a:defRPr sz="4000" kern="1200">
+        <a:defRPr sz="4400" b="0" i="0" u="none" kern="1200" baseline="0">
           <a:solidFill>
-            <a:schemeClr val="tx1"/>
+            <a:schemeClr val="tx2"/>
           </a:solidFill>
           <a:latin typeface="+mj-lt"/>
           <a:ea typeface="+mj-ea"/>
@@ -3437,16 +3912,18 @@
       </a:lvl1pPr>
     </p:titleStyle>
     <p:bodyStyle>
-      <a:lvl1pPr marL="228600" indent="-228600" algn="l" defTabSz="914400" rtl="0" eaLnBrk="1" latinLnBrk="0" hangingPunct="1">
+      <a:lvl1pPr marL="342900" lvl="0" indent="-342900" algn="l" defTabSz="914400" eaLnBrk="1" fontAlgn="base" latinLnBrk="0" hangingPunct="1">
         <a:lnSpc>
-          <a:spcPct val="90000"/>
+          <a:spcPct val="100000"/>
         </a:lnSpc>
         <a:spcBef>
-          <a:spcPts val="1000"/>
+          <a:spcPct val="20000"/>
         </a:spcBef>
-        <a:buFont typeface="Arial" panose="02080604020202020204" pitchFamily="34" charset="0"/>
+        <a:spcAft>
+          <a:spcPct val="0"/>
+        </a:spcAft>
         <a:buChar char="•"/>
-        <a:defRPr sz="2400" kern="1200">
+        <a:defRPr sz="3200" b="0" i="0" u="none" kern="1200" baseline="0">
           <a:solidFill>
             <a:schemeClr val="tx1"/>
           </a:solidFill>
@@ -3455,16 +3932,18 @@
           <a:cs typeface="+mn-cs"/>
         </a:defRPr>
       </a:lvl1pPr>
-      <a:lvl2pPr marL="685800" indent="-228600" algn="l" defTabSz="914400" rtl="0" eaLnBrk="1" latinLnBrk="0" hangingPunct="1">
+      <a:lvl2pPr marL="742950" lvl="1" indent="-285750" algn="l" defTabSz="914400" eaLnBrk="1" fontAlgn="base" latinLnBrk="0" hangingPunct="1">
         <a:lnSpc>
-          <a:spcPct val="90000"/>
+          <a:spcPct val="100000"/>
         </a:lnSpc>
         <a:spcBef>
-          <a:spcPts val="500"/>
+          <a:spcPct val="20000"/>
         </a:spcBef>
-        <a:buFont typeface="Arial" panose="02080604020202020204" pitchFamily="34" charset="0"/>
-        <a:buChar char="•"/>
-        <a:defRPr sz="2000" kern="1200">
+        <a:spcAft>
+          <a:spcPct val="0"/>
+        </a:spcAft>
+        <a:buChar char="–"/>
+        <a:defRPr sz="2800" b="0" i="0" u="none" kern="1200" baseline="0">
           <a:solidFill>
             <a:schemeClr val="tx1"/>
           </a:solidFill>
@@ -3473,16 +3952,18 @@
           <a:cs typeface="+mn-cs"/>
         </a:defRPr>
       </a:lvl2pPr>
-      <a:lvl3pPr marL="1143000" indent="-228600" algn="l" defTabSz="914400" rtl="0" eaLnBrk="1" latinLnBrk="0" hangingPunct="1">
+      <a:lvl3pPr marL="1143000" lvl="2" indent="-228600" algn="l" defTabSz="914400" eaLnBrk="1" fontAlgn="base" latinLnBrk="0" hangingPunct="1">
         <a:lnSpc>
-          <a:spcPct val="90000"/>
+          <a:spcPct val="100000"/>
         </a:lnSpc>
         <a:spcBef>
-          <a:spcPts val="500"/>
+          <a:spcPct val="20000"/>
         </a:spcBef>
-        <a:buFont typeface="Arial" panose="02080604020202020204" pitchFamily="34" charset="0"/>
+        <a:spcAft>
+          <a:spcPct val="0"/>
+        </a:spcAft>
         <a:buChar char="•"/>
-        <a:defRPr sz="1800" kern="1200">
+        <a:defRPr sz="2400" b="0" i="0" u="none" kern="1200" baseline="0">
           <a:solidFill>
             <a:schemeClr val="tx1"/>
           </a:solidFill>
@@ -3491,16 +3972,18 @@
           <a:cs typeface="+mn-cs"/>
         </a:defRPr>
       </a:lvl3pPr>
-      <a:lvl4pPr marL="1600200" indent="-228600" algn="l" defTabSz="914400" rtl="0" eaLnBrk="1" latinLnBrk="0" hangingPunct="1">
+      <a:lvl4pPr marL="1600200" lvl="3" indent="-228600" algn="l" defTabSz="914400" eaLnBrk="1" fontAlgn="base" latinLnBrk="0" hangingPunct="1">
         <a:lnSpc>
-          <a:spcPct val="90000"/>
+          <a:spcPct val="100000"/>
         </a:lnSpc>
         <a:spcBef>
-          <a:spcPts val="500"/>
+          <a:spcPct val="20000"/>
         </a:spcBef>
-        <a:buFont typeface="Arial" panose="02080604020202020204" pitchFamily="34" charset="0"/>
-        <a:buChar char="•"/>
-        <a:defRPr sz="1800" kern="1200">
+        <a:spcAft>
+          <a:spcPct val="0"/>
+        </a:spcAft>
+        <a:buChar char="–"/>
+        <a:defRPr sz="2000" b="0" i="0" u="none" kern="1200" baseline="0">
           <a:solidFill>
             <a:schemeClr val="tx1"/>
           </a:solidFill>
@@ -3509,16 +3992,18 @@
           <a:cs typeface="+mn-cs"/>
         </a:defRPr>
       </a:lvl4pPr>
-      <a:lvl5pPr marL="2057400" indent="-228600" algn="l" defTabSz="914400" rtl="0" eaLnBrk="1" latinLnBrk="0" hangingPunct="1">
+      <a:lvl5pPr marL="2057400" lvl="4" indent="-228600" algn="l" defTabSz="914400" eaLnBrk="1" fontAlgn="base" latinLnBrk="0" hangingPunct="1">
         <a:lnSpc>
-          <a:spcPct val="90000"/>
+          <a:spcPct val="100000"/>
         </a:lnSpc>
         <a:spcBef>
-          <a:spcPts val="500"/>
+          <a:spcPct val="20000"/>
         </a:spcBef>
-        <a:buFont typeface="Arial" panose="02080604020202020204" pitchFamily="34" charset="0"/>
-        <a:buChar char="•"/>
-        <a:defRPr sz="1800" kern="1200">
+        <a:spcAft>
+          <a:spcPct val="0"/>
+        </a:spcAft>
+        <a:buChar char="»"/>
+        <a:defRPr sz="2000" b="0" i="0" u="none" kern="1200" baseline="0">
           <a:solidFill>
             <a:schemeClr val="tx1"/>
           </a:solidFill>
@@ -3527,16 +4012,18 @@
           <a:cs typeface="+mn-cs"/>
         </a:defRPr>
       </a:lvl5pPr>
-      <a:lvl6pPr marL="2514600" indent="-228600" algn="l" defTabSz="914400" rtl="0" eaLnBrk="1" latinLnBrk="0" hangingPunct="1">
+      <a:lvl6pPr marL="2514600" lvl="5" indent="-228600" algn="l" defTabSz="914400" eaLnBrk="1" fontAlgn="base" latinLnBrk="0" hangingPunct="1">
         <a:lnSpc>
-          <a:spcPct val="90000"/>
+          <a:spcPct val="100000"/>
         </a:lnSpc>
         <a:spcBef>
-          <a:spcPts val="500"/>
+          <a:spcPct val="20000"/>
         </a:spcBef>
-        <a:buFont typeface="Arial" panose="02080604020202020204" pitchFamily="34" charset="0"/>
-        <a:buChar char="•"/>
-        <a:defRPr sz="1800" kern="1200">
+        <a:spcAft>
+          <a:spcPct val="0"/>
+        </a:spcAft>
+        <a:buChar char="»"/>
+        <a:defRPr sz="2000" b="0" i="0" u="none" kern="1200" baseline="0">
           <a:solidFill>
             <a:schemeClr val="tx1"/>
           </a:solidFill>
@@ -3545,16 +4032,18 @@
           <a:cs typeface="+mn-cs"/>
         </a:defRPr>
       </a:lvl6pPr>
-      <a:lvl7pPr marL="2971800" indent="-228600" algn="l" defTabSz="914400" rtl="0" eaLnBrk="1" latinLnBrk="0" hangingPunct="1">
+      <a:lvl7pPr marL="2971800" lvl="6" indent="-228600" algn="l" defTabSz="914400" eaLnBrk="1" fontAlgn="base" latinLnBrk="0" hangingPunct="1">
         <a:lnSpc>
-          <a:spcPct val="90000"/>
+          <a:spcPct val="100000"/>
         </a:lnSpc>
         <a:spcBef>
-          <a:spcPts val="500"/>
+          <a:spcPct val="20000"/>
         </a:spcBef>
-        <a:buFont typeface="Arial" panose="02080604020202020204" pitchFamily="34" charset="0"/>
-        <a:buChar char="•"/>
-        <a:defRPr sz="1800" kern="1200">
+        <a:spcAft>
+          <a:spcPct val="0"/>
+        </a:spcAft>
+        <a:buChar char="»"/>
+        <a:defRPr sz="2000" b="0" i="0" u="none" kern="1200" baseline="0">
           <a:solidFill>
             <a:schemeClr val="tx1"/>
           </a:solidFill>
@@ -3563,16 +4052,18 @@
           <a:cs typeface="+mn-cs"/>
         </a:defRPr>
       </a:lvl7pPr>
-      <a:lvl8pPr marL="3429000" indent="-228600" algn="l" defTabSz="914400" rtl="0" eaLnBrk="1" latinLnBrk="0" hangingPunct="1">
+      <a:lvl8pPr marL="3429000" lvl="7" indent="-228600" algn="l" defTabSz="914400" eaLnBrk="1" fontAlgn="base" latinLnBrk="0" hangingPunct="1">
         <a:lnSpc>
-          <a:spcPct val="90000"/>
+          <a:spcPct val="100000"/>
         </a:lnSpc>
         <a:spcBef>
-          <a:spcPts val="500"/>
+          <a:spcPct val="20000"/>
         </a:spcBef>
-        <a:buFont typeface="Arial" panose="02080604020202020204" pitchFamily="34" charset="0"/>
-        <a:buChar char="•"/>
-        <a:defRPr sz="1800" kern="1200">
+        <a:spcAft>
+          <a:spcPct val="0"/>
+        </a:spcAft>
+        <a:buChar char="»"/>
+        <a:defRPr sz="2000" b="0" i="0" u="none" kern="1200" baseline="0">
           <a:solidFill>
             <a:schemeClr val="tx1"/>
           </a:solidFill>
@@ -3581,16 +4072,18 @@
           <a:cs typeface="+mn-cs"/>
         </a:defRPr>
       </a:lvl8pPr>
-      <a:lvl9pPr marL="3886200" indent="-228600" algn="l" defTabSz="914400" rtl="0" eaLnBrk="1" latinLnBrk="0" hangingPunct="1">
+      <a:lvl9pPr marL="3886200" lvl="8" indent="-228600" algn="l" defTabSz="914400" eaLnBrk="1" fontAlgn="base" latinLnBrk="0" hangingPunct="1">
         <a:lnSpc>
-          <a:spcPct val="90000"/>
+          <a:spcPct val="100000"/>
         </a:lnSpc>
         <a:spcBef>
-          <a:spcPts val="500"/>
+          <a:spcPct val="20000"/>
         </a:spcBef>
-        <a:buFont typeface="Arial" panose="02080604020202020204" pitchFamily="34" charset="0"/>
-        <a:buChar char="•"/>
-        <a:defRPr sz="1800" kern="1200">
+        <a:spcAft>
+          <a:spcPct val="0"/>
+        </a:spcAft>
+        <a:buChar char="»"/>
+        <a:defRPr sz="2000" b="0" i="0" u="none" kern="1200" baseline="0">
           <a:solidFill>
             <a:schemeClr val="tx1"/>
           </a:solidFill>
@@ -3601,11 +4094,19 @@
       </a:lvl9pPr>
     </p:bodyStyle>
     <p:otherStyle>
-      <a:defPPr>
-        <a:defRPr lang="zh-CN"/>
-      </a:defPPr>
-      <a:lvl1pPr marL="0" algn="l" defTabSz="914400" rtl="0" eaLnBrk="1" latinLnBrk="0" hangingPunct="1">
-        <a:defRPr sz="1800" kern="1200">
+      <a:lvl1pPr marL="0" lvl="0" indent="0" algn="l" defTabSz="914400" eaLnBrk="1" fontAlgn="base" latinLnBrk="0" hangingPunct="1">
+        <a:lnSpc>
+          <a:spcPct val="100000"/>
+        </a:lnSpc>
+        <a:spcBef>
+          <a:spcPct val="0"/>
+        </a:spcBef>
+        <a:spcAft>
+          <a:spcPct val="0"/>
+        </a:spcAft>
+        <a:buFont typeface="Arial" panose="02080604020202020204" pitchFamily="34" charset="0"/>
+        <a:buNone/>
+        <a:defRPr sz="1800" b="0" i="0" u="none" kern="1200" baseline="0">
           <a:solidFill>
             <a:schemeClr val="tx1"/>
           </a:solidFill>
@@ -3614,82 +4115,170 @@
           <a:cs typeface="+mn-cs"/>
         </a:defRPr>
       </a:lvl1pPr>
-      <a:lvl2pPr marL="457200" algn="l" defTabSz="914400" rtl="0" eaLnBrk="1" latinLnBrk="0" hangingPunct="1">
-        <a:defRPr sz="1800" kern="1200">
+      <a:lvl2pPr marL="457200" lvl="1" indent="0" algn="l" defTabSz="914400" eaLnBrk="1" fontAlgn="base" latinLnBrk="0" hangingPunct="1">
+        <a:lnSpc>
+          <a:spcPct val="100000"/>
+        </a:lnSpc>
+        <a:spcBef>
+          <a:spcPct val="0"/>
+        </a:spcBef>
+        <a:spcAft>
+          <a:spcPct val="0"/>
+        </a:spcAft>
+        <a:buFont typeface="Arial" panose="02080604020202020204" pitchFamily="34" charset="0"/>
+        <a:buNone/>
+        <a:defRPr b="0" i="0" u="none" kern="1200" baseline="0">
           <a:solidFill>
             <a:schemeClr val="tx1"/>
           </a:solidFill>
-          <a:latin typeface="+mn-lt"/>
+          <a:latin typeface="Arial" panose="02080604020202020204" pitchFamily="34" charset="0"/>
           <a:ea typeface="+mn-ea"/>
           <a:cs typeface="+mn-cs"/>
         </a:defRPr>
       </a:lvl2pPr>
-      <a:lvl3pPr marL="914400" algn="l" defTabSz="914400" rtl="0" eaLnBrk="1" latinLnBrk="0" hangingPunct="1">
-        <a:defRPr sz="1800" kern="1200">
+      <a:lvl3pPr marL="914400" lvl="2" indent="0" algn="l" defTabSz="914400" eaLnBrk="1" fontAlgn="base" latinLnBrk="0" hangingPunct="1">
+        <a:lnSpc>
+          <a:spcPct val="100000"/>
+        </a:lnSpc>
+        <a:spcBef>
+          <a:spcPct val="0"/>
+        </a:spcBef>
+        <a:spcAft>
+          <a:spcPct val="0"/>
+        </a:spcAft>
+        <a:buFont typeface="Arial" panose="02080604020202020204" pitchFamily="34" charset="0"/>
+        <a:buNone/>
+        <a:defRPr b="0" i="0" u="none" kern="1200" baseline="0">
           <a:solidFill>
             <a:schemeClr val="tx1"/>
           </a:solidFill>
-          <a:latin typeface="+mn-lt"/>
+          <a:latin typeface="Arial" panose="02080604020202020204" pitchFamily="34" charset="0"/>
           <a:ea typeface="+mn-ea"/>
           <a:cs typeface="+mn-cs"/>
         </a:defRPr>
       </a:lvl3pPr>
-      <a:lvl4pPr marL="1371600" algn="l" defTabSz="914400" rtl="0" eaLnBrk="1" latinLnBrk="0" hangingPunct="1">
-        <a:defRPr sz="1800" kern="1200">
+      <a:lvl4pPr marL="1371600" lvl="3" indent="0" algn="l" defTabSz="914400" eaLnBrk="1" fontAlgn="base" latinLnBrk="0" hangingPunct="1">
+        <a:lnSpc>
+          <a:spcPct val="100000"/>
+        </a:lnSpc>
+        <a:spcBef>
+          <a:spcPct val="0"/>
+        </a:spcBef>
+        <a:spcAft>
+          <a:spcPct val="0"/>
+        </a:spcAft>
+        <a:buFont typeface="Arial" panose="02080604020202020204" pitchFamily="34" charset="0"/>
+        <a:buNone/>
+        <a:defRPr b="0" i="0" u="none" kern="1200" baseline="0">
           <a:solidFill>
             <a:schemeClr val="tx1"/>
           </a:solidFill>
-          <a:latin typeface="+mn-lt"/>
+          <a:latin typeface="Arial" panose="02080604020202020204" pitchFamily="34" charset="0"/>
           <a:ea typeface="+mn-ea"/>
           <a:cs typeface="+mn-cs"/>
         </a:defRPr>
       </a:lvl4pPr>
-      <a:lvl5pPr marL="1828800" algn="l" defTabSz="914400" rtl="0" eaLnBrk="1" latinLnBrk="0" hangingPunct="1">
-        <a:defRPr sz="1800" kern="1200">
+      <a:lvl5pPr marL="1828800" lvl="4" indent="0" algn="l" defTabSz="914400" eaLnBrk="1" fontAlgn="base" latinLnBrk="0" hangingPunct="1">
+        <a:lnSpc>
+          <a:spcPct val="100000"/>
+        </a:lnSpc>
+        <a:spcBef>
+          <a:spcPct val="0"/>
+        </a:spcBef>
+        <a:spcAft>
+          <a:spcPct val="0"/>
+        </a:spcAft>
+        <a:buFont typeface="Arial" panose="02080604020202020204" pitchFamily="34" charset="0"/>
+        <a:buNone/>
+        <a:defRPr b="0" i="0" u="none" kern="1200" baseline="0">
           <a:solidFill>
             <a:schemeClr val="tx1"/>
           </a:solidFill>
-          <a:latin typeface="+mn-lt"/>
+          <a:latin typeface="Arial" panose="02080604020202020204" pitchFamily="34" charset="0"/>
           <a:ea typeface="+mn-ea"/>
           <a:cs typeface="+mn-cs"/>
         </a:defRPr>
       </a:lvl5pPr>
-      <a:lvl6pPr marL="2286000" algn="l" defTabSz="914400" rtl="0" eaLnBrk="1" latinLnBrk="0" hangingPunct="1">
-        <a:defRPr sz="1800" kern="1200">
+      <a:lvl6pPr marL="2286000" lvl="5" indent="0" algn="l" defTabSz="914400" eaLnBrk="1" fontAlgn="base" latinLnBrk="0" hangingPunct="1">
+        <a:lnSpc>
+          <a:spcPct val="100000"/>
+        </a:lnSpc>
+        <a:spcBef>
+          <a:spcPct val="0"/>
+        </a:spcBef>
+        <a:spcAft>
+          <a:spcPct val="0"/>
+        </a:spcAft>
+        <a:buFont typeface="Arial" panose="02080604020202020204" pitchFamily="34" charset="0"/>
+        <a:buNone/>
+        <a:defRPr b="0" i="0" u="none" kern="1200" baseline="0">
           <a:solidFill>
             <a:schemeClr val="tx1"/>
           </a:solidFill>
-          <a:latin typeface="+mn-lt"/>
+          <a:latin typeface="Arial" panose="02080604020202020204" pitchFamily="34" charset="0"/>
           <a:ea typeface="+mn-ea"/>
           <a:cs typeface="+mn-cs"/>
         </a:defRPr>
       </a:lvl6pPr>
-      <a:lvl7pPr marL="2743200" algn="l" defTabSz="914400" rtl="0" eaLnBrk="1" latinLnBrk="0" hangingPunct="1">
-        <a:defRPr sz="1800" kern="1200">
+      <a:lvl7pPr marL="2743200" lvl="6" indent="0" algn="l" defTabSz="914400" eaLnBrk="1" fontAlgn="base" latinLnBrk="0" hangingPunct="1">
+        <a:lnSpc>
+          <a:spcPct val="100000"/>
+        </a:lnSpc>
+        <a:spcBef>
+          <a:spcPct val="0"/>
+        </a:spcBef>
+        <a:spcAft>
+          <a:spcPct val="0"/>
+        </a:spcAft>
+        <a:buFont typeface="Arial" panose="02080604020202020204" pitchFamily="34" charset="0"/>
+        <a:buNone/>
+        <a:defRPr b="0" i="0" u="none" kern="1200" baseline="0">
           <a:solidFill>
             <a:schemeClr val="tx1"/>
           </a:solidFill>
-          <a:latin typeface="+mn-lt"/>
+          <a:latin typeface="Arial" panose="02080604020202020204" pitchFamily="34" charset="0"/>
           <a:ea typeface="+mn-ea"/>
           <a:cs typeface="+mn-cs"/>
         </a:defRPr>
       </a:lvl7pPr>
-      <a:lvl8pPr marL="3200400" algn="l" defTabSz="914400" rtl="0" eaLnBrk="1" latinLnBrk="0" hangingPunct="1">
-        <a:defRPr sz="1800" kern="1200">
+      <a:lvl8pPr marL="3200400" lvl="7" indent="0" algn="l" defTabSz="914400" eaLnBrk="1" fontAlgn="base" latinLnBrk="0" hangingPunct="1">
+        <a:lnSpc>
+          <a:spcPct val="100000"/>
+        </a:lnSpc>
+        <a:spcBef>
+          <a:spcPct val="0"/>
+        </a:spcBef>
+        <a:spcAft>
+          <a:spcPct val="0"/>
+        </a:spcAft>
+        <a:buFont typeface="Arial" panose="02080604020202020204" pitchFamily="34" charset="0"/>
+        <a:buNone/>
+        <a:defRPr b="0" i="0" u="none" kern="1200" baseline="0">
           <a:solidFill>
             <a:schemeClr val="tx1"/>
           </a:solidFill>
-          <a:latin typeface="+mn-lt"/>
+          <a:latin typeface="Arial" panose="02080604020202020204" pitchFamily="34" charset="0"/>
           <a:ea typeface="+mn-ea"/>
           <a:cs typeface="+mn-cs"/>
         </a:defRPr>
       </a:lvl8pPr>
-      <a:lvl9pPr marL="3657600" algn="l" defTabSz="914400" rtl="0" eaLnBrk="1" latinLnBrk="0" hangingPunct="1">
-        <a:defRPr sz="1800" kern="1200">
+      <a:lvl9pPr marL="3657600" lvl="8" indent="0" algn="l" defTabSz="914400" eaLnBrk="1" fontAlgn="base" latinLnBrk="0" hangingPunct="1">
+        <a:lnSpc>
+          <a:spcPct val="100000"/>
+        </a:lnSpc>
+        <a:spcBef>
+          <a:spcPct val="0"/>
+        </a:spcBef>
+        <a:spcAft>
+          <a:spcPct val="0"/>
+        </a:spcAft>
+        <a:buFont typeface="Arial" panose="02080604020202020204" pitchFamily="34" charset="0"/>
+        <a:buNone/>
+        <a:defRPr b="0" i="0" u="none" kern="1200" baseline="0">
           <a:solidFill>
             <a:schemeClr val="tx1"/>
           </a:solidFill>
-          <a:latin typeface="+mn-lt"/>
+          <a:latin typeface="Arial" panose="02080604020202020204" pitchFamily="34" charset="0"/>
           <a:ea typeface="+mn-ea"/>
           <a:cs typeface="+mn-cs"/>
         </a:defRPr>
@@ -3700,8 +4289,19 @@
 </file>
 
 <file path=ppt/slides/slide1.xml><?xml version="1.0" encoding="utf-8"?>
-<p:sld xmlns:a="http://schemas.openxmlformats.org/drawingml/2006/main" xmlns:r="http://schemas.openxmlformats.org/officeDocument/2006/relationships" xmlns:p="http://schemas.openxmlformats.org/presentationml/2006/main">
+<p:sld xmlns:a="http://schemas.openxmlformats.org/drawingml/2006/main" xmlns:r="http://schemas.openxmlformats.org/officeDocument/2006/relationships" xmlns:p="http://schemas.openxmlformats.org/presentationml/2006/main" showMasterSp="0">
   <p:cSld>
+    <p:bg>
+      <p:bgPr>
+        <a:blipFill rotWithShape="true">
+          <a:blip r:embed="rId1"/>
+          <a:stretch>
+            <a:fillRect/>
+          </a:stretch>
+        </a:blipFill>
+        <a:effectLst/>
+      </p:bgPr>
+    </p:bg>
     <p:spTree>
       <p:nvGrpSpPr>
         <p:cNvPr id="1" name=""/>
@@ -3745,11 +4345,20 @@
             <p:ph type="subTitle" idx="1"/>
           </p:nvPr>
         </p:nvSpPr>
-        <p:spPr/>
-        <p:txBody>
-          <a:bodyPr/>
-          <a:p>
-            <a:endParaRPr lang="en-US"/>
+        <p:spPr>
+          <a:xfrm>
+            <a:off x="1486536" y="4759325"/>
+            <a:ext cx="9218083" cy="1752600"/>
+          </a:xfrm>
+        </p:spPr>
+        <p:txBody>
+          <a:bodyPr/>
+          <a:p>
+            <a:endParaRPr lang="en-US">
+              <a:solidFill>
+                <a:schemeClr val="tx1"/>
+              </a:solidFill>
+            </a:endParaRPr>
           </a:p>
         </p:txBody>
       </p:sp>
@@ -3762,14 +4371,14 @@
           <p:nvPr/>
         </p:nvPicPr>
         <p:blipFill>
-          <a:blip r:embed="rId1"/>
+          <a:blip r:embed="rId2"/>
           <a:stretch>
             <a:fillRect/>
           </a:stretch>
         </p:blipFill>
         <p:spPr>
           <a:xfrm>
-            <a:off x="2305050" y="223520"/>
+            <a:off x="2305050" y="662940"/>
             <a:ext cx="7581900" cy="3286125"/>
           </a:xfrm>
           <a:prstGeom prst="rect">
@@ -3785,9 +4394,20 @@
 </p:sld>
 </file>
 
-<file path=ppt/slides/slide2.xml><?xml version="1.0" encoding="utf-8"?>
+<file path=ppt/slides/slide10.xml><?xml version="1.0" encoding="utf-8"?>
 <p:sld xmlns:a="http://schemas.openxmlformats.org/drawingml/2006/main" xmlns:r="http://schemas.openxmlformats.org/officeDocument/2006/relationships" xmlns:p="http://schemas.openxmlformats.org/presentationml/2006/main">
   <p:cSld>
+    <p:bg>
+      <p:bgPr>
+        <a:blipFill rotWithShape="true">
+          <a:blip r:embed="rId1"/>
+          <a:stretch>
+            <a:fillRect/>
+          </a:stretch>
+        </a:blipFill>
+        <a:effectLst/>
+      </p:bgPr>
+    </p:bg>
     <p:spTree>
       <p:nvGrpSpPr>
         <p:cNvPr id="1" name=""/>
@@ -3805,18 +4425,46 @@
             <p:ph type="title"/>
           </p:nvPr>
         </p:nvSpPr>
-        <p:spPr/>
-        <p:txBody>
-          <a:bodyPr/>
-          <a:p>
-            <a:pPr marL="0" indent="0"/>
+        <p:spPr>
+          <a:xfrm>
+            <a:off x="840105" y="457200"/>
+            <a:ext cx="5294630" cy="897255"/>
+          </a:xfrm>
+        </p:spPr>
+        <p:txBody>
+          <a:bodyPr/>
+          <a:p>
+            <a:pPr marL="0" indent="0" algn="l"/>
             <a:r>
               <a:rPr lang="de-DE" altLang="en-US">
+                <a:solidFill>
+                  <a:schemeClr val="tx1"/>
+                </a:solidFill>
                 <a:latin typeface="Calibri" charset="0"/>
               </a:rPr>
-              <a:t>General</a:t>
+              <a:t>PCIe Protocol</a:t>
+            </a:r>
+            <a:br>
+              <a:rPr lang="de-DE" altLang="en-US">
+                <a:solidFill>
+                  <a:schemeClr val="tx1"/>
+                </a:solidFill>
+                <a:latin typeface="Calibri" charset="0"/>
+              </a:rPr>
+            </a:br>
+            <a:r>
+              <a:rPr lang="de-DE" altLang="en-US">
+                <a:solidFill>
+                  <a:schemeClr val="tx1"/>
+                </a:solidFill>
+                <a:latin typeface="Calibri" charset="0"/>
+              </a:rPr>
+              <a:t>1. Physical Layer</a:t>
             </a:r>
             <a:endParaRPr lang="de-DE" altLang="en-US">
+              <a:solidFill>
+                <a:schemeClr val="tx1"/>
+              </a:solidFill>
               <a:latin typeface="Calibri" charset="0"/>
             </a:endParaRPr>
           </a:p>
@@ -3834,25 +4482,19 @@
         </p:nvSpPr>
         <p:spPr>
           <a:xfrm>
-            <a:off x="651510" y="1341755"/>
-            <a:ext cx="6045835" cy="4527550"/>
+            <a:off x="839788" y="2057400"/>
+            <a:ext cx="3932237" cy="3811588"/>
           </a:xfrm>
         </p:spPr>
         <p:txBody>
           <a:bodyPr>
-            <a:normAutofit/>
+            <a:normAutofit lnSpcReduction="20000"/>
           </a:bodyPr>
           <a:p>
             <a:pPr marL="285750" indent="-285750">
               <a:buFont typeface="Arial" panose="02080604020202020204" pitchFamily="34" charset="0"/>
               <a:buChar char="•"/>
             </a:pPr>
-            <a:r>
-              <a:rPr lang="de-DE" altLang="en-US">
-                <a:latin typeface="Calibri" charset="0"/>
-              </a:rPr>
-              <a:t>„Peripheral Component Interconnect Express“ </a:t>
-            </a:r>
             <a:endParaRPr lang="de-DE" altLang="en-US">
               <a:latin typeface="Calibri" charset="0"/>
             </a:endParaRPr>
@@ -3862,6 +4504,525 @@
               <a:buFont typeface="Arial" panose="02080604020202020204" pitchFamily="34" charset="0"/>
               <a:buChar char="•"/>
             </a:pPr>
+            <a:endParaRPr lang="de-DE" altLang="en-US">
+              <a:latin typeface="Calibri" charset="0"/>
+            </a:endParaRPr>
+          </a:p>
+        </p:txBody>
+      </p:sp>
+      <p:pic>
+        <p:nvPicPr>
+          <p:cNvPr id="5" name="Picture Placeholder 4" descr="/home/dinera/Dokumente/Studium/Digitale Signalverarbeitung/layer_physical.pnglayer_physical"/>
+          <p:cNvPicPr>
+            <a:picLocks noChangeAspect="true"/>
+          </p:cNvPicPr>
+          <p:nvPr>
+            <p:ph type="pic" idx="1"/>
+          </p:nvPr>
+        </p:nvPicPr>
+        <p:blipFill>
+          <a:blip r:embed="rId2"/>
+          <a:srcRect/>
+          <a:stretch>
+            <a:fillRect/>
+          </a:stretch>
+        </p:blipFill>
+        <p:spPr>
+          <a:xfrm>
+            <a:off x="6697663" y="1274763"/>
+            <a:ext cx="5285105" cy="2300605"/>
+          </a:xfrm>
+          <a:prstGeom prst="rect">
+            <a:avLst/>
+          </a:prstGeom>
+        </p:spPr>
+      </p:pic>
+    </p:spTree>
+  </p:cSld>
+  <p:clrMapOvr>
+    <a:masterClrMapping/>
+  </p:clrMapOvr>
+</p:sld>
+</file>
+
+<file path=ppt/slides/slide11.xml><?xml version="1.0" encoding="utf-8"?>
+<p:sld xmlns:a="http://schemas.openxmlformats.org/drawingml/2006/main" xmlns:r="http://schemas.openxmlformats.org/officeDocument/2006/relationships" xmlns:p="http://schemas.openxmlformats.org/presentationml/2006/main">
+  <p:cSld>
+    <p:bg>
+      <p:bgPr>
+        <a:blipFill rotWithShape="true">
+          <a:blip r:embed="rId1"/>
+          <a:stretch>
+            <a:fillRect/>
+          </a:stretch>
+        </a:blipFill>
+        <a:effectLst/>
+      </p:bgPr>
+    </p:bg>
+    <p:spTree>
+      <p:nvGrpSpPr>
+        <p:cNvPr id="1" name=""/>
+        <p:cNvGrpSpPr/>
+        <p:nvPr/>
+      </p:nvGrpSpPr>
+      <p:grpSpPr/>
+      <p:sp>
+        <p:nvSpPr>
+          <p:cNvPr id="2" name="Title 1"/>
+          <p:cNvSpPr>
+            <a:spLocks noGrp="true"/>
+          </p:cNvSpPr>
+          <p:nvPr>
+            <p:ph type="title"/>
+          </p:nvPr>
+        </p:nvSpPr>
+        <p:spPr>
+          <a:xfrm>
+            <a:off x="840105" y="457200"/>
+            <a:ext cx="5294630" cy="897255"/>
+          </a:xfrm>
+        </p:spPr>
+        <p:txBody>
+          <a:bodyPr/>
+          <a:p>
+            <a:pPr marL="0" indent="0" algn="l"/>
+            <a:r>
+              <a:rPr lang="de-DE" altLang="en-US">
+                <a:solidFill>
+                  <a:schemeClr val="tx1"/>
+                </a:solidFill>
+                <a:latin typeface="Calibri" charset="0"/>
+              </a:rPr>
+              <a:t>PCIe Protocol</a:t>
+            </a:r>
+            <a:br>
+              <a:rPr lang="de-DE" altLang="en-US">
+                <a:solidFill>
+                  <a:schemeClr val="tx1"/>
+                </a:solidFill>
+                <a:latin typeface="Calibri" charset="0"/>
+              </a:rPr>
+            </a:br>
+            <a:r>
+              <a:rPr lang="de-DE" altLang="en-US">
+                <a:solidFill>
+                  <a:schemeClr val="tx1"/>
+                </a:solidFill>
+                <a:latin typeface="Calibri" charset="0"/>
+              </a:rPr>
+              <a:t>2. Data Link Layer</a:t>
+            </a:r>
+            <a:endParaRPr lang="de-DE" altLang="en-US">
+              <a:solidFill>
+                <a:schemeClr val="tx1"/>
+              </a:solidFill>
+              <a:latin typeface="Calibri" charset="0"/>
+            </a:endParaRPr>
+          </a:p>
+        </p:txBody>
+      </p:sp>
+      <p:sp>
+        <p:nvSpPr>
+          <p:cNvPr id="8" name="Text Placeholder 7"/>
+          <p:cNvSpPr>
+            <a:spLocks noGrp="true"/>
+          </p:cNvSpPr>
+          <p:nvPr>
+            <p:ph type="body" sz="half" idx="2"/>
+          </p:nvPr>
+        </p:nvSpPr>
+        <p:spPr>
+          <a:xfrm>
+            <a:off x="839788" y="2057400"/>
+            <a:ext cx="3932237" cy="3811588"/>
+          </a:xfrm>
+        </p:spPr>
+        <p:txBody>
+          <a:bodyPr>
+            <a:normAutofit lnSpcReduction="20000"/>
+          </a:bodyPr>
+          <a:p>
+            <a:pPr marL="285750" indent="-285750">
+              <a:buFont typeface="Arial" panose="02080604020202020204" pitchFamily="34" charset="0"/>
+              <a:buChar char="•"/>
+            </a:pPr>
+            <a:endParaRPr lang="de-DE" altLang="en-US">
+              <a:latin typeface="Calibri" charset="0"/>
+            </a:endParaRPr>
+          </a:p>
+          <a:p>
+            <a:pPr marL="285750" indent="-285750">
+              <a:buFont typeface="Arial" panose="02080604020202020204" pitchFamily="34" charset="0"/>
+              <a:buChar char="•"/>
+            </a:pPr>
+            <a:endParaRPr lang="de-DE" altLang="en-US">
+              <a:latin typeface="Calibri" charset="0"/>
+            </a:endParaRPr>
+          </a:p>
+        </p:txBody>
+      </p:sp>
+      <p:pic>
+        <p:nvPicPr>
+          <p:cNvPr id="5" name="Picture Placeholder 4" descr="/home/dinera/Dokumente/Studium/Digitale Signalverarbeitung/layer_datalink.pnglayer_datalink"/>
+          <p:cNvPicPr>
+            <a:picLocks noChangeAspect="true"/>
+          </p:cNvPicPr>
+          <p:nvPr>
+            <p:ph type="pic" idx="1"/>
+          </p:nvPr>
+        </p:nvPicPr>
+        <p:blipFill>
+          <a:blip r:embed="rId2"/>
+          <a:srcRect/>
+          <a:stretch>
+            <a:fillRect/>
+          </a:stretch>
+        </p:blipFill>
+        <p:spPr>
+          <a:xfrm>
+            <a:off x="6697981" y="1261428"/>
+            <a:ext cx="5284470" cy="2300605"/>
+          </a:xfrm>
+          <a:prstGeom prst="rect">
+            <a:avLst/>
+          </a:prstGeom>
+        </p:spPr>
+      </p:pic>
+    </p:spTree>
+  </p:cSld>
+  <p:clrMapOvr>
+    <a:masterClrMapping/>
+  </p:clrMapOvr>
+</p:sld>
+</file>
+
+<file path=ppt/slides/slide12.xml><?xml version="1.0" encoding="utf-8"?>
+<p:sld xmlns:a="http://schemas.openxmlformats.org/drawingml/2006/main" xmlns:r="http://schemas.openxmlformats.org/officeDocument/2006/relationships" xmlns:p="http://schemas.openxmlformats.org/presentationml/2006/main">
+  <p:cSld>
+    <p:bg>
+      <p:bgPr>
+        <a:blipFill rotWithShape="true">
+          <a:blip r:embed="rId1"/>
+          <a:stretch>
+            <a:fillRect/>
+          </a:stretch>
+        </a:blipFill>
+        <a:effectLst/>
+      </p:bgPr>
+    </p:bg>
+    <p:spTree>
+      <p:nvGrpSpPr>
+        <p:cNvPr id="1" name=""/>
+        <p:cNvGrpSpPr/>
+        <p:nvPr/>
+      </p:nvGrpSpPr>
+      <p:grpSpPr/>
+      <p:sp>
+        <p:nvSpPr>
+          <p:cNvPr id="2" name="Title 1"/>
+          <p:cNvSpPr>
+            <a:spLocks noGrp="true"/>
+          </p:cNvSpPr>
+          <p:nvPr>
+            <p:ph type="title"/>
+          </p:nvPr>
+        </p:nvSpPr>
+        <p:spPr>
+          <a:xfrm>
+            <a:off x="840105" y="457200"/>
+            <a:ext cx="5294630" cy="897255"/>
+          </a:xfrm>
+        </p:spPr>
+        <p:txBody>
+          <a:bodyPr/>
+          <a:p>
+            <a:pPr marL="0" indent="0" algn="l"/>
+            <a:r>
+              <a:rPr lang="de-DE" altLang="en-US">
+                <a:solidFill>
+                  <a:schemeClr val="tx1"/>
+                </a:solidFill>
+                <a:latin typeface="Calibri" charset="0"/>
+              </a:rPr>
+              <a:t>PCIe Protocol</a:t>
+            </a:r>
+            <a:br>
+              <a:rPr lang="de-DE" altLang="en-US">
+                <a:solidFill>
+                  <a:schemeClr val="tx1"/>
+                </a:solidFill>
+                <a:latin typeface="Calibri" charset="0"/>
+              </a:rPr>
+            </a:br>
+            <a:r>
+              <a:rPr lang="de-DE" altLang="en-US">
+                <a:solidFill>
+                  <a:schemeClr val="tx1"/>
+                </a:solidFill>
+                <a:latin typeface="Calibri" charset="0"/>
+              </a:rPr>
+              <a:t>3. Transaction Layer</a:t>
+            </a:r>
+            <a:endParaRPr lang="de-DE" altLang="en-US">
+              <a:solidFill>
+                <a:schemeClr val="tx1"/>
+              </a:solidFill>
+              <a:latin typeface="Calibri" charset="0"/>
+            </a:endParaRPr>
+          </a:p>
+        </p:txBody>
+      </p:sp>
+      <p:sp>
+        <p:nvSpPr>
+          <p:cNvPr id="8" name="Text Placeholder 7"/>
+          <p:cNvSpPr>
+            <a:spLocks noGrp="true"/>
+          </p:cNvSpPr>
+          <p:nvPr>
+            <p:ph type="body" sz="half" idx="2"/>
+          </p:nvPr>
+        </p:nvSpPr>
+        <p:spPr>
+          <a:xfrm>
+            <a:off x="839788" y="2057400"/>
+            <a:ext cx="3932237" cy="3811588"/>
+          </a:xfrm>
+        </p:spPr>
+        <p:txBody>
+          <a:bodyPr>
+            <a:normAutofit lnSpcReduction="20000"/>
+          </a:bodyPr>
+          <a:p>
+            <a:pPr marL="285750" indent="-285750">
+              <a:buFont typeface="Arial" panose="02080604020202020204" pitchFamily="34" charset="0"/>
+              <a:buChar char="•"/>
+            </a:pPr>
+            <a:endParaRPr lang="de-DE" altLang="en-US">
+              <a:latin typeface="Calibri" charset="0"/>
+            </a:endParaRPr>
+          </a:p>
+          <a:p>
+            <a:pPr marL="285750" indent="-285750">
+              <a:buFont typeface="Arial" panose="02080604020202020204" pitchFamily="34" charset="0"/>
+              <a:buChar char="•"/>
+            </a:pPr>
+            <a:endParaRPr lang="de-DE" altLang="en-US">
+              <a:latin typeface="Calibri" charset="0"/>
+            </a:endParaRPr>
+          </a:p>
+        </p:txBody>
+      </p:sp>
+      <p:pic>
+        <p:nvPicPr>
+          <p:cNvPr id="5" name="Picture Placeholder 4" descr="/home/dinera/Dokumente/Studium/Digitale Signalverarbeitung/layer_tranaction.pnglayer_tranaction"/>
+          <p:cNvPicPr>
+            <a:picLocks noChangeAspect="true"/>
+          </p:cNvPicPr>
+          <p:nvPr>
+            <p:ph type="pic" idx="1"/>
+          </p:nvPr>
+        </p:nvPicPr>
+        <p:blipFill>
+          <a:blip r:embed="rId2"/>
+          <a:srcRect/>
+          <a:stretch>
+            <a:fillRect/>
+          </a:stretch>
+        </p:blipFill>
+        <p:spPr>
+          <a:xfrm>
+            <a:off x="6894195" y="864235"/>
+            <a:ext cx="5127625" cy="2232025"/>
+          </a:xfrm>
+          <a:prstGeom prst="rect">
+            <a:avLst/>
+          </a:prstGeom>
+        </p:spPr>
+      </p:pic>
+    </p:spTree>
+  </p:cSld>
+  <p:clrMapOvr>
+    <a:masterClrMapping/>
+  </p:clrMapOvr>
+</p:sld>
+</file>
+
+<file path=ppt/slides/slide13.xml><?xml version="1.0" encoding="utf-8"?>
+<p:sld xmlns:a="http://schemas.openxmlformats.org/drawingml/2006/main" xmlns:r="http://schemas.openxmlformats.org/officeDocument/2006/relationships" xmlns:p="http://schemas.openxmlformats.org/presentationml/2006/main" showMasterSp="0">
+  <p:cSld>
+    <p:bg>
+      <p:bgPr>
+        <a:blipFill rotWithShape="true">
+          <a:blip r:embed="rId1"/>
+          <a:stretch>
+            <a:fillRect/>
+          </a:stretch>
+        </a:blipFill>
+        <a:effectLst/>
+      </p:bgPr>
+    </p:bg>
+    <p:spTree>
+      <p:nvGrpSpPr>
+        <p:cNvPr id="1" name=""/>
+        <p:cNvGrpSpPr/>
+        <p:nvPr/>
+      </p:nvGrpSpPr>
+      <p:grpSpPr/>
+      <p:sp>
+        <p:nvSpPr>
+          <p:cNvPr id="2" name="Title 1"/>
+          <p:cNvSpPr>
+            <a:spLocks noGrp="true"/>
+          </p:cNvSpPr>
+          <p:nvPr>
+            <p:ph type="title"/>
+          </p:nvPr>
+        </p:nvSpPr>
+        <p:spPr/>
+        <p:txBody>
+          <a:bodyPr/>
+          <a:p>
+            <a:pPr marL="0" indent="0" algn="l"/>
+            <a:r>
+              <a:rPr lang="de-DE" altLang="en-US">
+                <a:solidFill>
+                  <a:schemeClr val="tx1"/>
+                </a:solidFill>
+                <a:latin typeface="Calibri" charset="0"/>
+              </a:rPr>
+              <a:t>Quellen</a:t>
+            </a:r>
+            <a:endParaRPr lang="de-DE" altLang="en-US">
+              <a:solidFill>
+                <a:schemeClr val="tx1"/>
+              </a:solidFill>
+              <a:latin typeface="Calibri" charset="0"/>
+            </a:endParaRPr>
+          </a:p>
+        </p:txBody>
+      </p:sp>
+      <p:sp>
+        <p:nvSpPr>
+          <p:cNvPr id="3" name="Content Placeholder 2"/>
+          <p:cNvSpPr>
+            <a:spLocks noGrp="true"/>
+          </p:cNvSpPr>
+          <p:nvPr>
+            <p:ph idx="1"/>
+          </p:nvPr>
+        </p:nvSpPr>
+        <p:spPr/>
+        <p:txBody>
+          <a:bodyPr/>
+          <a:p>
+            <a:r>
+              <a:rPr lang="en-US"/>
+              <a:t>PCIe BUS: A State-of-the-Art-Review (2017) | IOSR Journals | http://www.iosrjournals.org/ | DOI: 10.9790/4200-0704012428</a:t>
+            </a:r>
+            <a:endParaRPr lang="en-US"/>
+          </a:p>
+          <a:p>
+            <a:r>
+              <a:rPr lang="en-US"/>
+              <a:t>PCI Express Base Specification Rev. 2.0 (2006) | PCI-SIG | https://pcisig.com </a:t>
+            </a:r>
+            <a:endParaRPr lang="en-US"/>
+          </a:p>
+        </p:txBody>
+      </p:sp>
+    </p:spTree>
+  </p:cSld>
+  <p:clrMapOvr>
+    <a:masterClrMapping/>
+  </p:clrMapOvr>
+</p:sld>
+</file>
+
+<file path=ppt/slides/slide2.xml><?xml version="1.0" encoding="utf-8"?>
+<p:sld xmlns:a="http://schemas.openxmlformats.org/drawingml/2006/main" xmlns:r="http://schemas.openxmlformats.org/officeDocument/2006/relationships" xmlns:p="http://schemas.openxmlformats.org/presentationml/2006/main" showMasterSp="0">
+  <p:cSld>
+    <p:bg>
+      <p:bgPr>
+        <a:blipFill rotWithShape="true">
+          <a:blip r:embed="rId1"/>
+          <a:stretch>
+            <a:fillRect/>
+          </a:stretch>
+        </a:blipFill>
+        <a:effectLst/>
+      </p:bgPr>
+    </p:bg>
+    <p:spTree>
+      <p:nvGrpSpPr>
+        <p:cNvPr id="1" name=""/>
+        <p:cNvGrpSpPr/>
+        <p:nvPr/>
+      </p:nvGrpSpPr>
+      <p:grpSpPr/>
+      <p:sp>
+        <p:nvSpPr>
+          <p:cNvPr id="2" name="Title 1"/>
+          <p:cNvSpPr>
+            <a:spLocks noGrp="true"/>
+          </p:cNvSpPr>
+          <p:nvPr>
+            <p:ph type="title"/>
+          </p:nvPr>
+        </p:nvSpPr>
+        <p:spPr/>
+        <p:txBody>
+          <a:bodyPr/>
+          <a:p>
+            <a:pPr marL="0" indent="0" algn="l"/>
+            <a:r>
+              <a:rPr lang="de-DE" altLang="en-US">
+                <a:solidFill>
+                  <a:schemeClr val="tx2"/>
+                </a:solidFill>
+              </a:rPr>
+              <a:t>General</a:t>
+            </a:r>
+            <a:endParaRPr lang="de-DE" altLang="en-US">
+              <a:latin typeface="Calibri" charset="0"/>
+            </a:endParaRPr>
+          </a:p>
+        </p:txBody>
+      </p:sp>
+      <p:sp>
+        <p:nvSpPr>
+          <p:cNvPr id="8" name="Content Placeholder 7"/>
+          <p:cNvSpPr>
+            <a:spLocks noGrp="true"/>
+          </p:cNvSpPr>
+          <p:nvPr>
+            <p:ph sz="half" idx="1"/>
+          </p:nvPr>
+        </p:nvSpPr>
+        <p:spPr/>
+        <p:txBody>
+          <a:bodyPr>
+            <a:normAutofit fontScale="60000"/>
+          </a:bodyPr>
+          <a:p>
+            <a:pPr marL="285750" indent="-285750">
+              <a:buFont typeface="Arial" panose="02080604020202020204" pitchFamily="34" charset="0"/>
+              <a:buChar char="•"/>
+            </a:pPr>
+            <a:r>
+              <a:rPr lang="de-DE" altLang="en-US">
+                <a:latin typeface="Calibri" charset="0"/>
+              </a:rPr>
+              <a:t>„Peripheral Component Interconnect Express“, kurz „PCIe“</a:t>
+            </a:r>
+            <a:endParaRPr lang="de-DE" altLang="en-US">
+              <a:latin typeface="Calibri" charset="0"/>
+            </a:endParaRPr>
+          </a:p>
+          <a:p>
+            <a:pPr marL="285750" indent="-285750">
+              <a:buFont typeface="Arial" panose="02080604020202020204" pitchFamily="34" charset="0"/>
+              <a:buChar char="•"/>
+            </a:pPr>
             <a:r>
               <a:rPr lang="de-DE" altLang="en-US">
                 <a:latin typeface="Calibri" charset="0"/>
@@ -4011,24 +5172,25 @@
       </p:sp>
       <p:pic>
         <p:nvPicPr>
-          <p:cNvPr id="10" name="Picture Placeholder 9" descr="https://www.techpowerup.com/gpu-specs/radeon-rx-6900-xt.c3481" title="&#10;AMD Radeon RX 6900 XT&#10;"/>
+          <p:cNvPr id="10" name="Content Placeholder 9" descr="https://www.techpowerup.com/gpu-specs/radeon-rx-6900-xt.c3481" title="&#10;AMD Radeon RX 6900 XT&#10;"/>
           <p:cNvPicPr>
             <a:picLocks noChangeAspect="true"/>
           </p:cNvPicPr>
           <p:nvPr>
-            <p:ph type="pic" idx="1"/>
+            <p:ph sz="half" idx="2"/>
           </p:nvPr>
         </p:nvPicPr>
         <p:blipFill>
-          <a:blip r:embed="rId1"/>
+          <a:blip r:embed="rId2"/>
+          <a:srcRect l="17496" t="632" r="42627" b="10030"/>
           <a:stretch>
             <a:fillRect/>
           </a:stretch>
         </p:blipFill>
         <p:spPr>
           <a:xfrm rot="5400000">
-            <a:off x="6220460" y="1560830"/>
-            <a:ext cx="5596890" cy="2729230"/>
+            <a:off x="7417435" y="977265"/>
+            <a:ext cx="4375150" cy="4295775"/>
           </a:xfrm>
           <a:prstGeom prst="rect">
             <a:avLst/>
@@ -4043,7 +5205,7 @@
         </p:nvSpPr>
         <p:spPr>
           <a:xfrm>
-            <a:off x="7719695" y="5905500"/>
+            <a:off x="7656195" y="5445125"/>
             <a:ext cx="3898900" cy="645160"/>
           </a:xfrm>
           <a:prstGeom prst="rect">
@@ -4059,6 +5221,12 @@
             <a:r>
               <a:rPr lang="en-US" sz="1200"/>
               <a:t>AMD Radeon RX 6900 XT</a:t>
+            </a:r>
+            <a:r>
+              <a:rPr lang="de-DE" altLang="en-US" sz="1200">
+                <a:latin typeface="Calibri" charset="0"/>
+              </a:rPr>
+              <a:t> mit PICe x16 Anschluss</a:t>
             </a:r>
             <a:endParaRPr lang="en-US" sz="1200"/>
           </a:p>
@@ -4086,8 +5254,19 @@
 </file>
 
 <file path=ppt/slides/slide3.xml><?xml version="1.0" encoding="utf-8"?>
-<p:sld xmlns:a="http://schemas.openxmlformats.org/drawingml/2006/main" xmlns:r="http://schemas.openxmlformats.org/officeDocument/2006/relationships" xmlns:p="http://schemas.openxmlformats.org/presentationml/2006/main">
+<p:sld xmlns:a="http://schemas.openxmlformats.org/drawingml/2006/main" xmlns:r="http://schemas.openxmlformats.org/officeDocument/2006/relationships" xmlns:p="http://schemas.openxmlformats.org/presentationml/2006/main" showMasterSp="0">
   <p:cSld>
+    <p:bg>
+      <p:bgPr>
+        <a:blipFill rotWithShape="true">
+          <a:blip r:embed="rId1"/>
+          <a:stretch>
+            <a:fillRect/>
+          </a:stretch>
+        </a:blipFill>
+        <a:effectLst/>
+      </p:bgPr>
+    </p:bg>
     <p:spTree>
       <p:nvGrpSpPr>
         <p:cNvPr id="1" name=""/>
@@ -4105,19 +5284,31 @@
             <p:ph type="title"/>
           </p:nvPr>
         </p:nvSpPr>
-        <p:spPr/>
-        <p:txBody>
-          <a:bodyPr/>
-          <a:p>
-            <a:pPr marL="0" indent="0"/>
+        <p:spPr>
+          <a:xfrm>
+            <a:off x="840105" y="259080"/>
+            <a:ext cx="6158865" cy="617855"/>
+          </a:xfrm>
+          <a:ln>
+            <a:noFill/>
+          </a:ln>
+        </p:spPr>
+        <p:txBody>
+          <a:bodyPr/>
+          <a:p>
+            <a:pPr algn="l"/>
             <a:r>
               <a:rPr lang="de-DE" altLang="en-US">
-                <a:latin typeface="Calibri" charset="0"/>
+                <a:solidFill>
+                  <a:schemeClr val="tx2"/>
+                </a:solidFill>
               </a:rPr>
               <a:t>PCI Express Link</a:t>
             </a:r>
             <a:endParaRPr lang="de-DE" altLang="en-US">
-              <a:latin typeface="Calibri" charset="0"/>
+              <a:solidFill>
+                <a:schemeClr val="tx2"/>
+              </a:solidFill>
             </a:endParaRPr>
           </a:p>
         </p:txBody>
@@ -4133,15 +5324,15 @@
           </p:nvPr>
         </p:nvPicPr>
         <p:blipFill>
-          <a:blip r:embed="rId1"/>
+          <a:blip r:embed="rId2"/>
           <a:stretch>
             <a:fillRect/>
           </a:stretch>
         </p:blipFill>
         <p:spPr>
           <a:xfrm>
-            <a:off x="5184140" y="1670685"/>
-            <a:ext cx="5817235" cy="3285490"/>
+            <a:off x="5183505" y="1680845"/>
+            <a:ext cx="6172200" cy="3486150"/>
           </a:xfrm>
           <a:prstGeom prst="rect">
             <a:avLst/>
@@ -4160,78 +5351,37 @@
         </p:nvSpPr>
         <p:spPr/>
         <p:txBody>
-          <a:bodyPr>
-            <a:normAutofit lnSpcReduction="20000"/>
-          </a:bodyPr>
-          <a:p>
-            <a:pPr marL="285750" indent="-285750">
-              <a:buFont typeface="Arial" panose="02080604020202020204" pitchFamily="34" charset="0"/>
-              <a:buChar char="•"/>
-            </a:pPr>
-            <a:r>
-              <a:rPr lang="de-DE" altLang="en-US">
-                <a:latin typeface="Calibri" charset="0"/>
-              </a:rPr>
+          <a:bodyPr/>
+          <a:p>
+            <a:r>
+              <a:rPr lang="de-DE" altLang="en-US"/>
               <a:t>mind. 2 differentielle Signalpaare (eine Lane, „x1“)</a:t>
             </a:r>
-            <a:endParaRPr lang="de-DE" altLang="en-US">
-              <a:latin typeface="Calibri" charset="0"/>
-            </a:endParaRPr>
-          </a:p>
-          <a:p>
-            <a:pPr marL="285750" indent="-285750">
-              <a:buFont typeface="Arial" panose="02080604020202020204" pitchFamily="34" charset="0"/>
-              <a:buChar char="•"/>
-            </a:pPr>
-            <a:r>
-              <a:rPr lang="de-DE" altLang="en-US">
-                <a:latin typeface="Calibri" charset="0"/>
-              </a:rPr>
+            <a:endParaRPr lang="de-DE" altLang="en-US"/>
+          </a:p>
+          <a:p>
+            <a:r>
+              <a:rPr lang="de-DE" altLang="en-US"/>
               <a:t>Voll-Duplex-Betrieb (receive- und transmit-Kanal)</a:t>
             </a:r>
-            <a:endParaRPr lang="de-DE" altLang="en-US">
-              <a:latin typeface="Calibri" charset="0"/>
-            </a:endParaRPr>
-          </a:p>
-          <a:p>
-            <a:pPr marL="285750" indent="-285750">
-              <a:buFont typeface="Arial" panose="02080604020202020204" pitchFamily="34" charset="0"/>
-              <a:buChar char="•"/>
-            </a:pPr>
-            <a:r>
-              <a:rPr lang="de-DE" altLang="en-US">
-                <a:latin typeface="Calibri" charset="0"/>
-                <a:sym typeface="+mn-ea"/>
-              </a:rPr>
+            <a:endParaRPr lang="de-DE" altLang="en-US"/>
+          </a:p>
+          <a:p>
+            <a:r>
+              <a:rPr lang="de-DE" altLang="en-US"/>
               <a:t>Initialisierung des Lanes durch die Hardware</a:t>
             </a:r>
-            <a:endParaRPr lang="de-DE" altLang="en-US">
-              <a:latin typeface="Calibri" charset="0"/>
-            </a:endParaRPr>
-          </a:p>
-          <a:p>
-            <a:pPr marL="285750" indent="-285750">
-              <a:buFont typeface="Arial" panose="02080604020202020204" pitchFamily="34" charset="0"/>
-              <a:buChar char="•"/>
-            </a:pPr>
-            <a:r>
-              <a:rPr lang="de-DE" altLang="en-US">
-                <a:latin typeface="Calibri" charset="0"/>
-              </a:rPr>
+            <a:endParaRPr lang="de-DE" altLang="en-US"/>
+          </a:p>
+          <a:p>
+            <a:r>
+              <a:rPr lang="de-DE" altLang="en-US"/>
               <a:t>Nach der Initialisierung wird dauerhaft mit der ausgehandelten Übertragungsrate gearbeitet</a:t>
             </a:r>
-            <a:endParaRPr lang="de-DE" altLang="en-US">
-              <a:latin typeface="Calibri" charset="0"/>
-            </a:endParaRPr>
-          </a:p>
-          <a:p>
-            <a:pPr marL="285750" indent="-285750">
-              <a:buFont typeface="Arial" panose="02080604020202020204" pitchFamily="34" charset="0"/>
-              <a:buChar char="•"/>
-            </a:pPr>
-            <a:endParaRPr lang="de-DE" altLang="en-US">
-              <a:latin typeface="Calibri" charset="0"/>
-            </a:endParaRPr>
+            <a:endParaRPr lang="de-DE" altLang="en-US"/>
+          </a:p>
+          <a:p>
+            <a:endParaRPr lang="de-DE" altLang="en-US"/>
           </a:p>
         </p:txBody>
       </p:sp>
@@ -4244,8 +5394,19 @@
 </file>
 
 <file path=ppt/slides/slide4.xml><?xml version="1.0" encoding="utf-8"?>
-<p:sld xmlns:a="http://schemas.openxmlformats.org/drawingml/2006/main" xmlns:r="http://schemas.openxmlformats.org/officeDocument/2006/relationships" xmlns:p="http://schemas.openxmlformats.org/presentationml/2006/main">
+<p:sld xmlns:a="http://schemas.openxmlformats.org/drawingml/2006/main" xmlns:r="http://schemas.openxmlformats.org/officeDocument/2006/relationships" xmlns:p="http://schemas.openxmlformats.org/presentationml/2006/main" showMasterSp="0">
   <p:cSld>
+    <p:bg>
+      <p:bgPr>
+        <a:blipFill rotWithShape="true">
+          <a:blip r:embed="rId1"/>
+          <a:stretch>
+            <a:fillRect/>
+          </a:stretch>
+        </a:blipFill>
+        <a:effectLst/>
+      </p:bgPr>
+    </p:bg>
     <p:spTree>
       <p:nvGrpSpPr>
         <p:cNvPr id="1" name=""/>
@@ -4263,60 +5424,50 @@
             <p:ph type="title"/>
           </p:nvPr>
         </p:nvSpPr>
-        <p:spPr/>
-        <p:txBody>
-          <a:bodyPr/>
-          <a:p>
-            <a:pPr marL="0" indent="0"/>
+        <p:spPr>
+          <a:xfrm>
+            <a:off x="840105" y="457200"/>
+            <a:ext cx="5294630" cy="897255"/>
+          </a:xfrm>
+        </p:spPr>
+        <p:txBody>
+          <a:bodyPr/>
+          <a:p>
+            <a:pPr marL="0" indent="0" algn="l"/>
             <a:r>
               <a:rPr lang="de-DE" altLang="en-US">
+                <a:solidFill>
+                  <a:schemeClr val="tx1"/>
+                </a:solidFill>
                 <a:latin typeface="Calibri" charset="0"/>
               </a:rPr>
-              <a:t>PCI Switch</a:t>
+              <a:t>PCIe Fabric Topology</a:t>
             </a:r>
             <a:endParaRPr lang="de-DE" altLang="en-US">
+              <a:solidFill>
+                <a:schemeClr val="tx1"/>
+              </a:solidFill>
               <a:latin typeface="Calibri" charset="0"/>
             </a:endParaRPr>
           </a:p>
         </p:txBody>
       </p:sp>
-      <p:pic>
-        <p:nvPicPr>
-          <p:cNvPr id="4" name="Picture Placeholder 3"/>
-          <p:cNvPicPr>
-            <a:picLocks noChangeAspect="true"/>
-          </p:cNvPicPr>
-          <p:nvPr>
-            <p:ph type="pic" idx="1"/>
-          </p:nvPr>
-        </p:nvPicPr>
-        <p:blipFill>
-          <a:blip r:embed="rId1"/>
-          <a:stretch>
-            <a:fillRect/>
-          </a:stretch>
-        </p:blipFill>
+      <p:sp>
+        <p:nvSpPr>
+          <p:cNvPr id="8" name="Text Placeholder 7"/>
+          <p:cNvSpPr>
+            <a:spLocks noGrp="true"/>
+          </p:cNvSpPr>
+          <p:nvPr>
+            <p:ph type="body" sz="half" idx="2"/>
+          </p:nvPr>
+        </p:nvSpPr>
         <p:spPr>
           <a:xfrm>
-            <a:off x="5184140" y="1670685"/>
-            <a:ext cx="5817235" cy="3285490"/>
+            <a:off x="839788" y="2057400"/>
+            <a:ext cx="3932237" cy="3811588"/>
           </a:xfrm>
-          <a:prstGeom prst="rect">
-            <a:avLst/>
-          </a:prstGeom>
         </p:spPr>
-      </p:pic>
-      <p:sp>
-        <p:nvSpPr>
-          <p:cNvPr id="8" name="Text Placeholder 7"/>
-          <p:cNvSpPr>
-            <a:spLocks noGrp="true"/>
-          </p:cNvSpPr>
-          <p:nvPr>
-            <p:ph type="body" sz="half" idx="2"/>
-          </p:nvPr>
-        </p:nvSpPr>
-        <p:spPr/>
         <p:txBody>
           <a:bodyPr>
             <a:normAutofit lnSpcReduction="20000"/>
@@ -4393,6 +5544,32 @@
           </a:p>
         </p:txBody>
       </p:sp>
+      <p:pic>
+        <p:nvPicPr>
+          <p:cNvPr id="5" name="Picture Placeholder 4" descr="topologie"/>
+          <p:cNvPicPr>
+            <a:picLocks noChangeAspect="true"/>
+          </p:cNvPicPr>
+          <p:nvPr>
+            <p:ph type="pic" idx="1"/>
+          </p:nvPr>
+        </p:nvPicPr>
+        <p:blipFill>
+          <a:blip r:embed="rId2"/>
+          <a:stretch>
+            <a:fillRect/>
+          </a:stretch>
+        </p:blipFill>
+        <p:spPr>
+          <a:xfrm>
+            <a:off x="5302250" y="1113790"/>
+            <a:ext cx="5934075" cy="4619625"/>
+          </a:xfrm>
+          <a:prstGeom prst="rect">
+            <a:avLst/>
+          </a:prstGeom>
+        </p:spPr>
+      </p:pic>
     </p:spTree>
   </p:cSld>
   <p:clrMapOvr>
@@ -4404,6 +5581,17 @@
 <file path=ppt/slides/slide5.xml><?xml version="1.0" encoding="utf-8"?>
 <p:sld xmlns:a="http://schemas.openxmlformats.org/drawingml/2006/main" xmlns:r="http://schemas.openxmlformats.org/officeDocument/2006/relationships" xmlns:p="http://schemas.openxmlformats.org/presentationml/2006/main">
   <p:cSld>
+    <p:bg>
+      <p:bgPr>
+        <a:blipFill rotWithShape="true">
+          <a:blip r:embed="rId1"/>
+          <a:stretch>
+            <a:fillRect/>
+          </a:stretch>
+        </a:blipFill>
+        <a:effectLst/>
+      </p:bgPr>
+    </p:bg>
     <p:spTree>
       <p:nvGrpSpPr>
         <p:cNvPr id="1" name=""/>
@@ -4421,23 +5609,641 @@
             <p:ph type="title"/>
           </p:nvPr>
         </p:nvSpPr>
-        <p:spPr/>
-        <p:txBody>
-          <a:bodyPr/>
-          <a:p>
-            <a:pPr marL="0" indent="0"/>
+        <p:spPr>
+          <a:xfrm>
+            <a:off x="840105" y="457200"/>
+            <a:ext cx="5294630" cy="897255"/>
+          </a:xfrm>
+        </p:spPr>
+        <p:txBody>
+          <a:bodyPr/>
+          <a:p>
+            <a:pPr marL="0" indent="0" algn="l"/>
             <a:r>
               <a:rPr lang="de-DE" altLang="en-US">
+                <a:solidFill>
+                  <a:schemeClr val="tx1"/>
+                </a:solidFill>
                 <a:latin typeface="Calibri" charset="0"/>
               </a:rPr>
-              <a:t>Quellen</a:t>
+              <a:t>PCIe Fabric Topology</a:t>
             </a:r>
             <a:br>
               <a:rPr lang="de-DE" altLang="en-US">
+                <a:solidFill>
+                  <a:schemeClr val="tx1"/>
+                </a:solidFill>
+                <a:latin typeface="Calibri" charset="0"/>
+              </a:rPr>
+            </a:br>
+            <a:r>
+              <a:rPr lang="de-DE" altLang="en-US">
+                <a:solidFill>
+                  <a:schemeClr val="tx1"/>
+                </a:solidFill>
+                <a:latin typeface="Calibri" charset="0"/>
+              </a:rPr>
+              <a:t>1. Root Complex</a:t>
+            </a:r>
+            <a:endParaRPr lang="de-DE" altLang="en-US">
+              <a:solidFill>
+                <a:schemeClr val="tx1"/>
+              </a:solidFill>
+              <a:latin typeface="Calibri" charset="0"/>
+            </a:endParaRPr>
+          </a:p>
+        </p:txBody>
+      </p:sp>
+      <p:sp>
+        <p:nvSpPr>
+          <p:cNvPr id="8" name="Text Placeholder 7"/>
+          <p:cNvSpPr>
+            <a:spLocks noGrp="true"/>
+          </p:cNvSpPr>
+          <p:nvPr>
+            <p:ph type="body" sz="half" idx="2"/>
+          </p:nvPr>
+        </p:nvSpPr>
+        <p:spPr>
+          <a:xfrm>
+            <a:off x="839788" y="2057400"/>
+            <a:ext cx="3932237" cy="3811588"/>
+          </a:xfrm>
+        </p:spPr>
+        <p:txBody>
+          <a:bodyPr>
+            <a:normAutofit lnSpcReduction="20000"/>
+          </a:bodyPr>
+          <a:p>
+            <a:pPr marL="285750" indent="-285750">
+              <a:buFont typeface="Arial" panose="02080604020202020204" pitchFamily="34" charset="0"/>
+              <a:buChar char="•"/>
+            </a:pPr>
+            <a:endParaRPr lang="de-DE" altLang="en-US">
+              <a:latin typeface="Calibri" charset="0"/>
+            </a:endParaRPr>
+          </a:p>
+          <a:p>
+            <a:pPr marL="285750" indent="-285750">
+              <a:buFont typeface="Arial" panose="02080604020202020204" pitchFamily="34" charset="0"/>
+              <a:buChar char="•"/>
+            </a:pPr>
+            <a:endParaRPr lang="de-DE" altLang="en-US">
+              <a:latin typeface="Calibri" charset="0"/>
+            </a:endParaRPr>
+          </a:p>
+        </p:txBody>
+      </p:sp>
+      <p:pic>
+        <p:nvPicPr>
+          <p:cNvPr id="5" name="Picture Placeholder 4" descr="topologie"/>
+          <p:cNvPicPr>
+            <a:picLocks noChangeAspect="true"/>
+          </p:cNvPicPr>
+          <p:nvPr>
+            <p:ph type="pic" idx="1"/>
+          </p:nvPr>
+        </p:nvPicPr>
+        <p:blipFill>
+          <a:blip r:embed="rId2"/>
+          <a:srcRect l="685" t="-467" r="-845" b="11395"/>
+          <a:stretch>
+            <a:fillRect/>
+          </a:stretch>
+        </p:blipFill>
+        <p:spPr>
+          <a:xfrm>
+            <a:off x="5212080" y="1097280"/>
+            <a:ext cx="5943600" cy="4114800"/>
+          </a:xfrm>
+          <a:prstGeom prst="rect">
+            <a:avLst/>
+          </a:prstGeom>
+        </p:spPr>
+      </p:pic>
+    </p:spTree>
+  </p:cSld>
+  <p:clrMapOvr>
+    <a:masterClrMapping/>
+  </p:clrMapOvr>
+</p:sld>
+</file>
+
+<file path=ppt/slides/slide6.xml><?xml version="1.0" encoding="utf-8"?>
+<p:sld xmlns:a="http://schemas.openxmlformats.org/drawingml/2006/main" xmlns:r="http://schemas.openxmlformats.org/officeDocument/2006/relationships" xmlns:p="http://schemas.openxmlformats.org/presentationml/2006/main">
+  <p:cSld>
+    <p:bg>
+      <p:bgPr>
+        <a:blipFill rotWithShape="true">
+          <a:blip r:embed="rId1"/>
+          <a:stretch>
+            <a:fillRect/>
+          </a:stretch>
+        </a:blipFill>
+        <a:effectLst/>
+      </p:bgPr>
+    </p:bg>
+    <p:spTree>
+      <p:nvGrpSpPr>
+        <p:cNvPr id="1" name=""/>
+        <p:cNvGrpSpPr/>
+        <p:nvPr/>
+      </p:nvGrpSpPr>
+      <p:grpSpPr/>
+      <p:sp>
+        <p:nvSpPr>
+          <p:cNvPr id="2" name="Title 1"/>
+          <p:cNvSpPr>
+            <a:spLocks noGrp="true"/>
+          </p:cNvSpPr>
+          <p:nvPr>
+            <p:ph type="title"/>
+          </p:nvPr>
+        </p:nvSpPr>
+        <p:spPr>
+          <a:xfrm>
+            <a:off x="840105" y="457200"/>
+            <a:ext cx="5294630" cy="897255"/>
+          </a:xfrm>
+        </p:spPr>
+        <p:txBody>
+          <a:bodyPr/>
+          <a:p>
+            <a:pPr marL="0" indent="0" algn="l"/>
+            <a:r>
+              <a:rPr lang="de-DE" altLang="en-US">
+                <a:solidFill>
+                  <a:schemeClr val="tx1"/>
+                </a:solidFill>
+                <a:latin typeface="Calibri" charset="0"/>
+              </a:rPr>
+              <a:t>PCIe Fabric Topology</a:t>
+            </a:r>
+            <a:br>
+              <a:rPr lang="de-DE" altLang="en-US">
+                <a:solidFill>
+                  <a:schemeClr val="tx1"/>
+                </a:solidFill>
+                <a:latin typeface="Calibri" charset="0"/>
+              </a:rPr>
+            </a:br>
+            <a:r>
+              <a:rPr lang="de-DE" altLang="en-US">
+                <a:solidFill>
+                  <a:schemeClr val="tx1"/>
+                </a:solidFill>
+                <a:latin typeface="Calibri" charset="0"/>
+              </a:rPr>
+              <a:t>1. Root Complex</a:t>
+            </a:r>
+            <a:endParaRPr lang="de-DE" altLang="en-US">
+              <a:solidFill>
+                <a:schemeClr val="tx1"/>
+              </a:solidFill>
+              <a:latin typeface="Calibri" charset="0"/>
+            </a:endParaRPr>
+          </a:p>
+        </p:txBody>
+      </p:sp>
+      <p:sp>
+        <p:nvSpPr>
+          <p:cNvPr id="8" name="Text Placeholder 7"/>
+          <p:cNvSpPr>
+            <a:spLocks noGrp="true"/>
+          </p:cNvSpPr>
+          <p:nvPr>
+            <p:ph type="body" sz="half" idx="2"/>
+          </p:nvPr>
+        </p:nvSpPr>
+        <p:spPr>
+          <a:xfrm>
+            <a:off x="839788" y="2057400"/>
+            <a:ext cx="3932237" cy="3811588"/>
+          </a:xfrm>
+        </p:spPr>
+        <p:txBody>
+          <a:bodyPr>
+            <a:normAutofit lnSpcReduction="20000"/>
+          </a:bodyPr>
+          <a:p>
+            <a:pPr marL="285750" indent="-285750">
+              <a:buFont typeface="Arial" panose="02080604020202020204" pitchFamily="34" charset="0"/>
+              <a:buChar char="•"/>
+            </a:pPr>
+            <a:endParaRPr lang="de-DE" altLang="en-US">
+              <a:latin typeface="Calibri" charset="0"/>
+            </a:endParaRPr>
+          </a:p>
+          <a:p>
+            <a:pPr marL="285750" indent="-285750">
+              <a:buFont typeface="Arial" panose="02080604020202020204" pitchFamily="34" charset="0"/>
+              <a:buChar char="•"/>
+            </a:pPr>
+            <a:endParaRPr lang="de-DE" altLang="en-US">
+              <a:latin typeface="Calibri" charset="0"/>
+            </a:endParaRPr>
+          </a:p>
+        </p:txBody>
+      </p:sp>
+      <p:pic>
+        <p:nvPicPr>
+          <p:cNvPr id="5" name="Picture Placeholder 4" descr="/home/dinera/Dokumente/Studium/Digitale Signalverarbeitung/root complex.pngroot complex"/>
+          <p:cNvPicPr>
+            <a:picLocks noChangeAspect="true"/>
+          </p:cNvPicPr>
+          <p:nvPr>
+            <p:ph type="pic" idx="1"/>
+          </p:nvPr>
+        </p:nvPicPr>
+        <p:blipFill>
+          <a:blip r:embed="rId2"/>
+          <a:srcRect/>
+          <a:stretch>
+            <a:fillRect/>
+          </a:stretch>
+        </p:blipFill>
+        <p:spPr>
+          <a:xfrm>
+            <a:off x="5858828" y="1070610"/>
+            <a:ext cx="5285105" cy="4114800"/>
+          </a:xfrm>
+          <a:prstGeom prst="rect">
+            <a:avLst/>
+          </a:prstGeom>
+        </p:spPr>
+      </p:pic>
+    </p:spTree>
+  </p:cSld>
+  <p:clrMapOvr>
+    <a:masterClrMapping/>
+  </p:clrMapOvr>
+</p:sld>
+</file>
+
+<file path=ppt/slides/slide7.xml><?xml version="1.0" encoding="utf-8"?>
+<p:sld xmlns:a="http://schemas.openxmlformats.org/drawingml/2006/main" xmlns:r="http://schemas.openxmlformats.org/officeDocument/2006/relationships" xmlns:p="http://schemas.openxmlformats.org/presentationml/2006/main">
+  <p:cSld>
+    <p:bg>
+      <p:bgPr>
+        <a:blipFill rotWithShape="true">
+          <a:blip r:embed="rId1"/>
+          <a:stretch>
+            <a:fillRect/>
+          </a:stretch>
+        </a:blipFill>
+        <a:effectLst/>
+      </p:bgPr>
+    </p:bg>
+    <p:spTree>
+      <p:nvGrpSpPr>
+        <p:cNvPr id="1" name=""/>
+        <p:cNvGrpSpPr/>
+        <p:nvPr/>
+      </p:nvGrpSpPr>
+      <p:grpSpPr/>
+      <p:sp>
+        <p:nvSpPr>
+          <p:cNvPr id="2" name="Title 1"/>
+          <p:cNvSpPr>
+            <a:spLocks noGrp="true"/>
+          </p:cNvSpPr>
+          <p:nvPr>
+            <p:ph type="title"/>
+          </p:nvPr>
+        </p:nvSpPr>
+        <p:spPr>
+          <a:xfrm>
+            <a:off x="840105" y="457200"/>
+            <a:ext cx="5294630" cy="897255"/>
+          </a:xfrm>
+        </p:spPr>
+        <p:txBody>
+          <a:bodyPr/>
+          <a:p>
+            <a:pPr marL="0" indent="0" algn="l"/>
+            <a:r>
+              <a:rPr lang="de-DE" altLang="en-US">
+                <a:solidFill>
+                  <a:schemeClr val="tx1"/>
+                </a:solidFill>
+                <a:latin typeface="Calibri" charset="0"/>
+              </a:rPr>
+              <a:t>PCIe Fabric Topology</a:t>
+            </a:r>
+            <a:br>
+              <a:rPr lang="de-DE" altLang="en-US">
+                <a:solidFill>
+                  <a:schemeClr val="tx1"/>
+                </a:solidFill>
+                <a:latin typeface="Calibri" charset="0"/>
+              </a:rPr>
+            </a:br>
+            <a:r>
+              <a:rPr lang="de-DE" altLang="en-US">
+                <a:solidFill>
+                  <a:schemeClr val="tx1"/>
+                </a:solidFill>
+                <a:latin typeface="Calibri" charset="0"/>
+              </a:rPr>
+              <a:t>2. End Points</a:t>
+            </a:r>
+            <a:endParaRPr lang="de-DE" altLang="en-US">
+              <a:solidFill>
+                <a:schemeClr val="tx1"/>
+              </a:solidFill>
+              <a:latin typeface="Calibri" charset="0"/>
+            </a:endParaRPr>
+          </a:p>
+        </p:txBody>
+      </p:sp>
+      <p:sp>
+        <p:nvSpPr>
+          <p:cNvPr id="8" name="Text Placeholder 7"/>
+          <p:cNvSpPr>
+            <a:spLocks noGrp="true"/>
+          </p:cNvSpPr>
+          <p:nvPr>
+            <p:ph type="body" sz="half" idx="2"/>
+          </p:nvPr>
+        </p:nvSpPr>
+        <p:spPr>
+          <a:xfrm>
+            <a:off x="839788" y="2057400"/>
+            <a:ext cx="3932237" cy="3811588"/>
+          </a:xfrm>
+        </p:spPr>
+        <p:txBody>
+          <a:bodyPr>
+            <a:normAutofit lnSpcReduction="20000"/>
+          </a:bodyPr>
+          <a:p>
+            <a:pPr marL="285750" indent="-285750">
+              <a:buFont typeface="Arial" panose="02080604020202020204" pitchFamily="34" charset="0"/>
+              <a:buChar char="•"/>
+            </a:pPr>
+            <a:endParaRPr lang="de-DE" altLang="en-US">
+              <a:latin typeface="Calibri" charset="0"/>
+            </a:endParaRPr>
+          </a:p>
+          <a:p>
+            <a:pPr marL="285750" indent="-285750">
+              <a:buFont typeface="Arial" panose="02080604020202020204" pitchFamily="34" charset="0"/>
+              <a:buChar char="•"/>
+            </a:pPr>
+            <a:endParaRPr lang="de-DE" altLang="en-US">
+              <a:latin typeface="Calibri" charset="0"/>
+            </a:endParaRPr>
+          </a:p>
+        </p:txBody>
+      </p:sp>
+      <p:pic>
+        <p:nvPicPr>
+          <p:cNvPr id="5" name="Picture Placeholder 4" descr="/home/dinera/Dokumente/Studium/Digitale Signalverarbeitung/endpoints.pngendpoints"/>
+          <p:cNvPicPr>
+            <a:picLocks noChangeAspect="true"/>
+          </p:cNvPicPr>
+          <p:nvPr>
+            <p:ph type="pic" idx="1"/>
+          </p:nvPr>
+        </p:nvPicPr>
+        <p:blipFill>
+          <a:blip r:embed="rId2"/>
+          <a:srcRect/>
+          <a:stretch>
+            <a:fillRect/>
+          </a:stretch>
+        </p:blipFill>
+        <p:spPr>
+          <a:xfrm>
+            <a:off x="5858828" y="1070928"/>
+            <a:ext cx="5285105" cy="4114165"/>
+          </a:xfrm>
+          <a:prstGeom prst="rect">
+            <a:avLst/>
+          </a:prstGeom>
+        </p:spPr>
+      </p:pic>
+    </p:spTree>
+  </p:cSld>
+  <p:clrMapOvr>
+    <a:masterClrMapping/>
+  </p:clrMapOvr>
+</p:sld>
+</file>
+
+<file path=ppt/slides/slide8.xml><?xml version="1.0" encoding="utf-8"?>
+<p:sld xmlns:a="http://schemas.openxmlformats.org/drawingml/2006/main" xmlns:r="http://schemas.openxmlformats.org/officeDocument/2006/relationships" xmlns:p="http://schemas.openxmlformats.org/presentationml/2006/main">
+  <p:cSld>
+    <p:bg>
+      <p:bgPr>
+        <a:blipFill rotWithShape="true">
+          <a:blip r:embed="rId1"/>
+          <a:stretch>
+            <a:fillRect/>
+          </a:stretch>
+        </a:blipFill>
+        <a:effectLst/>
+      </p:bgPr>
+    </p:bg>
+    <p:spTree>
+      <p:nvGrpSpPr>
+        <p:cNvPr id="1" name=""/>
+        <p:cNvGrpSpPr/>
+        <p:nvPr/>
+      </p:nvGrpSpPr>
+      <p:grpSpPr/>
+      <p:sp>
+        <p:nvSpPr>
+          <p:cNvPr id="2" name="Title 1"/>
+          <p:cNvSpPr>
+            <a:spLocks noGrp="true"/>
+          </p:cNvSpPr>
+          <p:nvPr>
+            <p:ph type="title"/>
+          </p:nvPr>
+        </p:nvSpPr>
+        <p:spPr>
+          <a:xfrm>
+            <a:off x="840105" y="457200"/>
+            <a:ext cx="5294630" cy="897255"/>
+          </a:xfrm>
+        </p:spPr>
+        <p:txBody>
+          <a:bodyPr/>
+          <a:p>
+            <a:pPr marL="0" indent="0" algn="l"/>
+            <a:r>
+              <a:rPr lang="de-DE" altLang="en-US">
+                <a:solidFill>
+                  <a:schemeClr val="tx1"/>
+                </a:solidFill>
+                <a:latin typeface="Calibri" charset="0"/>
+              </a:rPr>
+              <a:t>PCIe Fabric Topology</a:t>
+            </a:r>
+            <a:br>
+              <a:rPr lang="de-DE" altLang="en-US">
+                <a:solidFill>
+                  <a:schemeClr val="tx1"/>
+                </a:solidFill>
+                <a:latin typeface="Calibri" charset="0"/>
+              </a:rPr>
+            </a:br>
+            <a:r>
+              <a:rPr lang="de-DE" altLang="en-US">
+                <a:solidFill>
+                  <a:schemeClr val="tx1"/>
+                </a:solidFill>
+                <a:latin typeface="Calibri" charset="0"/>
+              </a:rPr>
+              <a:t>3. Switch</a:t>
+            </a:r>
+            <a:endParaRPr lang="de-DE" altLang="en-US">
+              <a:solidFill>
+                <a:schemeClr val="tx1"/>
+              </a:solidFill>
+              <a:latin typeface="Calibri" charset="0"/>
+            </a:endParaRPr>
+          </a:p>
+        </p:txBody>
+      </p:sp>
+      <p:sp>
+        <p:nvSpPr>
+          <p:cNvPr id="8" name="Text Placeholder 7"/>
+          <p:cNvSpPr>
+            <a:spLocks noGrp="true"/>
+          </p:cNvSpPr>
+          <p:nvPr>
+            <p:ph type="body" sz="half" idx="2"/>
+          </p:nvPr>
+        </p:nvSpPr>
+        <p:spPr>
+          <a:xfrm>
+            <a:off x="839788" y="2057400"/>
+            <a:ext cx="3932237" cy="3811588"/>
+          </a:xfrm>
+        </p:spPr>
+        <p:txBody>
+          <a:bodyPr>
+            <a:normAutofit lnSpcReduction="20000"/>
+          </a:bodyPr>
+          <a:p>
+            <a:pPr marL="285750" indent="-285750">
+              <a:buFont typeface="Arial" panose="02080604020202020204" pitchFamily="34" charset="0"/>
+              <a:buChar char="•"/>
+            </a:pPr>
+            <a:endParaRPr lang="de-DE" altLang="en-US">
+              <a:latin typeface="Calibri" charset="0"/>
+            </a:endParaRPr>
+          </a:p>
+          <a:p>
+            <a:pPr marL="285750" indent="-285750">
+              <a:buFont typeface="Arial" panose="02080604020202020204" pitchFamily="34" charset="0"/>
+              <a:buChar char="•"/>
+            </a:pPr>
+            <a:endParaRPr lang="de-DE" altLang="en-US">
+              <a:latin typeface="Calibri" charset="0"/>
+            </a:endParaRPr>
+          </a:p>
+        </p:txBody>
+      </p:sp>
+      <p:pic>
+        <p:nvPicPr>
+          <p:cNvPr id="5" name="Picture Placeholder 4" descr="/home/dinera/Dokumente/Studium/Digitale Signalverarbeitung/switch.pngswitch"/>
+          <p:cNvPicPr>
+            <a:picLocks noChangeAspect="true"/>
+          </p:cNvPicPr>
+          <p:nvPr>
+            <p:ph type="pic" idx="1"/>
+          </p:nvPr>
+        </p:nvPicPr>
+        <p:blipFill>
+          <a:blip r:embed="rId2"/>
+          <a:srcRect/>
+          <a:stretch>
+            <a:fillRect/>
+          </a:stretch>
+        </p:blipFill>
+        <p:spPr>
+          <a:xfrm>
+            <a:off x="5924233" y="1297305"/>
+            <a:ext cx="5285105" cy="3794760"/>
+          </a:xfrm>
+          <a:prstGeom prst="rect">
+            <a:avLst/>
+          </a:prstGeom>
+        </p:spPr>
+      </p:pic>
+    </p:spTree>
+  </p:cSld>
+  <p:clrMapOvr>
+    <a:masterClrMapping/>
+  </p:clrMapOvr>
+</p:sld>
+</file>
+
+<file path=ppt/slides/slide9.xml><?xml version="1.0" encoding="utf-8"?>
+<p:sld xmlns:a="http://schemas.openxmlformats.org/drawingml/2006/main" xmlns:r="http://schemas.openxmlformats.org/officeDocument/2006/relationships" xmlns:p="http://schemas.openxmlformats.org/presentationml/2006/main">
+  <p:cSld>
+    <p:bg>
+      <p:bgPr>
+        <a:blipFill rotWithShape="true">
+          <a:blip r:embed="rId1"/>
+          <a:stretch>
+            <a:fillRect/>
+          </a:stretch>
+        </a:blipFill>
+        <a:effectLst/>
+      </p:bgPr>
+    </p:bg>
+    <p:spTree>
+      <p:nvGrpSpPr>
+        <p:cNvPr id="1" name=""/>
+        <p:cNvGrpSpPr/>
+        <p:nvPr/>
+      </p:nvGrpSpPr>
+      <p:grpSpPr/>
+      <p:sp>
+        <p:nvSpPr>
+          <p:cNvPr id="2" name="Title 1"/>
+          <p:cNvSpPr>
+            <a:spLocks noGrp="true"/>
+          </p:cNvSpPr>
+          <p:nvPr>
+            <p:ph type="title"/>
+          </p:nvPr>
+        </p:nvSpPr>
+        <p:spPr>
+          <a:xfrm>
+            <a:off x="840105" y="457200"/>
+            <a:ext cx="5294630" cy="897255"/>
+          </a:xfrm>
+        </p:spPr>
+        <p:txBody>
+          <a:bodyPr/>
+          <a:p>
+            <a:pPr marL="0" indent="0" algn="l"/>
+            <a:r>
+              <a:rPr lang="de-DE" altLang="en-US">
+                <a:solidFill>
+                  <a:schemeClr val="tx1"/>
+                </a:solidFill>
+                <a:latin typeface="Calibri" charset="0"/>
+              </a:rPr>
+              <a:t>PCIe OSI Layering</a:t>
+            </a:r>
+            <a:br>
+              <a:rPr lang="de-DE" altLang="en-US">
+                <a:solidFill>
+                  <a:schemeClr val="tx1"/>
+                </a:solidFill>
                 <a:latin typeface="Calibri" charset="0"/>
               </a:rPr>
             </a:br>
             <a:endParaRPr lang="de-DE" altLang="en-US">
+              <a:solidFill>
+                <a:schemeClr val="tx1"/>
+              </a:solidFill>
               <a:latin typeface="Calibri" charset="0"/>
             </a:endParaRPr>
           </a:p>
@@ -4445,33 +6251,95 @@
       </p:sp>
       <p:sp>
         <p:nvSpPr>
-          <p:cNvPr id="3" name="Content Placeholder 2"/>
-          <p:cNvSpPr>
-            <a:spLocks noGrp="true"/>
-          </p:cNvSpPr>
-          <p:nvPr>
-            <p:ph idx="1"/>
-          </p:nvPr>
-        </p:nvSpPr>
-        <p:spPr/>
-        <p:txBody>
-          <a:bodyPr/>
-          <a:p>
-            <a:r>
-              <a:rPr lang="en-US"/>
-              <a:t>PCIe BUS: A State-of-the-Art-Review (2017) | IOSR Journals | http://www.iosrjournals.org/ | DOI: 10.9790/4200-0704012428</a:t>
-            </a:r>
-            <a:endParaRPr lang="en-US"/>
-          </a:p>
-          <a:p>
-            <a:r>
-              <a:rPr lang="en-US"/>
-              <a:t>PCI Express Base Specification Rev. 2.0 (2006) | PCI-SIG | https://pcisig.com </a:t>
-            </a:r>
-            <a:endParaRPr lang="en-US"/>
-          </a:p>
-        </p:txBody>
-      </p:sp>
+          <p:cNvPr id="8" name="Text Placeholder 7"/>
+          <p:cNvSpPr>
+            <a:spLocks noGrp="true"/>
+          </p:cNvSpPr>
+          <p:nvPr>
+            <p:ph type="body" sz="half" idx="2"/>
+          </p:nvPr>
+        </p:nvSpPr>
+        <p:spPr>
+          <a:xfrm>
+            <a:off x="839788" y="2057400"/>
+            <a:ext cx="3932237" cy="3811588"/>
+          </a:xfrm>
+        </p:spPr>
+        <p:txBody>
+          <a:bodyPr>
+            <a:normAutofit lnSpcReduction="20000"/>
+          </a:bodyPr>
+          <a:p>
+            <a:pPr marL="285750" indent="-285750">
+              <a:buFont typeface="Arial" panose="02080604020202020204" pitchFamily="34" charset="0"/>
+              <a:buChar char="•"/>
+            </a:pPr>
+            <a:endParaRPr lang="de-DE" altLang="en-US">
+              <a:latin typeface="Calibri" charset="0"/>
+            </a:endParaRPr>
+          </a:p>
+          <a:p>
+            <a:pPr marL="285750" indent="-285750">
+              <a:buFont typeface="Arial" panose="02080604020202020204" pitchFamily="34" charset="0"/>
+              <a:buChar char="•"/>
+            </a:pPr>
+            <a:endParaRPr lang="de-DE" altLang="en-US">
+              <a:latin typeface="Calibri" charset="0"/>
+            </a:endParaRPr>
+          </a:p>
+        </p:txBody>
+      </p:sp>
+      <p:pic>
+        <p:nvPicPr>
+          <p:cNvPr id="5" name="Picture Placeholder 4" descr="/home/dinera/Dokumente/Studium/Digitale Signalverarbeitung/layer.pnglayer"/>
+          <p:cNvPicPr>
+            <a:picLocks noChangeAspect="true"/>
+          </p:cNvPicPr>
+          <p:nvPr>
+            <p:ph type="pic" idx="1"/>
+          </p:nvPr>
+        </p:nvPicPr>
+        <p:blipFill>
+          <a:blip r:embed="rId2"/>
+          <a:srcRect r="4356"/>
+          <a:stretch>
+            <a:fillRect/>
+          </a:stretch>
+        </p:blipFill>
+        <p:spPr>
+          <a:xfrm>
+            <a:off x="6168390" y="930910"/>
+            <a:ext cx="5772785" cy="2627630"/>
+          </a:xfrm>
+          <a:prstGeom prst="rect">
+            <a:avLst/>
+          </a:prstGeom>
+        </p:spPr>
+      </p:pic>
+      <p:pic>
+        <p:nvPicPr>
+          <p:cNvPr id="3" name="Picture 2" descr="layer_transmission"/>
+          <p:cNvPicPr>
+            <a:picLocks noChangeAspect="true"/>
+          </p:cNvPicPr>
+          <p:nvPr/>
+        </p:nvPicPr>
+        <p:blipFill>
+          <a:blip r:embed="rId3"/>
+          <a:stretch>
+            <a:fillRect/>
+          </a:stretch>
+        </p:blipFill>
+        <p:spPr>
+          <a:xfrm>
+            <a:off x="6767195" y="3558540"/>
+            <a:ext cx="4575175" cy="3302635"/>
+          </a:xfrm>
+          <a:prstGeom prst="rect">
+            <a:avLst/>
+          </a:prstGeom>
+        </p:spPr>
+      </p:pic>
     </p:spTree>
   </p:cSld>
   <p:clrMapOvr>
@@ -4481,116 +6349,56 @@
 </file>
 
 <file path=ppt/theme/theme1.xml><?xml version="1.0" encoding="utf-8"?>
-<a:theme xmlns:a="http://schemas.openxmlformats.org/drawingml/2006/main" name="Office Theme">
+<a:theme xmlns:a="http://schemas.openxmlformats.org/drawingml/2006/main" name="Default Design">
   <a:themeElements>
-    <a:clrScheme name="Office">
+    <a:clrScheme name="">
       <a:dk1>
-        <a:sysClr val="windowText" lastClr="000000"/>
+        <a:srgbClr val="000000"/>
       </a:dk1>
       <a:lt1>
-        <a:sysClr val="window" lastClr="FFFFFF"/>
+        <a:srgbClr val="FFFFFF"/>
       </a:lt1>
       <a:dk2>
-        <a:srgbClr val="44546A"/>
+        <a:srgbClr val="000000"/>
       </a:dk2>
       <a:lt2>
-        <a:srgbClr val="E7E6E6"/>
+        <a:srgbClr val="808080"/>
       </a:lt2>
       <a:accent1>
-        <a:srgbClr val="5B9BD5"/>
+        <a:srgbClr val="7DB6EF"/>
       </a:accent1>
       <a:accent2>
-        <a:srgbClr val="ED7D31"/>
+        <a:srgbClr val="C0504D"/>
       </a:accent2>
       <a:accent3>
-        <a:srgbClr val="A5A5A5"/>
+        <a:srgbClr val="FFFFFF"/>
       </a:accent3>
       <a:accent4>
-        <a:srgbClr val="FFC000"/>
+        <a:srgbClr val="000000"/>
       </a:accent4>
       <a:accent5>
-        <a:srgbClr val="4472C4"/>
+        <a:srgbClr val="C0D7F5"/>
       </a:accent5>
       <a:accent6>
-        <a:srgbClr val="70AD47"/>
+        <a:srgbClr val="AC4744"/>
       </a:accent6>
       <a:hlink>
-        <a:srgbClr val="0563C1"/>
+        <a:srgbClr val="0066CC"/>
       </a:hlink>
       <a:folHlink>
-        <a:srgbClr val="954F72"/>
+        <a:srgbClr val="800080"/>
       </a:folHlink>
     </a:clrScheme>
-    <a:fontScheme name="Arial Black-Arial">
+    <a:fontScheme name="">
       <a:majorFont>
-        <a:latin typeface="Arial Black"/>
-        <a:ea typeface=""/>
+        <a:latin typeface="Arial"/>
+        <a:ea typeface="Arial"/>
         <a:cs typeface=""/>
-        <a:font script="Jpan" typeface="ＭＳ ゴシック"/>
-        <a:font script="Hang" typeface="굴림"/>
-        <a:font script="Hans" typeface="宋体"/>
-        <a:font script="Hant" typeface="新細明體"/>
-        <a:font script="Arab" typeface="Tahoma"/>
-        <a:font script="Hebr" typeface="Tahoma"/>
-        <a:font script="Thai" typeface="FreesiaUPC"/>
-        <a:font script="Ethi" typeface="Nyala"/>
-        <a:font script="Beng" typeface="Vrinda"/>
-        <a:font script="Gujr" typeface="Shruti"/>
-        <a:font script="Khmr" typeface="DaunPenh"/>
-        <a:font script="Knda" typeface="Tunga"/>
-        <a:font script="Guru" typeface="Raavi"/>
-        <a:font script="Cans" typeface="Euphemia"/>
-        <a:font script="Cher" typeface="Plantagenet Cherokee"/>
-        <a:font script="Yiii" typeface="Microsoft Yi Baiti"/>
-        <a:font script="Tibt" typeface="Microsoft Himalaya"/>
-        <a:font script="Thaa" typeface="MV Boli"/>
-        <a:font script="Deva" typeface="Mangal"/>
-        <a:font script="Telu" typeface="Gautami"/>
-        <a:font script="Taml" typeface="Latha"/>
-        <a:font script="Syrc" typeface="Estrangelo Edessa"/>
-        <a:font script="Orya" typeface="Kalinga"/>
-        <a:font script="Mlym" typeface="Kartika"/>
-        <a:font script="Laoo" typeface="DokChampa"/>
-        <a:font script="Sinh" typeface="Iskoola Pota"/>
-        <a:font script="Mong" typeface="Mongolian Baiti"/>
-        <a:font script="Viet" typeface="Verdana"/>
-        <a:font script="Uigh" typeface="Microsoft Uighur"/>
-        <a:font script="Geor" typeface="Sylfaen"/>
       </a:majorFont>
       <a:minorFont>
         <a:latin typeface="Arial"/>
-        <a:ea typeface=""/>
+        <a:ea typeface="Arial"/>
         <a:cs typeface=""/>
-        <a:font script="Jpan" typeface="ＭＳ Ｐゴシック"/>
-        <a:font script="Hang" typeface="굴림"/>
-        <a:font script="Hans" typeface="宋体"/>
-        <a:font script="Hant" typeface="新細明體"/>
-        <a:font script="Arab" typeface="Arial"/>
-        <a:font script="Hebr" typeface="Arial"/>
-        <a:font script="Thai" typeface="Cordia New"/>
-        <a:font script="Ethi" typeface="Nyala"/>
-        <a:font script="Beng" typeface="Vrinda"/>
-        <a:font script="Gujr" typeface="Shruti"/>
-        <a:font script="Khmr" typeface="DaunPenh"/>
-        <a:font script="Knda" typeface="Tunga"/>
-        <a:font script="Guru" typeface="Raavi"/>
-        <a:font script="Cans" typeface="Euphemia"/>
-        <a:font script="Cher" typeface="Plantagenet Cherokee"/>
-        <a:font script="Yiii" typeface="Microsoft Yi Baiti"/>
-        <a:font script="Tibt" typeface="Microsoft Himalaya"/>
-        <a:font script="Thaa" typeface="MV Boli"/>
-        <a:font script="Deva" typeface="Mangal"/>
-        <a:font script="Telu" typeface="Gautami"/>
-        <a:font script="Taml" typeface="Latha"/>
-        <a:font script="Syrc" typeface="Estrangelo Edessa"/>
-        <a:font script="Orya" typeface="Kalinga"/>
-        <a:font script="Mlym" typeface="Kartika"/>
-        <a:font script="Laoo" typeface="DokChampa"/>
-        <a:font script="Sinh" typeface="Iskoola Pota"/>
-        <a:font script="Mong" typeface="Mongolian Baiti"/>
-        <a:font script="Viet" typeface="Arial"/>
-        <a:font script="Uigh" typeface="Microsoft Uighur"/>
-        <a:font script="Geor" typeface="Sylfaen"/>
       </a:minorFont>
     </a:fontScheme>
     <a:fmtScheme name="Office">
@@ -4731,6 +6539,500 @@
       </a:bgFillStyleLst>
     </a:fmtScheme>
   </a:themeElements>
+  <a:extraClrSchemeLst>
+    <a:extraClrScheme>
+      <a:clrScheme name="">
+        <a:dk1>
+          <a:srgbClr val="000000"/>
+        </a:dk1>
+        <a:lt1>
+          <a:srgbClr val="FFFFFF"/>
+        </a:lt1>
+        <a:dk2>
+          <a:srgbClr val="000000"/>
+        </a:dk2>
+        <a:lt2>
+          <a:srgbClr val="969696"/>
+        </a:lt2>
+        <a:accent1>
+          <a:srgbClr val="FBDF53"/>
+        </a:accent1>
+        <a:accent2>
+          <a:srgbClr val="FF9966"/>
+        </a:accent2>
+        <a:accent3>
+          <a:srgbClr val="FFFFFF"/>
+        </a:accent3>
+        <a:accent4>
+          <a:srgbClr val="000000"/>
+        </a:accent4>
+        <a:accent5>
+          <a:srgbClr val="FDECB4"/>
+        </a:accent5>
+        <a:accent6>
+          <a:srgbClr val="E5895B"/>
+        </a:accent6>
+        <a:hlink>
+          <a:srgbClr val="CC3300"/>
+        </a:hlink>
+        <a:folHlink>
+          <a:srgbClr val="996600"/>
+        </a:folHlink>
+      </a:clrScheme>
+      <a:clrMap bg1="lt1" tx1="dk1" bg2="lt2" tx2="dk2" accent1="accent1" accent2="accent2" accent3="accent3" accent4="accent4" accent5="accent5" accent6="accent6" hlink="hlink" folHlink="folHlink"/>
+    </a:extraClrScheme>
+    <a:extraClrScheme>
+      <a:clrScheme name="">
+        <a:dk1>
+          <a:srgbClr val="000000"/>
+        </a:dk1>
+        <a:lt1>
+          <a:srgbClr val="FFFFFF"/>
+        </a:lt1>
+        <a:dk2>
+          <a:srgbClr val="000000"/>
+        </a:dk2>
+        <a:lt2>
+          <a:srgbClr val="808080"/>
+        </a:lt2>
+        <a:accent1>
+          <a:srgbClr val="99CCFF"/>
+        </a:accent1>
+        <a:accent2>
+          <a:srgbClr val="CCCCFF"/>
+        </a:accent2>
+        <a:accent3>
+          <a:srgbClr val="FFFFFF"/>
+        </a:accent3>
+        <a:accent4>
+          <a:srgbClr val="000000"/>
+        </a:accent4>
+        <a:accent5>
+          <a:srgbClr val="CAE2FF"/>
+        </a:accent5>
+        <a:accent6>
+          <a:srgbClr val="B7B7E5"/>
+        </a:accent6>
+        <a:hlink>
+          <a:srgbClr val="3333CC"/>
+        </a:hlink>
+        <a:folHlink>
+          <a:srgbClr val="AF67FF"/>
+        </a:folHlink>
+      </a:clrScheme>
+      <a:clrMap bg1="lt1" tx1="dk1" bg2="lt2" tx2="dk2" accent1="accent1" accent2="accent2" accent3="accent3" accent4="accent4" accent5="accent5" accent6="accent6" hlink="hlink" folHlink="folHlink"/>
+    </a:extraClrScheme>
+    <a:extraClrScheme>
+      <a:clrScheme name="">
+        <a:dk1>
+          <a:srgbClr val="000000"/>
+        </a:dk1>
+        <a:lt1>
+          <a:srgbClr val="DEF6F1"/>
+        </a:lt1>
+        <a:dk2>
+          <a:srgbClr val="000000"/>
+        </a:dk2>
+        <a:lt2>
+          <a:srgbClr val="969696"/>
+        </a:lt2>
+        <a:accent1>
+          <a:srgbClr val="FFFFFF"/>
+        </a:accent1>
+        <a:accent2>
+          <a:srgbClr val="8DC6FF"/>
+        </a:accent2>
+        <a:accent3>
+          <a:srgbClr val="EBFAF7"/>
+        </a:accent3>
+        <a:accent4>
+          <a:srgbClr val="000000"/>
+        </a:accent4>
+        <a:accent5>
+          <a:srgbClr val="FFFFFF"/>
+        </a:accent5>
+        <a:accent6>
+          <a:srgbClr val="7EB1E5"/>
+        </a:accent6>
+        <a:hlink>
+          <a:srgbClr val="0066CC"/>
+        </a:hlink>
+        <a:folHlink>
+          <a:srgbClr val="00A800"/>
+        </a:folHlink>
+      </a:clrScheme>
+      <a:clrMap bg1="lt1" tx1="dk1" bg2="lt2" tx2="dk2" accent1="accent1" accent2="accent2" accent3="accent3" accent4="accent4" accent5="accent5" accent6="accent6" hlink="hlink" folHlink="folHlink"/>
+    </a:extraClrScheme>
+    <a:extraClrScheme>
+      <a:clrScheme name="">
+        <a:dk1>
+          <a:srgbClr val="000000"/>
+        </a:dk1>
+        <a:lt1>
+          <a:srgbClr val="FFFFD9"/>
+        </a:lt1>
+        <a:dk2>
+          <a:srgbClr val="000000"/>
+        </a:dk2>
+        <a:lt2>
+          <a:srgbClr val="777777"/>
+        </a:lt2>
+        <a:accent1>
+          <a:srgbClr val="FFFFF7"/>
+        </a:accent1>
+        <a:accent2>
+          <a:srgbClr val="33CCCC"/>
+        </a:accent2>
+        <a:accent3>
+          <a:srgbClr val="FFFFE9"/>
+        </a:accent3>
+        <a:accent4>
+          <a:srgbClr val="000000"/>
+        </a:accent4>
+        <a:accent5>
+          <a:srgbClr val="FFFFFA"/>
+        </a:accent5>
+        <a:accent6>
+          <a:srgbClr val="2DB7B7"/>
+        </a:accent6>
+        <a:hlink>
+          <a:srgbClr val="FF5050"/>
+        </a:hlink>
+        <a:folHlink>
+          <a:srgbClr val="FF9900"/>
+        </a:folHlink>
+      </a:clrScheme>
+      <a:clrMap bg1="lt1" tx1="dk1" bg2="lt2" tx2="dk2" accent1="accent1" accent2="accent2" accent3="accent3" accent4="accent4" accent5="accent5" accent6="accent6" hlink="hlink" folHlink="folHlink"/>
+    </a:extraClrScheme>
+    <a:extraClrScheme>
+      <a:clrScheme name="">
+        <a:dk1>
+          <a:srgbClr val="FFFFFF"/>
+        </a:dk1>
+        <a:lt1>
+          <a:srgbClr val="008080"/>
+        </a:lt1>
+        <a:dk2>
+          <a:srgbClr val="FFFF99"/>
+        </a:dk2>
+        <a:lt2>
+          <a:srgbClr val="005A58"/>
+        </a:lt2>
+        <a:accent1>
+          <a:srgbClr val="006462"/>
+        </a:accent1>
+        <a:accent2>
+          <a:srgbClr val="6D6FC7"/>
+        </a:accent2>
+        <a:accent3>
+          <a:srgbClr val="AAC1C1"/>
+        </a:accent3>
+        <a:accent4>
+          <a:srgbClr val="DCDCDC"/>
+        </a:accent4>
+        <a:accent5>
+          <a:srgbClr val="AAB8B8"/>
+        </a:accent5>
+        <a:accent6>
+          <a:srgbClr val="6163B2"/>
+        </a:accent6>
+        <a:hlink>
+          <a:srgbClr val="00FFFF"/>
+        </a:hlink>
+        <a:folHlink>
+          <a:srgbClr val="00FF00"/>
+        </a:folHlink>
+      </a:clrScheme>
+      <a:clrMap bg1="lt1" tx1="dk1" bg2="lt2" tx2="dk2" accent1="accent1" accent2="accent2" accent3="accent3" accent4="accent4" accent5="accent5" accent6="accent6" hlink="hlink" folHlink="folHlink"/>
+    </a:extraClrScheme>
+    <a:extraClrScheme>
+      <a:clrScheme name="">
+        <a:dk1>
+          <a:srgbClr val="FFFFFF"/>
+        </a:dk1>
+        <a:lt1>
+          <a:srgbClr val="800000"/>
+        </a:lt1>
+        <a:dk2>
+          <a:srgbClr val="DFD293"/>
+        </a:dk2>
+        <a:lt2>
+          <a:srgbClr val="5C1F00"/>
+        </a:lt2>
+        <a:accent1>
+          <a:srgbClr val="CC3300"/>
+        </a:accent1>
+        <a:accent2>
+          <a:srgbClr val="BE7960"/>
+        </a:accent2>
+        <a:accent3>
+          <a:srgbClr val="C1AAAA"/>
+        </a:accent3>
+        <a:accent4>
+          <a:srgbClr val="DCDCDC"/>
+        </a:accent4>
+        <a:accent5>
+          <a:srgbClr val="E2ADAA"/>
+        </a:accent5>
+        <a:accent6>
+          <a:srgbClr val="AA6C55"/>
+        </a:accent6>
+        <a:hlink>
+          <a:srgbClr val="FFFF99"/>
+        </a:hlink>
+        <a:folHlink>
+          <a:srgbClr val="D3A219"/>
+        </a:folHlink>
+      </a:clrScheme>
+      <a:clrMap bg1="lt1" tx1="dk1" bg2="lt2" tx2="dk2" accent1="accent1" accent2="accent2" accent3="accent3" accent4="accent4" accent5="accent5" accent6="accent6" hlink="hlink" folHlink="folHlink"/>
+    </a:extraClrScheme>
+    <a:extraClrScheme>
+      <a:clrScheme name="">
+        <a:dk1>
+          <a:srgbClr val="FFFFFF"/>
+        </a:dk1>
+        <a:lt1>
+          <a:srgbClr val="000099"/>
+        </a:lt1>
+        <a:dk2>
+          <a:srgbClr val="CCFFFF"/>
+        </a:dk2>
+        <a:lt2>
+          <a:srgbClr val="003366"/>
+        </a:lt2>
+        <a:accent1>
+          <a:srgbClr val="3366CC"/>
+        </a:accent1>
+        <a:accent2>
+          <a:srgbClr val="00B000"/>
+        </a:accent2>
+        <a:accent3>
+          <a:srgbClr val="AAAACA"/>
+        </a:accent3>
+        <a:accent4>
+          <a:srgbClr val="DCDCDC"/>
+        </a:accent4>
+        <a:accent5>
+          <a:srgbClr val="ADB9E2"/>
+        </a:accent5>
+        <a:accent6>
+          <a:srgbClr val="009D00"/>
+        </a:accent6>
+        <a:hlink>
+          <a:srgbClr val="66CCFF"/>
+        </a:hlink>
+        <a:folHlink>
+          <a:srgbClr val="FFE701"/>
+        </a:folHlink>
+      </a:clrScheme>
+      <a:clrMap bg1="lt1" tx1="dk1" bg2="lt2" tx2="dk2" accent1="accent1" accent2="accent2" accent3="accent3" accent4="accent4" accent5="accent5" accent6="accent6" hlink="hlink" folHlink="folHlink"/>
+    </a:extraClrScheme>
+    <a:extraClrScheme>
+      <a:clrScheme name="">
+        <a:dk1>
+          <a:srgbClr val="FFFFFF"/>
+        </a:dk1>
+        <a:lt1>
+          <a:srgbClr val="000000"/>
+        </a:lt1>
+        <a:dk2>
+          <a:srgbClr val="E3EBF1"/>
+        </a:dk2>
+        <a:lt2>
+          <a:srgbClr val="336699"/>
+        </a:lt2>
+        <a:accent1>
+          <a:srgbClr val="003399"/>
+        </a:accent1>
+        <a:accent2>
+          <a:srgbClr val="468A4B"/>
+        </a:accent2>
+        <a:accent3>
+          <a:srgbClr val="AAAAAA"/>
+        </a:accent3>
+        <a:accent4>
+          <a:srgbClr val="DCDCDC"/>
+        </a:accent4>
+        <a:accent5>
+          <a:srgbClr val="AAADCA"/>
+        </a:accent5>
+        <a:accent6>
+          <a:srgbClr val="3E7B43"/>
+        </a:accent6>
+        <a:hlink>
+          <a:srgbClr val="66CCFF"/>
+        </a:hlink>
+        <a:folHlink>
+          <a:srgbClr val="F0E500"/>
+        </a:folHlink>
+      </a:clrScheme>
+      <a:clrMap bg1="lt1" tx1="dk1" bg2="lt2" tx2="dk2" accent1="accent1" accent2="accent2" accent3="accent3" accent4="accent4" accent5="accent5" accent6="accent6" hlink="hlink" folHlink="folHlink"/>
+    </a:extraClrScheme>
+    <a:extraClrScheme>
+      <a:clrScheme name="">
+        <a:dk1>
+          <a:srgbClr val="FFFFFF"/>
+        </a:dk1>
+        <a:lt1>
+          <a:srgbClr val="686B5D"/>
+        </a:lt1>
+        <a:dk2>
+          <a:srgbClr val="D1D1CB"/>
+        </a:dk2>
+        <a:lt2>
+          <a:srgbClr val="777777"/>
+        </a:lt2>
+        <a:accent1>
+          <a:srgbClr val="909082"/>
+        </a:accent1>
+        <a:accent2>
+          <a:srgbClr val="809EA8"/>
+        </a:accent2>
+        <a:accent3>
+          <a:srgbClr val="B9BAB6"/>
+        </a:accent3>
+        <a:accent4>
+          <a:srgbClr val="DCDCDC"/>
+        </a:accent4>
+        <a:accent5>
+          <a:srgbClr val="C7C7C1"/>
+        </a:accent5>
+        <a:accent6>
+          <a:srgbClr val="728D96"/>
+        </a:accent6>
+        <a:hlink>
+          <a:srgbClr val="FFCC66"/>
+        </a:hlink>
+        <a:folHlink>
+          <a:srgbClr val="E9DCB9"/>
+        </a:folHlink>
+      </a:clrScheme>
+      <a:clrMap bg1="lt1" tx1="dk1" bg2="lt2" tx2="dk2" accent1="accent1" accent2="accent2" accent3="accent3" accent4="accent4" accent5="accent5" accent6="accent6" hlink="hlink" folHlink="folHlink"/>
+    </a:extraClrScheme>
+    <a:extraClrScheme>
+      <a:clrScheme name="">
+        <a:dk1>
+          <a:srgbClr val="FFFFFF"/>
+        </a:dk1>
+        <a:lt1>
+          <a:srgbClr val="666699"/>
+        </a:lt1>
+        <a:dk2>
+          <a:srgbClr val="FFFFFF"/>
+        </a:dk2>
+        <a:lt2>
+          <a:srgbClr val="3E3E5C"/>
+        </a:lt2>
+        <a:accent1>
+          <a:srgbClr val="60597B"/>
+        </a:accent1>
+        <a:accent2>
+          <a:srgbClr val="6666FF"/>
+        </a:accent2>
+        <a:accent3>
+          <a:srgbClr val="B9B9CA"/>
+        </a:accent3>
+        <a:accent4>
+          <a:srgbClr val="DCDCDC"/>
+        </a:accent4>
+        <a:accent5>
+          <a:srgbClr val="B7B5BF"/>
+        </a:accent5>
+        <a:accent6>
+          <a:srgbClr val="5B5BE5"/>
+        </a:accent6>
+        <a:hlink>
+          <a:srgbClr val="99CCFF"/>
+        </a:hlink>
+        <a:folHlink>
+          <a:srgbClr val="FFFF99"/>
+        </a:folHlink>
+      </a:clrScheme>
+      <a:clrMap bg1="lt1" tx1="dk1" bg2="lt2" tx2="dk2" accent1="accent1" accent2="accent2" accent3="accent3" accent4="accent4" accent5="accent5" accent6="accent6" hlink="hlink" folHlink="folHlink"/>
+    </a:extraClrScheme>
+    <a:extraClrScheme>
+      <a:clrScheme name="">
+        <a:dk1>
+          <a:srgbClr val="FFFFFF"/>
+        </a:dk1>
+        <a:lt1>
+          <a:srgbClr val="523E26"/>
+        </a:lt1>
+        <a:dk2>
+          <a:srgbClr val="DFC08D"/>
+        </a:dk2>
+        <a:lt2>
+          <a:srgbClr val="2D2015"/>
+        </a:lt2>
+        <a:accent1>
+          <a:srgbClr val="8C7B70"/>
+        </a:accent1>
+        <a:accent2>
+          <a:srgbClr val="8F5F2F"/>
+        </a:accent2>
+        <a:accent3>
+          <a:srgbClr val="B3AFAB"/>
+        </a:accent3>
+        <a:accent4>
+          <a:srgbClr val="DCDCDC"/>
+        </a:accent4>
+        <a:accent5>
+          <a:srgbClr val="C5BFBC"/>
+        </a:accent5>
+        <a:accent6>
+          <a:srgbClr val="805529"/>
+        </a:accent6>
+        <a:hlink>
+          <a:srgbClr val="CCB400"/>
+        </a:hlink>
+        <a:folHlink>
+          <a:srgbClr val="8C9EA0"/>
+        </a:folHlink>
+      </a:clrScheme>
+      <a:clrMap bg1="lt1" tx1="dk1" bg2="lt2" tx2="dk2" accent1="accent1" accent2="accent2" accent3="accent3" accent4="accent4" accent5="accent5" accent6="accent6" hlink="hlink" folHlink="folHlink"/>
+    </a:extraClrScheme>
+    <a:extraClrScheme>
+      <a:clrScheme name="">
+        <a:dk1>
+          <a:srgbClr val="000000"/>
+        </a:dk1>
+        <a:lt1>
+          <a:srgbClr val="FFFFFF"/>
+        </a:lt1>
+        <a:dk2>
+          <a:srgbClr val="000000"/>
+        </a:dk2>
+        <a:lt2>
+          <a:srgbClr val="808080"/>
+        </a:lt2>
+        <a:accent1>
+          <a:srgbClr val="7DB6EF"/>
+        </a:accent1>
+        <a:accent2>
+          <a:srgbClr val="C0504D"/>
+        </a:accent2>
+        <a:accent3>
+          <a:srgbClr val="FFFFFF"/>
+        </a:accent3>
+        <a:accent4>
+          <a:srgbClr val="000000"/>
+        </a:accent4>
+        <a:accent5>
+          <a:srgbClr val="C0D7F5"/>
+        </a:accent5>
+        <a:accent6>
+          <a:srgbClr val="AC4744"/>
+        </a:accent6>
+        <a:hlink>
+          <a:srgbClr val="0066CC"/>
+        </a:hlink>
+        <a:folHlink>
+          <a:srgbClr val="800080"/>
+        </a:folHlink>
+      </a:clrScheme>
+      <a:clrMap bg1="lt1" tx1="dk1" bg2="lt2" tx2="dk2" accent1="accent1" accent2="accent2" accent3="accent3" accent4="accent4" accent5="accent5" accent6="accent6" hlink="hlink" folHlink="folHlink"/>
+    </a:extraClrScheme>
+  </a:extraClrSchemeLst>
   <a:extLst>
     <a:ext uri="{05A4C25C-085E-4340-85A3-A5531E510DB2}">
       <thm15:themeFamily xmlns:thm15="http://schemas.microsoft.com/office/thememl/2012/main" name="Office Theme" id="{62F939B6-93AF-4DB8-9C6B-D6C7DFDC589F}" vid="{4A3C46E8-61CC-4603-A589-7422A47A8E4A}"/>

--- a/PCI Express.pptx
+++ b/PCI Express.pptx
@@ -8,22 +8,21 @@
     <p:notesMasterId r:id="rId4"/>
   </p:notesMasterIdLst>
   <p:handoutMasterIdLst>
-    <p:handoutMasterId r:id="rId17"/>
+    <p:handoutMasterId r:id="rId16"/>
   </p:handoutMasterIdLst>
   <p:sldIdLst>
     <p:sldId id="256" r:id="rId3"/>
     <p:sldId id="257" r:id="rId5"/>
     <p:sldId id="259" r:id="rId6"/>
     <p:sldId id="260" r:id="rId7"/>
-    <p:sldId id="262" r:id="rId8"/>
-    <p:sldId id="263" r:id="rId9"/>
-    <p:sldId id="264" r:id="rId10"/>
-    <p:sldId id="265" r:id="rId11"/>
-    <p:sldId id="266" r:id="rId12"/>
-    <p:sldId id="267" r:id="rId13"/>
-    <p:sldId id="268" r:id="rId14"/>
-    <p:sldId id="269" r:id="rId15"/>
-    <p:sldId id="258" r:id="rId16"/>
+    <p:sldId id="263" r:id="rId8"/>
+    <p:sldId id="264" r:id="rId9"/>
+    <p:sldId id="265" r:id="rId10"/>
+    <p:sldId id="266" r:id="rId11"/>
+    <p:sldId id="267" r:id="rId12"/>
+    <p:sldId id="268" r:id="rId13"/>
+    <p:sldId id="269" r:id="rId14"/>
+    <p:sldId id="258" r:id="rId15"/>
   </p:sldIdLst>
   <p:sldSz cx="12192000" cy="6858000"/>
   <p:notesSz cx="7103745" cy="10234295"/>
@@ -719,50 +718,6 @@
 </file>
 
 <file path=ppt/notesSlides/notesSlide11.xml><?xml version="1.0" encoding="utf-8"?>
-<p:notes xmlns:a="http://schemas.openxmlformats.org/drawingml/2006/main" xmlns:r="http://schemas.openxmlformats.org/officeDocument/2006/relationships" xmlns:p="http://schemas.openxmlformats.org/presentationml/2006/main">
-  <p:cSld>
-    <p:spTree>
-      <p:nvGrpSpPr>
-        <p:cNvPr id="1" name=""/>
-        <p:cNvGrpSpPr/>
-        <p:nvPr/>
-      </p:nvGrpSpPr>
-      <p:grpSpPr/>
-      <p:sp>
-        <p:nvSpPr>
-          <p:cNvPr id="2" name="Slide Image Placeholder 1"/>
-          <p:cNvSpPr/>
-          <p:nvPr>
-            <p:ph type="sldImg" idx="2"/>
-          </p:nvPr>
-        </p:nvSpPr>
-        <p:spPr/>
-      </p:sp>
-      <p:sp>
-        <p:nvSpPr>
-          <p:cNvPr id="3" name="Text Placeholder 2"/>
-          <p:cNvSpPr/>
-          <p:nvPr>
-            <p:ph type="body" idx="3"/>
-          </p:nvPr>
-        </p:nvSpPr>
-        <p:spPr/>
-        <p:txBody>
-          <a:bodyPr/>
-          <a:p>
-            <a:endParaRPr lang="en-US"/>
-          </a:p>
-        </p:txBody>
-      </p:sp>
-    </p:spTree>
-  </p:cSld>
-  <p:clrMapOvr>
-    <a:masterClrMapping/>
-  </p:clrMapOvr>
-</p:notes>
-</file>
-
-<file path=ppt/notesSlides/notesSlide12.xml><?xml version="1.0" encoding="utf-8"?>
 <p:notes xmlns:a="http://schemas.openxmlformats.org/drawingml/2006/main" xmlns:r="http://schemas.openxmlformats.org/officeDocument/2006/relationships" xmlns:p="http://schemas.openxmlformats.org/presentationml/2006/main">
   <p:cSld>
     <p:spTree>
@@ -4459,7 +4414,7 @@
                 </a:solidFill>
                 <a:latin typeface="Calibri" charset="0"/>
               </a:rPr>
-              <a:t>1. Physical Layer</a:t>
+              <a:t>2. Data Link Layer</a:t>
             </a:r>
             <a:endParaRPr lang="de-DE" altLang="en-US">
               <a:solidFill>
@@ -4512,7 +4467,7 @@
       </p:sp>
       <p:pic>
         <p:nvPicPr>
-          <p:cNvPr id="5" name="Picture Placeholder 4" descr="/home/dinera/Dokumente/Studium/Digitale Signalverarbeitung/layer_physical.pnglayer_physical"/>
+          <p:cNvPr id="5" name="Picture Placeholder 4" descr="/home/dinera/Dokumente/Studium/Digitale Signalverarbeitung/layer_datalink.pnglayer_datalink"/>
           <p:cNvPicPr>
             <a:picLocks noChangeAspect="true"/>
           </p:cNvPicPr>
@@ -4529,8 +4484,8 @@
         </p:blipFill>
         <p:spPr>
           <a:xfrm>
-            <a:off x="6697663" y="1274763"/>
-            <a:ext cx="5285105" cy="2300605"/>
+            <a:off x="6721476" y="945198"/>
+            <a:ext cx="5284470" cy="2300605"/>
           </a:xfrm>
           <a:prstGeom prst="rect">
             <a:avLst/>
@@ -4610,157 +4565,6 @@
                 </a:solidFill>
                 <a:latin typeface="Calibri" charset="0"/>
               </a:rPr>
-              <a:t>2. Data Link Layer</a:t>
-            </a:r>
-            <a:endParaRPr lang="de-DE" altLang="en-US">
-              <a:solidFill>
-                <a:schemeClr val="tx1"/>
-              </a:solidFill>
-              <a:latin typeface="Calibri" charset="0"/>
-            </a:endParaRPr>
-          </a:p>
-        </p:txBody>
-      </p:sp>
-      <p:sp>
-        <p:nvSpPr>
-          <p:cNvPr id="8" name="Text Placeholder 7"/>
-          <p:cNvSpPr>
-            <a:spLocks noGrp="true"/>
-          </p:cNvSpPr>
-          <p:nvPr>
-            <p:ph type="body" sz="half" idx="2"/>
-          </p:nvPr>
-        </p:nvSpPr>
-        <p:spPr>
-          <a:xfrm>
-            <a:off x="839788" y="2057400"/>
-            <a:ext cx="3932237" cy="3811588"/>
-          </a:xfrm>
-        </p:spPr>
-        <p:txBody>
-          <a:bodyPr>
-            <a:normAutofit lnSpcReduction="20000"/>
-          </a:bodyPr>
-          <a:p>
-            <a:pPr marL="285750" indent="-285750">
-              <a:buFont typeface="Arial" panose="02080604020202020204" pitchFamily="34" charset="0"/>
-              <a:buChar char="•"/>
-            </a:pPr>
-            <a:endParaRPr lang="de-DE" altLang="en-US">
-              <a:latin typeface="Calibri" charset="0"/>
-            </a:endParaRPr>
-          </a:p>
-          <a:p>
-            <a:pPr marL="285750" indent="-285750">
-              <a:buFont typeface="Arial" panose="02080604020202020204" pitchFamily="34" charset="0"/>
-              <a:buChar char="•"/>
-            </a:pPr>
-            <a:endParaRPr lang="de-DE" altLang="en-US">
-              <a:latin typeface="Calibri" charset="0"/>
-            </a:endParaRPr>
-          </a:p>
-        </p:txBody>
-      </p:sp>
-      <p:pic>
-        <p:nvPicPr>
-          <p:cNvPr id="5" name="Picture Placeholder 4" descr="/home/dinera/Dokumente/Studium/Digitale Signalverarbeitung/layer_datalink.pnglayer_datalink"/>
-          <p:cNvPicPr>
-            <a:picLocks noChangeAspect="true"/>
-          </p:cNvPicPr>
-          <p:nvPr>
-            <p:ph type="pic" idx="1"/>
-          </p:nvPr>
-        </p:nvPicPr>
-        <p:blipFill>
-          <a:blip r:embed="rId2"/>
-          <a:srcRect/>
-          <a:stretch>
-            <a:fillRect/>
-          </a:stretch>
-        </p:blipFill>
-        <p:spPr>
-          <a:xfrm>
-            <a:off x="6697981" y="1261428"/>
-            <a:ext cx="5284470" cy="2300605"/>
-          </a:xfrm>
-          <a:prstGeom prst="rect">
-            <a:avLst/>
-          </a:prstGeom>
-        </p:spPr>
-      </p:pic>
-    </p:spTree>
-  </p:cSld>
-  <p:clrMapOvr>
-    <a:masterClrMapping/>
-  </p:clrMapOvr>
-</p:sld>
-</file>
-
-<file path=ppt/slides/slide12.xml><?xml version="1.0" encoding="utf-8"?>
-<p:sld xmlns:a="http://schemas.openxmlformats.org/drawingml/2006/main" xmlns:r="http://schemas.openxmlformats.org/officeDocument/2006/relationships" xmlns:p="http://schemas.openxmlformats.org/presentationml/2006/main">
-  <p:cSld>
-    <p:bg>
-      <p:bgPr>
-        <a:blipFill rotWithShape="true">
-          <a:blip r:embed="rId1"/>
-          <a:stretch>
-            <a:fillRect/>
-          </a:stretch>
-        </a:blipFill>
-        <a:effectLst/>
-      </p:bgPr>
-    </p:bg>
-    <p:spTree>
-      <p:nvGrpSpPr>
-        <p:cNvPr id="1" name=""/>
-        <p:cNvGrpSpPr/>
-        <p:nvPr/>
-      </p:nvGrpSpPr>
-      <p:grpSpPr/>
-      <p:sp>
-        <p:nvSpPr>
-          <p:cNvPr id="2" name="Title 1"/>
-          <p:cNvSpPr>
-            <a:spLocks noGrp="true"/>
-          </p:cNvSpPr>
-          <p:nvPr>
-            <p:ph type="title"/>
-          </p:nvPr>
-        </p:nvSpPr>
-        <p:spPr>
-          <a:xfrm>
-            <a:off x="840105" y="457200"/>
-            <a:ext cx="5294630" cy="897255"/>
-          </a:xfrm>
-        </p:spPr>
-        <p:txBody>
-          <a:bodyPr/>
-          <a:p>
-            <a:pPr marL="0" indent="0" algn="l"/>
-            <a:r>
-              <a:rPr lang="de-DE" altLang="en-US">
-                <a:solidFill>
-                  <a:schemeClr val="tx1"/>
-                </a:solidFill>
-                <a:latin typeface="Calibri" charset="0"/>
-              </a:rPr>
-              <a:t>PCIe Protocol</a:t>
-            </a:r>
-            <a:br>
-              <a:rPr lang="de-DE" altLang="en-US">
-                <a:solidFill>
-                  <a:schemeClr val="tx1"/>
-                </a:solidFill>
-                <a:latin typeface="Calibri" charset="0"/>
-              </a:rPr>
-            </a:br>
-            <a:r>
-              <a:rPr lang="de-DE" altLang="en-US">
-                <a:solidFill>
-                  <a:schemeClr val="tx1"/>
-                </a:solidFill>
-                <a:latin typeface="Calibri" charset="0"/>
-              </a:rPr>
               <a:t>3. Transaction Layer</a:t>
             </a:r>
             <a:endParaRPr lang="de-DE" altLang="en-US">
@@ -4847,7 +4651,7 @@
 </p:sld>
 </file>
 
-<file path=ppt/slides/slide13.xml><?xml version="1.0" encoding="utf-8"?>
+<file path=ppt/slides/slide12.xml><?xml version="1.0" encoding="utf-8"?>
 <p:sld xmlns:a="http://schemas.openxmlformats.org/drawingml/2006/main" xmlns:r="http://schemas.openxmlformats.org/officeDocument/2006/relationships" xmlns:p="http://schemas.openxmlformats.org/presentationml/2006/main" showMasterSp="0">
   <p:cSld>
     <p:bg>
@@ -5562,7 +5366,7 @@
         </p:blipFill>
         <p:spPr>
           <a:xfrm>
-            <a:off x="5302250" y="1113790"/>
+            <a:off x="5730875" y="1249680"/>
             <a:ext cx="5934075" cy="4619625"/>
           </a:xfrm>
           <a:prstGeom prst="rect">
@@ -5672,8 +5476,83 @@
         </p:spPr>
         <p:txBody>
           <a:bodyPr>
-            <a:normAutofit lnSpcReduction="20000"/>
+            <a:normAutofit/>
           </a:bodyPr>
+          <a:p>
+            <a:pPr marL="285750" indent="-285750">
+              <a:buFont typeface="Arial" panose="02080604020202020204" pitchFamily="34" charset="0"/>
+              <a:buChar char="•"/>
+            </a:pPr>
+            <a:r>
+              <a:rPr lang="de-DE" altLang="en-US">
+                <a:latin typeface="Calibri" charset="0"/>
+              </a:rPr>
+              <a:t>Einheit, die den Speicher und die CPU mit den Endpoints verbindet</a:t>
+            </a:r>
+            <a:endParaRPr lang="de-DE" altLang="en-US">
+              <a:latin typeface="Calibri" charset="0"/>
+            </a:endParaRPr>
+          </a:p>
+          <a:p>
+            <a:pPr marL="285750" indent="-285750">
+              <a:buFont typeface="Arial" panose="02080604020202020204" pitchFamily="34" charset="0"/>
+              <a:buChar char="•"/>
+            </a:pPr>
+            <a:r>
+              <a:rPr lang="de-DE" altLang="en-US">
+                <a:latin typeface="Calibri" charset="0"/>
+              </a:rPr>
+              <a:t>Der RC kann 256-Byte-Payload-Datenpakete in 128-Byte-Payload-Datenpakete aufteilen um echte Peer to Peer Verbindungen aufzubauen. Nachteil ist ein Performance Einbruch</a:t>
+            </a:r>
+            <a:endParaRPr lang="de-DE" altLang="en-US">
+              <a:latin typeface="Calibri" charset="0"/>
+            </a:endParaRPr>
+          </a:p>
+          <a:p>
+            <a:pPr marL="285750" indent="-285750">
+              <a:buFont typeface="Arial" panose="02080604020202020204" pitchFamily="34" charset="0"/>
+              <a:buChar char="•"/>
+            </a:pPr>
+            <a:r>
+              <a:rPr lang="de-DE" altLang="en-US">
+                <a:latin typeface="Calibri" charset="0"/>
+              </a:rPr>
+              <a:t>Ein RC muss als Requester arbeten (Host)</a:t>
+            </a:r>
+            <a:endParaRPr lang="de-DE" altLang="en-US">
+              <a:latin typeface="Calibri" charset="0"/>
+            </a:endParaRPr>
+          </a:p>
+          <a:p>
+            <a:pPr marL="742950" lvl="1" indent="-285750">
+              <a:buFont typeface="Arial" panose="02080604020202020204" pitchFamily="34" charset="0"/>
+              <a:buChar char="•"/>
+            </a:pPr>
+            <a:r>
+              <a:rPr lang="de-DE" altLang="en-US" sz="1050">
+                <a:latin typeface="Calibri" charset="0"/>
+              </a:rPr>
+              <a:t>Verbindungskonfigurationen aushandeln</a:t>
+            </a:r>
+            <a:endParaRPr lang="de-DE" altLang="en-US" sz="1050">
+              <a:latin typeface="Calibri" charset="0"/>
+            </a:endParaRPr>
+          </a:p>
+          <a:p>
+            <a:pPr marL="742950" lvl="1" indent="-285750">
+              <a:buFont typeface="Arial" panose="02080604020202020204" pitchFamily="34" charset="0"/>
+              <a:buChar char="•"/>
+            </a:pPr>
+            <a:r>
+              <a:rPr lang="de-DE" altLang="en-US" sz="1050">
+                <a:latin typeface="Calibri" charset="0"/>
+              </a:rPr>
+              <a:t>routing der Informationen an die entsprechende Komponente (CPU, Speicher, Endpoint)</a:t>
+            </a:r>
+            <a:endParaRPr lang="de-DE" altLang="en-US">
+              <a:latin typeface="Calibri" charset="0"/>
+            </a:endParaRPr>
+          </a:p>
           <a:p>
             <a:pPr marL="285750" indent="-285750">
               <a:buFont typeface="Arial" panose="02080604020202020204" pitchFamily="34" charset="0"/>
@@ -5683,20 +5562,11 @@
               <a:latin typeface="Calibri" charset="0"/>
             </a:endParaRPr>
           </a:p>
-          <a:p>
-            <a:pPr marL="285750" indent="-285750">
-              <a:buFont typeface="Arial" panose="02080604020202020204" pitchFamily="34" charset="0"/>
-              <a:buChar char="•"/>
-            </a:pPr>
-            <a:endParaRPr lang="de-DE" altLang="en-US">
-              <a:latin typeface="Calibri" charset="0"/>
-            </a:endParaRPr>
-          </a:p>
         </p:txBody>
       </p:sp>
       <p:pic>
         <p:nvPicPr>
-          <p:cNvPr id="5" name="Picture Placeholder 4" descr="topologie"/>
+          <p:cNvPr id="5" name="Picture Placeholder 4" descr="/home/dinera/Dokumente/Studium/Digitale Signalverarbeitung/root complex.pngroot complex"/>
           <p:cNvPicPr>
             <a:picLocks noChangeAspect="true"/>
           </p:cNvPicPr>
@@ -5706,15 +5576,15 @@
         </p:nvPicPr>
         <p:blipFill>
           <a:blip r:embed="rId2"/>
-          <a:srcRect l="685" t="-467" r="-845" b="11395"/>
+          <a:srcRect/>
           <a:stretch>
             <a:fillRect/>
           </a:stretch>
         </p:blipFill>
         <p:spPr>
           <a:xfrm>
-            <a:off x="5212080" y="1097280"/>
-            <a:ext cx="5943600" cy="4114800"/>
+            <a:off x="5858828" y="1070610"/>
+            <a:ext cx="5285105" cy="4114800"/>
           </a:xfrm>
           <a:prstGeom prst="rect">
             <a:avLst/>
@@ -5794,7 +5664,7 @@
                 </a:solidFill>
                 <a:latin typeface="Calibri" charset="0"/>
               </a:rPr>
-              <a:t>1. Root Complex</a:t>
+              <a:t>2. End Points</a:t>
             </a:r>
             <a:endParaRPr lang="de-DE" altLang="en-US">
               <a:solidFill>
@@ -5823,7 +5693,7 @@
         </p:spPr>
         <p:txBody>
           <a:bodyPr>
-            <a:normAutofit lnSpcReduction="20000"/>
+            <a:normAutofit/>
           </a:bodyPr>
           <a:p>
             <a:pPr marL="285750" indent="-285750">
@@ -5839,15 +5709,226 @@
               <a:buFont typeface="Arial" panose="02080604020202020204" pitchFamily="34" charset="0"/>
               <a:buChar char="•"/>
             </a:pPr>
+            <a:r>
+              <a:rPr lang="de-DE" altLang="en-US">
+                <a:latin typeface="Calibri" charset="0"/>
+              </a:rPr>
+              <a:t>Endspoints können Requester (z.B. Switch) und Completer (z.B. Soundkarte, SATA-Controller) sein. Als Endpoint gilt jeder Teilnehmer, der eine PCIe-Strecke abschließt.</a:t>
+            </a:r>
             <a:endParaRPr lang="de-DE" altLang="en-US">
               <a:latin typeface="Calibri" charset="0"/>
             </a:endParaRPr>
           </a:p>
+          <a:p>
+            <a:pPr marL="285750" indent="-285750">
+              <a:buFont typeface="Arial" panose="02080604020202020204" pitchFamily="34" charset="0"/>
+              <a:buChar char="•"/>
+            </a:pPr>
+            <a:r>
+              <a:rPr lang="de-DE" altLang="en-US">
+                <a:latin typeface="Calibri" charset="0"/>
+              </a:rPr>
+              <a:t>Jeder Enpoint hat eine Funktion, die </a:t>
+            </a:r>
+            <a:endParaRPr lang="de-DE" altLang="en-US">
+              <a:latin typeface="Calibri" charset="0"/>
+            </a:endParaRPr>
+          </a:p>
+          <a:p>
+            <a:pPr marL="285750" indent="-285750">
+              <a:buFont typeface="Arial" panose="02080604020202020204" pitchFamily="34" charset="0"/>
+              <a:buChar char="•"/>
+            </a:pPr>
+            <a:r>
+              <a:rPr lang="de-DE" altLang="en-US">
+                <a:latin typeface="Calibri" charset="0"/>
+              </a:rPr>
+              <a:t>3 Arten von Endpooints:</a:t>
+            </a:r>
+            <a:endParaRPr lang="de-DE" altLang="en-US">
+              <a:latin typeface="Calibri" charset="0"/>
+            </a:endParaRPr>
+          </a:p>
+          <a:p>
+            <a:pPr marL="742950" lvl="1" indent="-285750">
+              <a:buFont typeface="Arial" panose="02080604020202020204" pitchFamily="34" charset="0"/>
+              <a:buChar char="•"/>
+            </a:pPr>
+            <a:r>
+              <a:rPr lang="de-DE" altLang="en-US">
+                <a:latin typeface="Calibri" charset="0"/>
+              </a:rPr>
+              <a:t>Legacy Endpoints</a:t>
+            </a:r>
+            <a:endParaRPr lang="de-DE" altLang="en-US">
+              <a:latin typeface="Calibri" charset="0"/>
+            </a:endParaRPr>
+          </a:p>
+          <a:p>
+            <a:pPr marL="1200150" lvl="2" indent="-285750">
+              <a:buFont typeface="Arial" panose="02080604020202020204" pitchFamily="34" charset="0"/>
+              <a:buChar char="•"/>
+            </a:pPr>
+            <a:r>
+              <a:rPr lang="de-DE" altLang="en-US">
+                <a:latin typeface="Calibri" charset="0"/>
+                <a:sym typeface="+mn-ea"/>
+              </a:rPr>
+              <a:t>32-Bit Adressen müssen unterstützt werden</a:t>
+            </a:r>
+            <a:endParaRPr lang="de-DE" altLang="en-US">
+              <a:latin typeface="Calibri" charset="0"/>
+            </a:endParaRPr>
+          </a:p>
+          <a:p>
+            <a:pPr marL="1200150" lvl="2" indent="-285750">
+              <a:buFont typeface="Arial" panose="02080604020202020204" pitchFamily="34" charset="0"/>
+              <a:buChar char="•"/>
+            </a:pPr>
+            <a:r>
+              <a:rPr lang="de-DE" altLang="en-US">
+                <a:latin typeface="Calibri" charset="0"/>
+              </a:rPr>
+              <a:t>max. 4GB Bandbreite</a:t>
+            </a:r>
+            <a:endParaRPr lang="de-DE" altLang="en-US">
+              <a:latin typeface="Calibri" charset="0"/>
+            </a:endParaRPr>
+          </a:p>
+          <a:p>
+            <a:pPr marL="742950" lvl="1" indent="-285750">
+              <a:buFont typeface="Arial" panose="02080604020202020204" pitchFamily="34" charset="0"/>
+              <a:buChar char="•"/>
+            </a:pPr>
+            <a:r>
+              <a:rPr lang="de-DE" altLang="en-US" sz="1050">
+                <a:latin typeface="Calibri" charset="0"/>
+              </a:rPr>
+              <a:t>PCIe Endpoints</a:t>
+            </a:r>
+            <a:endParaRPr lang="de-DE" altLang="en-US" sz="1050">
+              <a:latin typeface="Calibri" charset="0"/>
+            </a:endParaRPr>
+          </a:p>
+          <a:p>
+            <a:pPr marL="1200150" lvl="2" indent="-285750">
+              <a:buFont typeface="Arial" panose="02080604020202020204" pitchFamily="34" charset="0"/>
+              <a:buChar char="•"/>
+            </a:pPr>
+            <a:r>
+              <a:rPr lang="de-DE" altLang="en-US" sz="900">
+                <a:latin typeface="Calibri" charset="0"/>
+              </a:rPr>
+              <a:t>darf nicht von Betriebssystem I/O Ressourcen abhängen.</a:t>
+            </a:r>
+            <a:endParaRPr lang="de-DE" altLang="en-US" sz="900">
+              <a:latin typeface="Calibri" charset="0"/>
+            </a:endParaRPr>
+          </a:p>
+          <a:p>
+            <a:pPr marL="1200150" lvl="2" indent="-285750">
+              <a:buFont typeface="Arial" panose="02080604020202020204" pitchFamily="34" charset="0"/>
+              <a:buChar char="•"/>
+            </a:pPr>
+            <a:r>
+              <a:rPr lang="de-DE" altLang="en-US" sz="900">
+                <a:latin typeface="Calibri" charset="0"/>
+              </a:rPr>
+              <a:t>kann 32-Bit oder 64-Bit Adressierung möglich</a:t>
+            </a:r>
+            <a:endParaRPr lang="de-DE" altLang="en-US" sz="900">
+              <a:latin typeface="Calibri" charset="0"/>
+            </a:endParaRPr>
+          </a:p>
+          <a:p>
+            <a:pPr marL="742950" lvl="1" indent="-285750">
+              <a:buFont typeface="Arial" panose="02080604020202020204" pitchFamily="34" charset="0"/>
+              <a:buChar char="•"/>
+            </a:pPr>
+            <a:r>
+              <a:rPr lang="de-DE" altLang="en-US" sz="1050">
+                <a:latin typeface="Calibri" charset="0"/>
+              </a:rPr>
+              <a:t>Root Complex integrated Endpoints</a:t>
+            </a:r>
+            <a:endParaRPr lang="de-DE" altLang="en-US" sz="1050">
+              <a:latin typeface="Calibri" charset="0"/>
+            </a:endParaRPr>
+          </a:p>
+          <a:p>
+            <a:pPr marL="1200150" lvl="2" indent="-285750">
+              <a:buFont typeface="Arial" panose="02080604020202020204" pitchFamily="34" charset="0"/>
+              <a:buChar char="•"/>
+            </a:pPr>
+            <a:r>
+              <a:rPr lang="de-DE" altLang="en-US">
+                <a:latin typeface="Calibri" charset="0"/>
+              </a:rPr>
+              <a:t>Logic innerhalb des Root Complex der Root Ports</a:t>
+            </a:r>
+            <a:endParaRPr lang="de-DE" altLang="en-US">
+              <a:latin typeface="Calibri" charset="0"/>
+            </a:endParaRPr>
+          </a:p>
+          <a:p>
+            <a:pPr marL="1200150" lvl="2" indent="-285750">
+              <a:buFont typeface="Arial" panose="02080604020202020204" pitchFamily="34" charset="0"/>
+              <a:buChar char="•"/>
+            </a:pPr>
+            <a:r>
+              <a:rPr lang="de-DE" altLang="en-US">
+                <a:latin typeface="Calibri" charset="0"/>
+              </a:rPr>
+              <a:t>32-Bit Adressierung</a:t>
+            </a:r>
+            <a:endParaRPr lang="de-DE" altLang="en-US">
+              <a:latin typeface="Calibri" charset="0"/>
+            </a:endParaRPr>
+          </a:p>
+          <a:p>
+            <a:pPr marL="1200150" lvl="2" indent="-285750">
+              <a:buFont typeface="Arial" panose="02080604020202020204" pitchFamily="34" charset="0"/>
+              <a:buChar char="•"/>
+            </a:pPr>
+            <a:r>
+              <a:rPr lang="de-DE" altLang="en-US">
+                <a:latin typeface="Calibri" charset="0"/>
+              </a:rPr>
+              <a:t>Powermanagement- und Link Initilaisierungsbaugruppen entfallen statt dessen existiert ein Root Complex Event Controller</a:t>
+            </a:r>
+            <a:endParaRPr lang="de-DE" altLang="en-US">
+              <a:latin typeface="Calibri" charset="0"/>
+            </a:endParaRPr>
+          </a:p>
+          <a:p>
+            <a:pPr marL="1200150" lvl="2" indent="-285750">
+              <a:buFont typeface="Arial" panose="02080604020202020204" pitchFamily="34" charset="0"/>
+              <a:buChar char="•"/>
+            </a:pPr>
+            <a:r>
+              <a:rPr lang="de-DE" altLang="en-US">
+                <a:latin typeface="Calibri" charset="0"/>
+              </a:rPr>
+              <a:t>Im System werden diese EPs nicht angezeigt</a:t>
+            </a:r>
+            <a:endParaRPr lang="de-DE" altLang="en-US">
+              <a:latin typeface="Calibri" charset="0"/>
+            </a:endParaRPr>
+          </a:p>
+          <a:p>
+            <a:pPr marL="742950" lvl="1" indent="-285750">
+              <a:buFont typeface="Arial" panose="02080604020202020204" pitchFamily="34" charset="0"/>
+              <a:buChar char="•"/>
+            </a:pPr>
+            <a:endParaRPr lang="de-DE" altLang="en-US">
+              <a:latin typeface="Calibri" charset="0"/>
+            </a:endParaRPr>
+          </a:p>
         </p:txBody>
       </p:sp>
       <p:pic>
         <p:nvPicPr>
-          <p:cNvPr id="5" name="Picture Placeholder 4" descr="/home/dinera/Dokumente/Studium/Digitale Signalverarbeitung/root complex.pngroot complex"/>
+          <p:cNvPr id="5" name="Picture Placeholder 4" descr="/home/dinera/Dokumente/Studium/Digitale Signalverarbeitung/endpoints.pngendpoints"/>
           <p:cNvPicPr>
             <a:picLocks noChangeAspect="true"/>
           </p:cNvPicPr>
@@ -5864,8 +5945,8 @@
         </p:blipFill>
         <p:spPr>
           <a:xfrm>
-            <a:off x="5858828" y="1070610"/>
-            <a:ext cx="5285105" cy="4114800"/>
+            <a:off x="5858828" y="1070928"/>
+            <a:ext cx="5285105" cy="4114165"/>
           </a:xfrm>
           <a:prstGeom prst="rect">
             <a:avLst/>
@@ -5945,7 +6026,7 @@
                 </a:solidFill>
                 <a:latin typeface="Calibri" charset="0"/>
               </a:rPr>
-              <a:t>2. End Points</a:t>
+              <a:t>3. Switch</a:t>
             </a:r>
             <a:endParaRPr lang="de-DE" altLang="en-US">
               <a:solidFill>
@@ -5976,6 +6057,66 @@
           <a:bodyPr>
             <a:normAutofit lnSpcReduction="20000"/>
           </a:bodyPr>
+          <a:p>
+            <a:pPr marL="285750" indent="-285750">
+              <a:buFont typeface="Arial" panose="02080604020202020204" pitchFamily="34" charset="0"/>
+              <a:buChar char="•"/>
+            </a:pPr>
+            <a:r>
+              <a:rPr lang="de-DE" altLang="en-US">
+                <a:latin typeface="Calibri" charset="0"/>
+              </a:rPr>
+              <a:t>Ein Switch ist eine Logik, die intern eine virtuelle PCI-to-PCI Bridge aufbaut.</a:t>
+            </a:r>
+            <a:endParaRPr lang="de-DE" altLang="en-US">
+              <a:latin typeface="Calibri" charset="0"/>
+            </a:endParaRPr>
+          </a:p>
+          <a:p>
+            <a:pPr marL="285750" indent="-285750">
+              <a:buFont typeface="Arial" panose="02080604020202020204" pitchFamily="34" charset="0"/>
+              <a:buChar char="•"/>
+            </a:pPr>
+            <a:r>
+              <a:rPr lang="de-DE" altLang="en-US">
+                <a:latin typeface="Calibri" charset="0"/>
+              </a:rPr>
+              <a:t>Wird vom System als eine oder mehrere PCI-toPCI Bridges erkannt</a:t>
+            </a:r>
+            <a:endParaRPr lang="de-DE" altLang="en-US">
+              <a:latin typeface="Calibri" charset="0"/>
+            </a:endParaRPr>
+          </a:p>
+          <a:p>
+            <a:pPr marL="285750" indent="-285750">
+              <a:buFont typeface="Arial" panose="02080604020202020204" pitchFamily="34" charset="0"/>
+              <a:buChar char="•"/>
+            </a:pPr>
+            <a:r>
+              <a:rPr lang="de-DE" altLang="en-US">
+                <a:latin typeface="Calibri" charset="0"/>
+              </a:rPr>
+              <a:t>reicht die Saten von einem Downstream Port zum Upstream Port oder umgedreht.</a:t>
+            </a:r>
+            <a:endParaRPr lang="de-DE" altLang="en-US">
+              <a:latin typeface="Calibri" charset="0"/>
+            </a:endParaRPr>
+          </a:p>
+          <a:p>
+            <a:pPr marL="285750" indent="-285750">
+              <a:buFont typeface="Arial" panose="02080604020202020204" pitchFamily="34" charset="0"/>
+              <a:buChar char="•"/>
+            </a:pPr>
+            <a:r>
+              <a:rPr lang="de-DE" altLang="en-US">
+                <a:latin typeface="Calibri" charset="0"/>
+              </a:rPr>
+              <a:t>Daten werden nicht aufgeteilt oder verändert.</a:t>
+            </a:r>
+            <a:endParaRPr lang="de-DE" altLang="en-US">
+              <a:latin typeface="Calibri" charset="0"/>
+            </a:endParaRPr>
+          </a:p>
           <a:p>
             <a:pPr marL="285750" indent="-285750">
               <a:buFont typeface="Arial" panose="02080604020202020204" pitchFamily="34" charset="0"/>
@@ -5985,20 +6126,11 @@
               <a:latin typeface="Calibri" charset="0"/>
             </a:endParaRPr>
           </a:p>
-          <a:p>
-            <a:pPr marL="285750" indent="-285750">
-              <a:buFont typeface="Arial" panose="02080604020202020204" pitchFamily="34" charset="0"/>
-              <a:buChar char="•"/>
-            </a:pPr>
-            <a:endParaRPr lang="de-DE" altLang="en-US">
-              <a:latin typeface="Calibri" charset="0"/>
-            </a:endParaRPr>
-          </a:p>
         </p:txBody>
       </p:sp>
       <p:pic>
         <p:nvPicPr>
-          <p:cNvPr id="5" name="Picture Placeholder 4" descr="/home/dinera/Dokumente/Studium/Digitale Signalverarbeitung/endpoints.pngendpoints"/>
+          <p:cNvPr id="5" name="Picture Placeholder 4" descr="/home/dinera/Dokumente/Studium/Digitale Signalverarbeitung/switch.pngswitch"/>
           <p:cNvPicPr>
             <a:picLocks noChangeAspect="true"/>
           </p:cNvPicPr>
@@ -6015,8 +6147,8 @@
         </p:blipFill>
         <p:spPr>
           <a:xfrm>
-            <a:off x="5858828" y="1070928"/>
-            <a:ext cx="5285105" cy="4114165"/>
+            <a:off x="5924233" y="1297305"/>
+            <a:ext cx="5285105" cy="3794760"/>
           </a:xfrm>
           <a:prstGeom prst="rect">
             <a:avLst/>
@@ -6079,7 +6211,7 @@
                 </a:solidFill>
                 <a:latin typeface="Calibri" charset="0"/>
               </a:rPr>
-              <a:t>PCIe Fabric Topology</a:t>
+              <a:t>PCIe OSI Layering</a:t>
             </a:r>
             <a:br>
               <a:rPr lang="de-DE" altLang="en-US">
@@ -6089,15 +6221,6 @@
                 <a:latin typeface="Calibri" charset="0"/>
               </a:rPr>
             </a:br>
-            <a:r>
-              <a:rPr lang="de-DE" altLang="en-US">
-                <a:solidFill>
-                  <a:schemeClr val="tx1"/>
-                </a:solidFill>
-                <a:latin typeface="Calibri" charset="0"/>
-              </a:rPr>
-              <a:t>3. Switch</a:t>
-            </a:r>
             <a:endParaRPr lang="de-DE" altLang="en-US">
               <a:solidFill>
                 <a:schemeClr val="tx1"/>
@@ -6132,24 +6255,21 @@
               <a:buFont typeface="Arial" panose="02080604020202020204" pitchFamily="34" charset="0"/>
               <a:buChar char="•"/>
             </a:pPr>
+            <a:r>
+              <a:rPr lang="de-DE" altLang="en-US">
+                <a:latin typeface="Calibri" charset="0"/>
+              </a:rPr>
+              <a:t>PCIe schließt die ersten 3 Schichten des OSI 7 Schichten Modells ein. Dise sind komplett in den PCIe Baugruppen implementiert und kommunizieren die Daten und Steuerinformationen mit den Baugruppen der darübliegenden Schichten.</a:t>
+            </a:r>
             <a:endParaRPr lang="de-DE" altLang="en-US">
               <a:latin typeface="Calibri" charset="0"/>
             </a:endParaRPr>
           </a:p>
-          <a:p>
-            <a:pPr marL="285750" indent="-285750">
-              <a:buFont typeface="Arial" panose="02080604020202020204" pitchFamily="34" charset="0"/>
-              <a:buChar char="•"/>
-            </a:pPr>
-            <a:endParaRPr lang="de-DE" altLang="en-US">
-              <a:latin typeface="Calibri" charset="0"/>
-            </a:endParaRPr>
-          </a:p>
         </p:txBody>
       </p:sp>
       <p:pic>
         <p:nvPicPr>
-          <p:cNvPr id="5" name="Picture Placeholder 4" descr="/home/dinera/Dokumente/Studium/Digitale Signalverarbeitung/switch.pngswitch"/>
+          <p:cNvPr id="5" name="Picture Placeholder 4" descr="/home/dinera/Dokumente/Studium/Digitale Signalverarbeitung/layer.pnglayer"/>
           <p:cNvPicPr>
             <a:picLocks noChangeAspect="true"/>
           </p:cNvPicPr>
@@ -6159,15 +6279,39 @@
         </p:nvPicPr>
         <p:blipFill>
           <a:blip r:embed="rId2"/>
-          <a:srcRect/>
+          <a:srcRect r="4356"/>
           <a:stretch>
             <a:fillRect/>
           </a:stretch>
         </p:blipFill>
         <p:spPr>
           <a:xfrm>
-            <a:off x="5924233" y="1297305"/>
-            <a:ext cx="5285105" cy="3794760"/>
+            <a:off x="6168390" y="930910"/>
+            <a:ext cx="5772785" cy="2627630"/>
+          </a:xfrm>
+          <a:prstGeom prst="rect">
+            <a:avLst/>
+          </a:prstGeom>
+        </p:spPr>
+      </p:pic>
+      <p:pic>
+        <p:nvPicPr>
+          <p:cNvPr id="3" name="Picture 2" descr="layer_transmission"/>
+          <p:cNvPicPr>
+            <a:picLocks noChangeAspect="true"/>
+          </p:cNvPicPr>
+          <p:nvPr/>
+        </p:nvPicPr>
+        <p:blipFill>
+          <a:blip r:embed="rId3"/>
+          <a:stretch>
+            <a:fillRect/>
+          </a:stretch>
+        </p:blipFill>
+        <p:spPr>
+          <a:xfrm>
+            <a:off x="518795" y="2979420"/>
+            <a:ext cx="4575175" cy="3302635"/>
           </a:xfrm>
           <a:prstGeom prst="rect">
             <a:avLst/>
@@ -6230,7 +6374,7 @@
                 </a:solidFill>
                 <a:latin typeface="Calibri" charset="0"/>
               </a:rPr>
-              <a:t>PCIe OSI Layering</a:t>
+              <a:t>PCIe Protocol</a:t>
             </a:r>
             <a:br>
               <a:rPr lang="de-DE" altLang="en-US">
@@ -6240,6 +6384,15 @@
                 <a:latin typeface="Calibri" charset="0"/>
               </a:rPr>
             </a:br>
+            <a:r>
+              <a:rPr lang="de-DE" altLang="en-US">
+                <a:solidFill>
+                  <a:schemeClr val="tx1"/>
+                </a:solidFill>
+                <a:latin typeface="Calibri" charset="0"/>
+              </a:rPr>
+              <a:t>1. Physical Layer</a:t>
+            </a:r>
             <a:endParaRPr lang="de-DE" altLang="en-US">
               <a:solidFill>
                 <a:schemeClr val="tx1"/>
@@ -6267,8 +6420,38 @@
         </p:spPr>
         <p:txBody>
           <a:bodyPr>
-            <a:normAutofit lnSpcReduction="20000"/>
+            <a:normAutofit/>
           </a:bodyPr>
+          <a:p>
+            <a:pPr marL="285750" indent="-285750">
+              <a:buFont typeface="Arial" panose="02080604020202020204" pitchFamily="34" charset="0"/>
+              <a:buChar char="•"/>
+            </a:pPr>
+            <a:r>
+              <a:rPr lang="de-DE" altLang="en-US">
+                <a:latin typeface="Calibri" charset="0"/>
+              </a:rPr>
+              <a:t>Komplette schaltung des Interfaces mit mit Baugruppen für:</a:t>
+            </a:r>
+            <a:endParaRPr lang="de-DE" altLang="en-US">
+              <a:latin typeface="Calibri" charset="0"/>
+            </a:endParaRPr>
+          </a:p>
+          <a:p>
+            <a:pPr marL="742950" lvl="1" indent="-285750">
+              <a:buFont typeface="Arial" panose="02080604020202020204" pitchFamily="34" charset="0"/>
+              <a:buChar char="•"/>
+            </a:pPr>
+            <a:r>
+              <a:rPr lang="de-DE" altLang="en-US" sz="1050">
+                <a:latin typeface="Calibri" charset="0"/>
+              </a:rPr>
+              <a:t>Treiber, Buffer, parallel-seriel und seriell-paralell Konvertierung, PLL (phsae locked loop) </a:t>
+            </a:r>
+            <a:endParaRPr lang="de-DE" altLang="en-US">
+              <a:latin typeface="Calibri" charset="0"/>
+            </a:endParaRPr>
+          </a:p>
           <a:p>
             <a:pPr marL="285750" indent="-285750">
               <a:buFont typeface="Arial" panose="02080604020202020204" pitchFamily="34" charset="0"/>
@@ -6278,20 +6461,11 @@
               <a:latin typeface="Calibri" charset="0"/>
             </a:endParaRPr>
           </a:p>
-          <a:p>
-            <a:pPr marL="285750" indent="-285750">
-              <a:buFont typeface="Arial" panose="02080604020202020204" pitchFamily="34" charset="0"/>
-              <a:buChar char="•"/>
-            </a:pPr>
-            <a:endParaRPr lang="de-DE" altLang="en-US">
-              <a:latin typeface="Calibri" charset="0"/>
-            </a:endParaRPr>
-          </a:p>
         </p:txBody>
       </p:sp>
       <p:pic>
         <p:nvPicPr>
-          <p:cNvPr id="5" name="Picture Placeholder 4" descr="/home/dinera/Dokumente/Studium/Digitale Signalverarbeitung/layer.pnglayer"/>
+          <p:cNvPr id="5" name="Picture Placeholder 4" descr="/home/dinera/Dokumente/Studium/Digitale Signalverarbeitung/layer_physical.pnglayer_physical"/>
           <p:cNvPicPr>
             <a:picLocks noChangeAspect="true"/>
           </p:cNvPicPr>
@@ -6301,39 +6475,15 @@
         </p:nvPicPr>
         <p:blipFill>
           <a:blip r:embed="rId2"/>
-          <a:srcRect r="4356"/>
+          <a:srcRect/>
           <a:stretch>
             <a:fillRect/>
           </a:stretch>
         </p:blipFill>
         <p:spPr>
           <a:xfrm>
-            <a:off x="6168390" y="930910"/>
-            <a:ext cx="5772785" cy="2627630"/>
-          </a:xfrm>
-          <a:prstGeom prst="rect">
-            <a:avLst/>
-          </a:prstGeom>
-        </p:spPr>
-      </p:pic>
-      <p:pic>
-        <p:nvPicPr>
-          <p:cNvPr id="3" name="Picture 2" descr="layer_transmission"/>
-          <p:cNvPicPr>
-            <a:picLocks noChangeAspect="true"/>
-          </p:cNvPicPr>
-          <p:nvPr/>
-        </p:nvPicPr>
-        <p:blipFill>
-          <a:blip r:embed="rId3"/>
-          <a:stretch>
-            <a:fillRect/>
-          </a:stretch>
-        </p:blipFill>
-        <p:spPr>
-          <a:xfrm>
-            <a:off x="6767195" y="3558540"/>
-            <a:ext cx="4575175" cy="3302635"/>
+            <a:off x="6674803" y="934403"/>
+            <a:ext cx="5285105" cy="2300605"/>
           </a:xfrm>
           <a:prstGeom prst="rect">
             <a:avLst/>
